--- a/Presentation/Elektronische_Systemen_Sensors.pptx
+++ b/Presentation/Elektronische_Systemen_Sensors.pptx
@@ -126,7 +126,9 @@
 <file path=ppt/revisionInfo.xml><?xml version="1.0" encoding="utf-8"?>
 <p1510:revInfo xmlns:a="http://schemas.openxmlformats.org/drawingml/2006/main" xmlns:r="http://schemas.openxmlformats.org/officeDocument/2006/relationships" xmlns:p1510="http://schemas.microsoft.com/office/powerpoint/2015/10/main">
   <p1510:revLst>
-    <p1510:client id="{B1A7EFC9-5C6D-4E16-AFFB-338C2315D95B}" v="290" dt="2024-05-24T09:27:26.233"/>
+    <p1510:client id="{A4C99A40-4834-4D31-A5E5-808AF16CD054}" v="43" dt="2024-05-28T14:12:45.686"/>
+    <p1510:client id="{B1A7EFC9-5C6D-4E16-AFFB-338C2315D95B}" v="422" dt="2024-05-27T21:07:30.072"/>
+    <p1510:client id="{C5A1A881-573B-DA4E-8705-EB93669299AC}" v="11" dt="2024-05-27T11:48:03.218"/>
   </p1510:revLst>
 </p1510:revInfo>
 </file>
@@ -134,1596 +136,20 @@
 <file path=ppt/changesInfos/changesInfo1.xml><?xml version="1.0" encoding="utf-8"?>
 <pc:chgInfo xmlns:a="http://schemas.openxmlformats.org/drawingml/2006/main" xmlns:r="http://schemas.openxmlformats.org/officeDocument/2006/relationships" xmlns:ac="http://schemas.microsoft.com/office/drawing/2013/main/command" xmlns:pc="http://schemas.microsoft.com/office/powerpoint/2013/main/command">
   <pc:docChgLst>
-    <pc:chgData name="Jonas Vanhulst" userId="34ac1234-5592-4d7f-9994-53365d15ede3" providerId="ADAL" clId="{05C94207-FE41-4C92-949A-611D37DD235E}"/>
-    <pc:docChg chg="undo custSel addSld delSld modSld sldOrd">
-      <pc:chgData name="Jonas Vanhulst" userId="34ac1234-5592-4d7f-9994-53365d15ede3" providerId="ADAL" clId="{05C94207-FE41-4C92-949A-611D37DD235E}" dt="2024-01-17T17:58:02.490" v="1437" actId="20577"/>
+    <pc:chgData name="Jasper Maes" userId="9a0302ae-031c-4350-9607-bc09bebdd69f" providerId="ADAL" clId="{C5A1A881-573B-DA4E-8705-EB93669299AC}"/>
+    <pc:docChg chg="modSld">
+      <pc:chgData name="Jasper Maes" userId="9a0302ae-031c-4350-9607-bc09bebdd69f" providerId="ADAL" clId="{C5A1A881-573B-DA4E-8705-EB93669299AC}" dt="2024-05-27T11:48:00.910" v="7"/>
       <pc:docMkLst>
         <pc:docMk/>
       </pc:docMkLst>
-      <pc:sldChg chg="modNotesTx">
-        <pc:chgData name="Jonas Vanhulst" userId="34ac1234-5592-4d7f-9994-53365d15ede3" providerId="ADAL" clId="{05C94207-FE41-4C92-949A-611D37DD235E}" dt="2024-01-17T17:52:29.566" v="1201" actId="20577"/>
-        <pc:sldMkLst>
-          <pc:docMk/>
-          <pc:sldMk cId="2136152480" sldId="256"/>
-        </pc:sldMkLst>
-      </pc:sldChg>
-      <pc:sldChg chg="addSp modSp modNotesTx">
-        <pc:chgData name="Jonas Vanhulst" userId="34ac1234-5592-4d7f-9994-53365d15ede3" providerId="ADAL" clId="{05C94207-FE41-4C92-949A-611D37DD235E}" dt="2024-01-17T17:52:53.473" v="1206" actId="20577"/>
-        <pc:sldMkLst>
-          <pc:docMk/>
-          <pc:sldMk cId="966543752" sldId="257"/>
-        </pc:sldMkLst>
-        <pc:graphicFrameChg chg="mod">
-          <ac:chgData name="Jonas Vanhulst" userId="34ac1234-5592-4d7f-9994-53365d15ede3" providerId="ADAL" clId="{05C94207-FE41-4C92-949A-611D37DD235E}" dt="2024-01-16T11:55:34.749" v="471" actId="20577"/>
-          <ac:graphicFrameMkLst>
-            <pc:docMk/>
-            <pc:sldMk cId="966543752" sldId="257"/>
-            <ac:graphicFrameMk id="7" creationId="{C2915D05-77A5-3AFD-33BD-31D4CECE2DAC}"/>
-          </ac:graphicFrameMkLst>
-        </pc:graphicFrameChg>
-        <pc:picChg chg="add mod">
-          <ac:chgData name="Jonas Vanhulst" userId="34ac1234-5592-4d7f-9994-53365d15ede3" providerId="ADAL" clId="{05C94207-FE41-4C92-949A-611D37DD235E}" dt="2024-01-16T11:21:28.504" v="324"/>
-          <ac:picMkLst>
-            <pc:docMk/>
-            <pc:sldMk cId="966543752" sldId="257"/>
-            <ac:picMk id="2" creationId="{FB0CCF21-8E13-9A6B-784F-4FC0D960175F}"/>
-          </ac:picMkLst>
-        </pc:picChg>
-      </pc:sldChg>
-      <pc:sldChg chg="addSp modSp mod modNotesTx">
-        <pc:chgData name="Jonas Vanhulst" userId="34ac1234-5592-4d7f-9994-53365d15ede3" providerId="ADAL" clId="{05C94207-FE41-4C92-949A-611D37DD235E}" dt="2024-01-17T17:53:33.529" v="1233" actId="20577"/>
-        <pc:sldMkLst>
-          <pc:docMk/>
-          <pc:sldMk cId="2625802091" sldId="258"/>
-        </pc:sldMkLst>
-        <pc:spChg chg="add mod">
-          <ac:chgData name="Jonas Vanhulst" userId="34ac1234-5592-4d7f-9994-53365d15ede3" providerId="ADAL" clId="{05C94207-FE41-4C92-949A-611D37DD235E}" dt="2024-01-17T17:26:36.260" v="1091" actId="1076"/>
-          <ac:spMkLst>
-            <pc:docMk/>
-            <pc:sldMk cId="2625802091" sldId="258"/>
-            <ac:spMk id="3" creationId="{2458DE84-6E0F-9E43-0184-91F6635F73F8}"/>
-          </ac:spMkLst>
-        </pc:spChg>
-      </pc:sldChg>
-      <pc:sldChg chg="addSp modSp mod modNotesTx">
-        <pc:chgData name="Jonas Vanhulst" userId="34ac1234-5592-4d7f-9994-53365d15ede3" providerId="ADAL" clId="{05C94207-FE41-4C92-949A-611D37DD235E}" dt="2024-01-17T17:53:46.207" v="1243" actId="20577"/>
-        <pc:sldMkLst>
-          <pc:docMk/>
-          <pc:sldMk cId="4059836870" sldId="259"/>
-        </pc:sldMkLst>
-        <pc:spChg chg="mod">
-          <ac:chgData name="Jonas Vanhulst" userId="34ac1234-5592-4d7f-9994-53365d15ede3" providerId="ADAL" clId="{05C94207-FE41-4C92-949A-611D37DD235E}" dt="2024-01-17T17:26:52.702" v="1098" actId="6549"/>
-          <ac:spMkLst>
-            <pc:docMk/>
-            <pc:sldMk cId="4059836870" sldId="259"/>
-            <ac:spMk id="22" creationId="{4ED12C75-95B0-3EEF-37A3-B6407BEBC53F}"/>
-          </ac:spMkLst>
-        </pc:spChg>
-        <pc:spChg chg="mod">
-          <ac:chgData name="Jonas Vanhulst" userId="34ac1234-5592-4d7f-9994-53365d15ede3" providerId="ADAL" clId="{05C94207-FE41-4C92-949A-611D37DD235E}" dt="2024-01-17T17:26:59.860" v="1099" actId="1076"/>
-          <ac:spMkLst>
-            <pc:docMk/>
-            <pc:sldMk cId="4059836870" sldId="259"/>
-            <ac:spMk id="23" creationId="{F867C60A-E1A0-3AC6-7F01-1097E27745D3}"/>
-          </ac:spMkLst>
-        </pc:spChg>
-        <pc:spChg chg="add mod">
-          <ac:chgData name="Jonas Vanhulst" userId="34ac1234-5592-4d7f-9994-53365d15ede3" providerId="ADAL" clId="{05C94207-FE41-4C92-949A-611D37DD235E}" dt="2024-01-17T17:26:50.139" v="1097" actId="20577"/>
-          <ac:spMkLst>
-            <pc:docMk/>
-            <pc:sldMk cId="4059836870" sldId="259"/>
-            <ac:spMk id="25" creationId="{4296CC24-F2A9-A300-26ED-7B7D2FF686C2}"/>
-          </ac:spMkLst>
-        </pc:spChg>
-      </pc:sldChg>
-      <pc:sldChg chg="del">
-        <pc:chgData name="Jonas Vanhulst" userId="34ac1234-5592-4d7f-9994-53365d15ede3" providerId="ADAL" clId="{05C94207-FE41-4C92-949A-611D37DD235E}" dt="2024-01-16T10:46:05.541" v="71" actId="47"/>
-        <pc:sldMkLst>
-          <pc:docMk/>
-          <pc:sldMk cId="1178464680" sldId="260"/>
-        </pc:sldMkLst>
-      </pc:sldChg>
-      <pc:sldChg chg="del">
-        <pc:chgData name="Jonas Vanhulst" userId="34ac1234-5592-4d7f-9994-53365d15ede3" providerId="ADAL" clId="{05C94207-FE41-4C92-949A-611D37DD235E}" dt="2024-01-16T10:46:05.541" v="71" actId="47"/>
-        <pc:sldMkLst>
-          <pc:docMk/>
-          <pc:sldMk cId="25849831" sldId="261"/>
-        </pc:sldMkLst>
-      </pc:sldChg>
-      <pc:sldChg chg="del">
-        <pc:chgData name="Jonas Vanhulst" userId="34ac1234-5592-4d7f-9994-53365d15ede3" providerId="ADAL" clId="{05C94207-FE41-4C92-949A-611D37DD235E}" dt="2024-01-16T10:46:05.541" v="71" actId="47"/>
-        <pc:sldMkLst>
-          <pc:docMk/>
-          <pc:sldMk cId="4180083807" sldId="262"/>
-        </pc:sldMkLst>
-      </pc:sldChg>
-      <pc:sldChg chg="del">
-        <pc:chgData name="Jonas Vanhulst" userId="34ac1234-5592-4d7f-9994-53365d15ede3" providerId="ADAL" clId="{05C94207-FE41-4C92-949A-611D37DD235E}" dt="2024-01-16T10:46:05.541" v="71" actId="47"/>
-        <pc:sldMkLst>
-          <pc:docMk/>
-          <pc:sldMk cId="1841326194" sldId="263"/>
-        </pc:sldMkLst>
-      </pc:sldChg>
-      <pc:sldChg chg="del">
-        <pc:chgData name="Jonas Vanhulst" userId="34ac1234-5592-4d7f-9994-53365d15ede3" providerId="ADAL" clId="{05C94207-FE41-4C92-949A-611D37DD235E}" dt="2024-01-16T10:46:05.541" v="71" actId="47"/>
-        <pc:sldMkLst>
-          <pc:docMk/>
-          <pc:sldMk cId="3677890205" sldId="264"/>
-        </pc:sldMkLst>
-      </pc:sldChg>
-      <pc:sldChg chg="addSp modSp mod modNotesTx">
-        <pc:chgData name="Jonas Vanhulst" userId="34ac1234-5592-4d7f-9994-53365d15ede3" providerId="ADAL" clId="{05C94207-FE41-4C92-949A-611D37DD235E}" dt="2024-01-17T17:53:54.306" v="1252" actId="20577"/>
-        <pc:sldMkLst>
-          <pc:docMk/>
-          <pc:sldMk cId="3911525402" sldId="269"/>
-        </pc:sldMkLst>
-        <pc:spChg chg="add mod">
-          <ac:chgData name="Jonas Vanhulst" userId="34ac1234-5592-4d7f-9994-53365d15ede3" providerId="ADAL" clId="{05C94207-FE41-4C92-949A-611D37DD235E}" dt="2024-01-17T17:27:10.284" v="1102" actId="20577"/>
-          <ac:spMkLst>
-            <pc:docMk/>
-            <pc:sldMk cId="3911525402" sldId="269"/>
-            <ac:spMk id="2" creationId="{E36C7252-F808-4A4C-8FF5-5276C5F6D43F}"/>
-          </ac:spMkLst>
-        </pc:spChg>
-      </pc:sldChg>
-      <pc:sldChg chg="del ord">
-        <pc:chgData name="Jonas Vanhulst" userId="34ac1234-5592-4d7f-9994-53365d15ede3" providerId="ADAL" clId="{05C94207-FE41-4C92-949A-611D37DD235E}" dt="2024-01-16T11:39:40.594" v="387" actId="47"/>
-        <pc:sldMkLst>
-          <pc:docMk/>
-          <pc:sldMk cId="25800700" sldId="294"/>
-        </pc:sldMkLst>
-      </pc:sldChg>
-      <pc:sldChg chg="del">
-        <pc:chgData name="Jonas Vanhulst" userId="34ac1234-5592-4d7f-9994-53365d15ede3" providerId="ADAL" clId="{05C94207-FE41-4C92-949A-611D37DD235E}" dt="2024-01-16T11:22:21.009" v="340" actId="47"/>
-        <pc:sldMkLst>
-          <pc:docMk/>
-          <pc:sldMk cId="4120671462" sldId="312"/>
-        </pc:sldMkLst>
-      </pc:sldChg>
-      <pc:sldChg chg="addSp delSp modSp del mod">
-        <pc:chgData name="Jonas Vanhulst" userId="34ac1234-5592-4d7f-9994-53365d15ede3" providerId="ADAL" clId="{05C94207-FE41-4C92-949A-611D37DD235E}" dt="2024-01-16T10:56:16.386" v="161" actId="47"/>
-        <pc:sldMkLst>
-          <pc:docMk/>
-          <pc:sldMk cId="164023942" sldId="327"/>
-        </pc:sldMkLst>
-        <pc:picChg chg="add del mod">
-          <ac:chgData name="Jonas Vanhulst" userId="34ac1234-5592-4d7f-9994-53365d15ede3" providerId="ADAL" clId="{05C94207-FE41-4C92-949A-611D37DD235E}" dt="2024-01-16T10:55:11.464" v="130" actId="21"/>
-          <ac:picMkLst>
-            <pc:docMk/>
-            <pc:sldMk cId="164023942" sldId="327"/>
-            <ac:picMk id="3" creationId="{A7332489-A81F-F2D3-36BE-3217C726D3A1}"/>
-          </ac:picMkLst>
-        </pc:picChg>
-        <pc:picChg chg="add del mod">
-          <ac:chgData name="Jonas Vanhulst" userId="34ac1234-5592-4d7f-9994-53365d15ede3" providerId="ADAL" clId="{05C94207-FE41-4C92-949A-611D37DD235E}" dt="2024-01-16T10:56:01.540" v="139" actId="478"/>
-          <ac:picMkLst>
-            <pc:docMk/>
-            <pc:sldMk cId="164023942" sldId="327"/>
-            <ac:picMk id="7" creationId="{499533C9-FDC4-E847-73E1-ACCFBC424B0E}"/>
-          </ac:picMkLst>
-        </pc:picChg>
-        <pc:picChg chg="add del mod">
-          <ac:chgData name="Jonas Vanhulst" userId="34ac1234-5592-4d7f-9994-53365d15ede3" providerId="ADAL" clId="{05C94207-FE41-4C92-949A-611D37DD235E}" dt="2024-01-16T10:55:50.517" v="135" actId="21"/>
-          <ac:picMkLst>
-            <pc:docMk/>
-            <pc:sldMk cId="164023942" sldId="327"/>
-            <ac:picMk id="11" creationId="{981655C4-7A73-C694-3958-C485DA54B7B6}"/>
-          </ac:picMkLst>
-        </pc:picChg>
-      </pc:sldChg>
-      <pc:sldChg chg="addSp delSp modSp del mod">
-        <pc:chgData name="Jonas Vanhulst" userId="34ac1234-5592-4d7f-9994-53365d15ede3" providerId="ADAL" clId="{05C94207-FE41-4C92-949A-611D37DD235E}" dt="2024-01-16T11:11:48.212" v="296" actId="47"/>
-        <pc:sldMkLst>
-          <pc:docMk/>
-          <pc:sldMk cId="2758558572" sldId="328"/>
-        </pc:sldMkLst>
-        <pc:picChg chg="add mod">
-          <ac:chgData name="Jonas Vanhulst" userId="34ac1234-5592-4d7f-9994-53365d15ede3" providerId="ADAL" clId="{05C94207-FE41-4C92-949A-611D37DD235E}" dt="2024-01-16T10:56:19.163" v="162"/>
-          <ac:picMkLst>
-            <pc:docMk/>
-            <pc:sldMk cId="2758558572" sldId="328"/>
-            <ac:picMk id="2" creationId="{CFAA2038-3D83-417E-87DC-90F0A509A471}"/>
-          </ac:picMkLst>
-        </pc:picChg>
-        <pc:picChg chg="del">
-          <ac:chgData name="Jonas Vanhulst" userId="34ac1234-5592-4d7f-9994-53365d15ede3" providerId="ADAL" clId="{05C94207-FE41-4C92-949A-611D37DD235E}" dt="2024-01-16T11:11:08.430" v="262" actId="21"/>
-          <ac:picMkLst>
-            <pc:docMk/>
-            <pc:sldMk cId="2758558572" sldId="328"/>
-            <ac:picMk id="7" creationId="{16E52ED6-4314-2FEB-BEC6-1193490C80CE}"/>
-          </ac:picMkLst>
-        </pc:picChg>
-      </pc:sldChg>
-      <pc:sldChg chg="addSp modSp mod modNotesTx">
-        <pc:chgData name="Jonas Vanhulst" userId="34ac1234-5592-4d7f-9994-53365d15ede3" providerId="ADAL" clId="{05C94207-FE41-4C92-949A-611D37DD235E}" dt="2024-01-17T17:55:09.885" v="1329" actId="20577"/>
-        <pc:sldMkLst>
-          <pc:docMk/>
-          <pc:sldMk cId="2830192915" sldId="330"/>
-        </pc:sldMkLst>
-        <pc:spChg chg="add mod">
-          <ac:chgData name="Jonas Vanhulst" userId="34ac1234-5592-4d7f-9994-53365d15ede3" providerId="ADAL" clId="{05C94207-FE41-4C92-949A-611D37DD235E}" dt="2024-01-17T17:27:48.573" v="1125" actId="14100"/>
-          <ac:spMkLst>
-            <pc:docMk/>
-            <pc:sldMk cId="2830192915" sldId="330"/>
-            <ac:spMk id="3" creationId="{69B82C7B-7E12-3109-914D-6EAB4D802B76}"/>
-          </ac:spMkLst>
-        </pc:spChg>
-        <pc:picChg chg="add mod">
-          <ac:chgData name="Jonas Vanhulst" userId="34ac1234-5592-4d7f-9994-53365d15ede3" providerId="ADAL" clId="{05C94207-FE41-4C92-949A-611D37DD235E}" dt="2024-01-16T11:21:08.148" v="318"/>
-          <ac:picMkLst>
-            <pc:docMk/>
-            <pc:sldMk cId="2830192915" sldId="330"/>
-            <ac:picMk id="3" creationId="{87753408-FAB2-201D-9779-6BE944EA51C2}"/>
-          </ac:picMkLst>
-        </pc:picChg>
-      </pc:sldChg>
-      <pc:sldChg chg="del ord">
-        <pc:chgData name="Jonas Vanhulst" userId="34ac1234-5592-4d7f-9994-53365d15ede3" providerId="ADAL" clId="{05C94207-FE41-4C92-949A-611D37DD235E}" dt="2024-01-16T11:37:16.244" v="344" actId="47"/>
-        <pc:sldMkLst>
-          <pc:docMk/>
-          <pc:sldMk cId="1176964160" sldId="331"/>
-        </pc:sldMkLst>
-      </pc:sldChg>
-      <pc:sldChg chg="addSp modSp mod modNotesTx">
-        <pc:chgData name="Jonas Vanhulst" userId="34ac1234-5592-4d7f-9994-53365d15ede3" providerId="ADAL" clId="{05C94207-FE41-4C92-949A-611D37DD235E}" dt="2024-01-17T17:54:19.805" v="1304" actId="20577"/>
-        <pc:sldMkLst>
-          <pc:docMk/>
-          <pc:sldMk cId="788674614" sldId="333"/>
-        </pc:sldMkLst>
-        <pc:spChg chg="add mod">
-          <ac:chgData name="Jonas Vanhulst" userId="34ac1234-5592-4d7f-9994-53365d15ede3" providerId="ADAL" clId="{05C94207-FE41-4C92-949A-611D37DD235E}" dt="2024-01-17T17:27:28.325" v="1116" actId="20577"/>
-          <ac:spMkLst>
-            <pc:docMk/>
-            <pc:sldMk cId="788674614" sldId="333"/>
-            <ac:spMk id="3" creationId="{2DD537C9-92C9-041F-CDDA-DB5FBCA45280}"/>
-          </ac:spMkLst>
-        </pc:spChg>
-      </pc:sldChg>
-      <pc:sldChg chg="addSp modSp mod ord modNotesTx">
-        <pc:chgData name="Jonas Vanhulst" userId="34ac1234-5592-4d7f-9994-53365d15ede3" providerId="ADAL" clId="{05C94207-FE41-4C92-949A-611D37DD235E}" dt="2024-01-17T17:56:18.603" v="1347" actId="20577"/>
-        <pc:sldMkLst>
-          <pc:docMk/>
-          <pc:sldMk cId="900331662" sldId="337"/>
-        </pc:sldMkLst>
-        <pc:spChg chg="add mod">
-          <ac:chgData name="Jonas Vanhulst" userId="34ac1234-5592-4d7f-9994-53365d15ede3" providerId="ADAL" clId="{05C94207-FE41-4C92-949A-611D37DD235E}" dt="2024-01-17T17:28:01.813" v="1129" actId="207"/>
-          <ac:spMkLst>
-            <pc:docMk/>
-            <pc:sldMk cId="900331662" sldId="337"/>
-            <ac:spMk id="2" creationId="{E1101A8D-12CA-1E12-78A1-43D8338CD252}"/>
-          </ac:spMkLst>
-        </pc:spChg>
-        <pc:picChg chg="mod">
-          <ac:chgData name="Jonas Vanhulst" userId="34ac1234-5592-4d7f-9994-53365d15ede3" providerId="ADAL" clId="{05C94207-FE41-4C92-949A-611D37DD235E}" dt="2024-01-17T17:28:02.244" v="1130" actId="1076"/>
-          <ac:picMkLst>
-            <pc:docMk/>
-            <pc:sldMk cId="900331662" sldId="337"/>
-            <ac:picMk id="5" creationId="{230473A1-5923-0ECB-0CBB-C112AC30197B}"/>
-          </ac:picMkLst>
-        </pc:picChg>
-      </pc:sldChg>
-      <pc:sldChg chg="addSp modSp mod ord modNotesTx">
-        <pc:chgData name="Jonas Vanhulst" userId="34ac1234-5592-4d7f-9994-53365d15ede3" providerId="ADAL" clId="{05C94207-FE41-4C92-949A-611D37DD235E}" dt="2024-01-17T17:56:26.242" v="1353" actId="20577"/>
-        <pc:sldMkLst>
-          <pc:docMk/>
-          <pc:sldMk cId="4079146737" sldId="338"/>
-        </pc:sldMkLst>
-        <pc:spChg chg="add mod">
-          <ac:chgData name="Jonas Vanhulst" userId="34ac1234-5592-4d7f-9994-53365d15ede3" providerId="ADAL" clId="{05C94207-FE41-4C92-949A-611D37DD235E}" dt="2024-01-17T17:28:11.098" v="1133" actId="20577"/>
-          <ac:spMkLst>
-            <pc:docMk/>
-            <pc:sldMk cId="4079146737" sldId="338"/>
-            <ac:spMk id="2" creationId="{71E22D2A-C1CC-02EE-5C22-9523EF35F325}"/>
-          </ac:spMkLst>
-        </pc:spChg>
-      </pc:sldChg>
-      <pc:sldChg chg="addSp modSp mod ord modNotesTx">
-        <pc:chgData name="Jonas Vanhulst" userId="34ac1234-5592-4d7f-9994-53365d15ede3" providerId="ADAL" clId="{05C94207-FE41-4C92-949A-611D37DD235E}" dt="2024-01-17T17:56:43.897" v="1375" actId="20577"/>
-        <pc:sldMkLst>
-          <pc:docMk/>
-          <pc:sldMk cId="3274610064" sldId="339"/>
-        </pc:sldMkLst>
-        <pc:spChg chg="add mod">
-          <ac:chgData name="Jonas Vanhulst" userId="34ac1234-5592-4d7f-9994-53365d15ede3" providerId="ADAL" clId="{05C94207-FE41-4C92-949A-611D37DD235E}" dt="2024-01-17T17:28:14.905" v="1136" actId="20577"/>
-          <ac:spMkLst>
-            <pc:docMk/>
-            <pc:sldMk cId="3274610064" sldId="339"/>
-            <ac:spMk id="2" creationId="{6E93484A-A360-CB33-FC62-FCA5094FA67B}"/>
-          </ac:spMkLst>
-        </pc:spChg>
-      </pc:sldChg>
-      <pc:sldChg chg="addSp delSp modSp mod ord modNotesTx">
-        <pc:chgData name="Jonas Vanhulst" userId="34ac1234-5592-4d7f-9994-53365d15ede3" providerId="ADAL" clId="{05C94207-FE41-4C92-949A-611D37DD235E}" dt="2024-01-17T17:57:06.176" v="1399" actId="20577"/>
-        <pc:sldMkLst>
-          <pc:docMk/>
-          <pc:sldMk cId="3929993067" sldId="340"/>
-        </pc:sldMkLst>
-        <pc:spChg chg="mod">
-          <ac:chgData name="Jonas Vanhulst" userId="34ac1234-5592-4d7f-9994-53365d15ede3" providerId="ADAL" clId="{05C94207-FE41-4C92-949A-611D37DD235E}" dt="2024-01-16T11:37:24.340" v="363" actId="20577"/>
-          <ac:spMkLst>
-            <pc:docMk/>
-            <pc:sldMk cId="3929993067" sldId="340"/>
-            <ac:spMk id="2" creationId="{5B44B0BC-7C8A-B76E-AD8A-0CEAFAB46912}"/>
-          </ac:spMkLst>
-        </pc:spChg>
-        <pc:spChg chg="del">
-          <ac:chgData name="Jonas Vanhulst" userId="34ac1234-5592-4d7f-9994-53365d15ede3" providerId="ADAL" clId="{05C94207-FE41-4C92-949A-611D37DD235E}" dt="2024-01-16T11:22:52.671" v="341" actId="478"/>
-          <ac:spMkLst>
-            <pc:docMk/>
-            <pc:sldMk cId="3929993067" sldId="340"/>
-            <ac:spMk id="3" creationId="{3C3FE03D-2CA6-FB06-4381-B68579B0674D}"/>
-          </ac:spMkLst>
-        </pc:spChg>
-        <pc:spChg chg="add mod">
-          <ac:chgData name="Jonas Vanhulst" userId="34ac1234-5592-4d7f-9994-53365d15ede3" providerId="ADAL" clId="{05C94207-FE41-4C92-949A-611D37DD235E}" dt="2024-01-17T17:28:39.829" v="1149" actId="20577"/>
-          <ac:spMkLst>
-            <pc:docMk/>
-            <pc:sldMk cId="3929993067" sldId="340"/>
-            <ac:spMk id="3" creationId="{5C1A125D-9053-6CEF-C653-80CD9144E0B5}"/>
-          </ac:spMkLst>
-        </pc:spChg>
-        <pc:picChg chg="add mod">
-          <ac:chgData name="Jonas Vanhulst" userId="34ac1234-5592-4d7f-9994-53365d15ede3" providerId="ADAL" clId="{05C94207-FE41-4C92-949A-611D37DD235E}" dt="2024-01-16T11:37:25.895" v="364"/>
-          <ac:picMkLst>
-            <pc:docMk/>
-            <pc:sldMk cId="3929993067" sldId="340"/>
-            <ac:picMk id="5" creationId="{4FC83DB6-BB35-91CC-F33D-AA27F96C8FA9}"/>
-          </ac:picMkLst>
-        </pc:picChg>
-        <pc:picChg chg="add mod">
-          <ac:chgData name="Jonas Vanhulst" userId="34ac1234-5592-4d7f-9994-53365d15ede3" providerId="ADAL" clId="{05C94207-FE41-4C92-949A-611D37DD235E}" dt="2024-01-16T11:37:32.869" v="367" actId="962"/>
-          <ac:picMkLst>
-            <pc:docMk/>
-            <pc:sldMk cId="3929993067" sldId="340"/>
-            <ac:picMk id="7" creationId="{C5C54C52-526A-4ABC-8EFB-1BE1BB04D87A}"/>
-          </ac:picMkLst>
-        </pc:picChg>
-      </pc:sldChg>
-      <pc:sldChg chg="delSp del mod ord">
-        <pc:chgData name="Jonas Vanhulst" userId="34ac1234-5592-4d7f-9994-53365d15ede3" providerId="ADAL" clId="{05C94207-FE41-4C92-949A-611D37DD235E}" dt="2024-01-17T08:23:52.311" v="1082" actId="47"/>
-        <pc:sldMkLst>
-          <pc:docMk/>
-          <pc:sldMk cId="947237888" sldId="341"/>
-        </pc:sldMkLst>
-        <pc:spChg chg="del">
-          <ac:chgData name="Jonas Vanhulst" userId="34ac1234-5592-4d7f-9994-53365d15ede3" providerId="ADAL" clId="{05C94207-FE41-4C92-949A-611D37DD235E}" dt="2024-01-16T11:52:55.755" v="396" actId="478"/>
-          <ac:spMkLst>
-            <pc:docMk/>
-            <pc:sldMk cId="947237888" sldId="341"/>
-            <ac:spMk id="3" creationId="{8CEA2656-AFD2-8D57-0F01-073ACB7A9BFF}"/>
-          </ac:spMkLst>
-        </pc:spChg>
-      </pc:sldChg>
-      <pc:sldChg chg="new del">
-        <pc:chgData name="Jonas Vanhulst" userId="34ac1234-5592-4d7f-9994-53365d15ede3" providerId="ADAL" clId="{05C94207-FE41-4C92-949A-611D37DD235E}" dt="2024-01-16T10:43:20.996" v="1" actId="47"/>
-        <pc:sldMkLst>
-          <pc:docMk/>
-          <pc:sldMk cId="1139707740" sldId="344"/>
-        </pc:sldMkLst>
-      </pc:sldChg>
-      <pc:sldChg chg="modSp add del mod">
-        <pc:chgData name="Jonas Vanhulst" userId="34ac1234-5592-4d7f-9994-53365d15ede3" providerId="ADAL" clId="{05C94207-FE41-4C92-949A-611D37DD235E}" dt="2024-01-16T11:55:28.437" v="470" actId="47"/>
-        <pc:sldMkLst>
-          <pc:docMk/>
-          <pc:sldMk cId="1594895178" sldId="344"/>
-        </pc:sldMkLst>
-        <pc:spChg chg="mod">
-          <ac:chgData name="Jonas Vanhulst" userId="34ac1234-5592-4d7f-9994-53365d15ede3" providerId="ADAL" clId="{05C94207-FE41-4C92-949A-611D37DD235E}" dt="2024-01-16T10:43:28.484" v="12" actId="20577"/>
-          <ac:spMkLst>
-            <pc:docMk/>
-            <pc:sldMk cId="1594895178" sldId="344"/>
-            <ac:spMk id="4" creationId="{F10B6239-5B5A-1141-AD0E-9D70A699117B}"/>
-          </ac:spMkLst>
-        </pc:spChg>
-      </pc:sldChg>
-      <pc:sldChg chg="addSp modSp add mod modNotesTx">
-        <pc:chgData name="Jonas Vanhulst" userId="34ac1234-5592-4d7f-9994-53365d15ede3" providerId="ADAL" clId="{05C94207-FE41-4C92-949A-611D37DD235E}" dt="2024-01-17T17:56:55.374" v="1389" actId="20577"/>
-        <pc:sldMkLst>
-          <pc:docMk/>
-          <pc:sldMk cId="3322640632" sldId="345"/>
-        </pc:sldMkLst>
-        <pc:spChg chg="add mod">
-          <ac:chgData name="Jonas Vanhulst" userId="34ac1234-5592-4d7f-9994-53365d15ede3" providerId="ADAL" clId="{05C94207-FE41-4C92-949A-611D37DD235E}" dt="2024-01-17T17:28:31.731" v="1143" actId="20577"/>
-          <ac:spMkLst>
-            <pc:docMk/>
-            <pc:sldMk cId="3322640632" sldId="345"/>
-            <ac:spMk id="3" creationId="{7F4EF04E-D037-9B04-D952-C43CA050D48D}"/>
-          </ac:spMkLst>
-        </pc:spChg>
-        <pc:spChg chg="mod">
-          <ac:chgData name="Jonas Vanhulst" userId="34ac1234-5592-4d7f-9994-53365d15ede3" providerId="ADAL" clId="{05C94207-FE41-4C92-949A-611D37DD235E}" dt="2024-01-16T10:43:44.561" v="26" actId="20577"/>
-          <ac:spMkLst>
-            <pc:docMk/>
-            <pc:sldMk cId="3322640632" sldId="345"/>
-            <ac:spMk id="4" creationId="{F10B6239-5B5A-1141-AD0E-9D70A699117B}"/>
-          </ac:spMkLst>
-        </pc:spChg>
-      </pc:sldChg>
-      <pc:sldChg chg="new del">
-        <pc:chgData name="Jonas Vanhulst" userId="34ac1234-5592-4d7f-9994-53365d15ede3" providerId="ADAL" clId="{05C94207-FE41-4C92-949A-611D37DD235E}" dt="2024-01-16T10:43:39.821" v="15" actId="47"/>
-        <pc:sldMkLst>
-          <pc:docMk/>
-          <pc:sldMk cId="209070573" sldId="346"/>
-        </pc:sldMkLst>
-      </pc:sldChg>
-      <pc:sldChg chg="addSp modSp add mod modNotesTx">
-        <pc:chgData name="Jonas Vanhulst" userId="34ac1234-5592-4d7f-9994-53365d15ede3" providerId="ADAL" clId="{05C94207-FE41-4C92-949A-611D37DD235E}" dt="2024-01-17T17:57:08.879" v="1404" actId="20577"/>
-        <pc:sldMkLst>
-          <pc:docMk/>
-          <pc:sldMk cId="2460355845" sldId="346"/>
-        </pc:sldMkLst>
-        <pc:spChg chg="add mod">
-          <ac:chgData name="Jonas Vanhulst" userId="34ac1234-5592-4d7f-9994-53365d15ede3" providerId="ADAL" clId="{05C94207-FE41-4C92-949A-611D37DD235E}" dt="2024-01-17T17:28:44.267" v="1152" actId="20577"/>
-          <ac:spMkLst>
-            <pc:docMk/>
-            <pc:sldMk cId="2460355845" sldId="346"/>
-            <ac:spMk id="3" creationId="{DB0CF6D5-C823-DBEA-F78C-BE1D6E08917C}"/>
-          </ac:spMkLst>
-        </pc:spChg>
-        <pc:spChg chg="mod">
-          <ac:chgData name="Jonas Vanhulst" userId="34ac1234-5592-4d7f-9994-53365d15ede3" providerId="ADAL" clId="{05C94207-FE41-4C92-949A-611D37DD235E}" dt="2024-01-16T10:45:02.647" v="46" actId="20577"/>
-          <ac:spMkLst>
-            <pc:docMk/>
-            <pc:sldMk cId="2460355845" sldId="346"/>
-            <ac:spMk id="4" creationId="{F10B6239-5B5A-1141-AD0E-9D70A699117B}"/>
-          </ac:spMkLst>
-        </pc:spChg>
-      </pc:sldChg>
-      <pc:sldChg chg="addSp delSp modSp new mod modNotesTx">
-        <pc:chgData name="Jonas Vanhulst" userId="34ac1234-5592-4d7f-9994-53365d15ede3" providerId="ADAL" clId="{05C94207-FE41-4C92-949A-611D37DD235E}" dt="2024-01-17T17:53:41.541" v="1238" actId="20577"/>
-        <pc:sldMkLst>
-          <pc:docMk/>
-          <pc:sldMk cId="1098018835" sldId="347"/>
-        </pc:sldMkLst>
-        <pc:spChg chg="mod">
-          <ac:chgData name="Jonas Vanhulst" userId="34ac1234-5592-4d7f-9994-53365d15ede3" providerId="ADAL" clId="{05C94207-FE41-4C92-949A-611D37DD235E}" dt="2024-01-16T10:45:50.891" v="70" actId="122"/>
-          <ac:spMkLst>
-            <pc:docMk/>
-            <pc:sldMk cId="1098018835" sldId="347"/>
-            <ac:spMk id="2" creationId="{5464A49A-0AAC-562B-F24A-04BB09684FC1}"/>
-          </ac:spMkLst>
-        </pc:spChg>
-        <pc:spChg chg="add mod">
-          <ac:chgData name="Jonas Vanhulst" userId="34ac1234-5592-4d7f-9994-53365d15ede3" providerId="ADAL" clId="{05C94207-FE41-4C92-949A-611D37DD235E}" dt="2024-01-17T17:26:45.906" v="1094" actId="20577"/>
-          <ac:spMkLst>
-            <pc:docMk/>
-            <pc:sldMk cId="1098018835" sldId="347"/>
-            <ac:spMk id="3" creationId="{542025ED-9AEE-B984-6C53-B9D0EF245DE0}"/>
-          </ac:spMkLst>
-        </pc:spChg>
-        <pc:spChg chg="del">
-          <ac:chgData name="Jonas Vanhulst" userId="34ac1234-5592-4d7f-9994-53365d15ede3" providerId="ADAL" clId="{05C94207-FE41-4C92-949A-611D37DD235E}" dt="2024-01-16T11:44:40.667" v="389" actId="478"/>
-          <ac:spMkLst>
-            <pc:docMk/>
-            <pc:sldMk cId="1098018835" sldId="347"/>
-            <ac:spMk id="3" creationId="{CCA71F56-CB61-31B4-60B8-766277BD6B15}"/>
-          </ac:spMkLst>
-        </pc:spChg>
-        <pc:picChg chg="add mod">
-          <ac:chgData name="Jonas Vanhulst" userId="34ac1234-5592-4d7f-9994-53365d15ede3" providerId="ADAL" clId="{05C94207-FE41-4C92-949A-611D37DD235E}" dt="2024-01-16T11:21:21.664" v="323"/>
-          <ac:picMkLst>
-            <pc:docMk/>
-            <pc:sldMk cId="1098018835" sldId="347"/>
-            <ac:picMk id="4" creationId="{1C843D5D-DCC7-C77C-DC3A-955E1803F7E1}"/>
-          </ac:picMkLst>
-        </pc:picChg>
-        <pc:picChg chg="add mod">
-          <ac:chgData name="Jonas Vanhulst" userId="34ac1234-5592-4d7f-9994-53365d15ede3" providerId="ADAL" clId="{05C94207-FE41-4C92-949A-611D37DD235E}" dt="2024-01-16T11:52:45.975" v="394" actId="1076"/>
-          <ac:picMkLst>
-            <pc:docMk/>
-            <pc:sldMk cId="1098018835" sldId="347"/>
-            <ac:picMk id="6" creationId="{32B9FDF8-AF52-0861-367B-3B76BB909EF1}"/>
-          </ac:picMkLst>
-        </pc:picChg>
-      </pc:sldChg>
-      <pc:sldChg chg="addSp modSp add mod modNotesTx">
-        <pc:chgData name="Jonas Vanhulst" userId="34ac1234-5592-4d7f-9994-53365d15ede3" providerId="ADAL" clId="{05C94207-FE41-4C92-949A-611D37DD235E}" dt="2024-01-17T17:53:58.909" v="1269" actId="20577"/>
-        <pc:sldMkLst>
-          <pc:docMk/>
-          <pc:sldMk cId="2524438523" sldId="348"/>
-        </pc:sldMkLst>
-        <pc:spChg chg="add mod">
-          <ac:chgData name="Jonas Vanhulst" userId="34ac1234-5592-4d7f-9994-53365d15ede3" providerId="ADAL" clId="{05C94207-FE41-4C92-949A-611D37DD235E}" dt="2024-01-17T17:27:14.957" v="1105" actId="20577"/>
-          <ac:spMkLst>
-            <pc:docMk/>
-            <pc:sldMk cId="2524438523" sldId="348"/>
-            <ac:spMk id="2" creationId="{C764FC8E-317D-0991-1504-8E234DEC9881}"/>
-          </ac:spMkLst>
-        </pc:spChg>
-        <pc:spChg chg="mod">
-          <ac:chgData name="Jonas Vanhulst" userId="34ac1234-5592-4d7f-9994-53365d15ede3" providerId="ADAL" clId="{05C94207-FE41-4C92-949A-611D37DD235E}" dt="2024-01-16T10:46:28.072" v="83" actId="14100"/>
-          <ac:spMkLst>
-            <pc:docMk/>
-            <pc:sldMk cId="2524438523" sldId="348"/>
-            <ac:spMk id="4" creationId="{F10B6239-5B5A-1141-AD0E-9D70A699117B}"/>
-          </ac:spMkLst>
-        </pc:spChg>
-      </pc:sldChg>
-      <pc:sldChg chg="new del">
-        <pc:chgData name="Jonas Vanhulst" userId="34ac1234-5592-4d7f-9994-53365d15ede3" providerId="ADAL" clId="{05C94207-FE41-4C92-949A-611D37DD235E}" dt="2024-01-16T10:46:19.828" v="73" actId="47"/>
-        <pc:sldMkLst>
-          <pc:docMk/>
-          <pc:sldMk cId="3663051971" sldId="348"/>
-        </pc:sldMkLst>
-      </pc:sldChg>
-      <pc:sldChg chg="addSp delSp modSp new mod modNotesTx">
-        <pc:chgData name="Jonas Vanhulst" userId="34ac1234-5592-4d7f-9994-53365d15ede3" providerId="ADAL" clId="{05C94207-FE41-4C92-949A-611D37DD235E}" dt="2024-01-17T17:54:02.134" v="1276" actId="20577"/>
-        <pc:sldMkLst>
-          <pc:docMk/>
-          <pc:sldMk cId="1150839225" sldId="349"/>
-        </pc:sldMkLst>
-        <pc:spChg chg="add mod">
-          <ac:chgData name="Jonas Vanhulst" userId="34ac1234-5592-4d7f-9994-53365d15ede3" providerId="ADAL" clId="{05C94207-FE41-4C92-949A-611D37DD235E}" dt="2024-01-17T17:27:19.301" v="1108" actId="20577"/>
-          <ac:spMkLst>
-            <pc:docMk/>
-            <pc:sldMk cId="1150839225" sldId="349"/>
-            <ac:spMk id="2" creationId="{0AF8D28E-39CA-4B7A-96FB-179296A565CB}"/>
-          </ac:spMkLst>
-        </pc:spChg>
-        <pc:spChg chg="del">
-          <ac:chgData name="Jonas Vanhulst" userId="34ac1234-5592-4d7f-9994-53365d15ede3" providerId="ADAL" clId="{05C94207-FE41-4C92-949A-611D37DD235E}" dt="2024-01-16T11:52:53.886" v="395" actId="478"/>
-          <ac:spMkLst>
-            <pc:docMk/>
-            <pc:sldMk cId="1150839225" sldId="349"/>
-            <ac:spMk id="2" creationId="{7B6CF525-D897-79E7-5C92-96239D06C9B1}"/>
-          </ac:spMkLst>
-        </pc:spChg>
-        <pc:spChg chg="mod">
-          <ac:chgData name="Jonas Vanhulst" userId="34ac1234-5592-4d7f-9994-53365d15ede3" providerId="ADAL" clId="{05C94207-FE41-4C92-949A-611D37DD235E}" dt="2024-01-16T10:46:43.717" v="99" actId="20577"/>
-          <ac:spMkLst>
-            <pc:docMk/>
-            <pc:sldMk cId="1150839225" sldId="349"/>
-            <ac:spMk id="3" creationId="{A41C3E01-4301-55A3-3B42-EAC477A04B16}"/>
-          </ac:spMkLst>
-        </pc:spChg>
-        <pc:graphicFrameChg chg="add del mod modGraphic">
-          <ac:chgData name="Jonas Vanhulst" userId="34ac1234-5592-4d7f-9994-53365d15ede3" providerId="ADAL" clId="{05C94207-FE41-4C92-949A-611D37DD235E}" dt="2024-01-17T08:09:08.536" v="804" actId="478"/>
-          <ac:graphicFrameMkLst>
-            <pc:docMk/>
-            <pc:sldMk cId="1150839225" sldId="349"/>
-            <ac:graphicFrameMk id="9" creationId="{2482E1A2-6E7C-E9E8-8B2D-3AD8C0959FC4}"/>
-          </ac:graphicFrameMkLst>
-        </pc:graphicFrameChg>
-        <pc:graphicFrameChg chg="add del mod modGraphic">
-          <ac:chgData name="Jonas Vanhulst" userId="34ac1234-5592-4d7f-9994-53365d15ede3" providerId="ADAL" clId="{05C94207-FE41-4C92-949A-611D37DD235E}" dt="2024-01-17T08:10:24.128" v="812" actId="478"/>
-          <ac:graphicFrameMkLst>
-            <pc:docMk/>
-            <pc:sldMk cId="1150839225" sldId="349"/>
-            <ac:graphicFrameMk id="10" creationId="{B93B7459-E83E-2331-2953-93B356E81BB3}"/>
-          </ac:graphicFrameMkLst>
-        </pc:graphicFrameChg>
-        <pc:graphicFrameChg chg="add mod modGraphic">
-          <ac:chgData name="Jonas Vanhulst" userId="34ac1234-5592-4d7f-9994-53365d15ede3" providerId="ADAL" clId="{05C94207-FE41-4C92-949A-611D37DD235E}" dt="2024-01-17T08:22:04.848" v="1069" actId="207"/>
-          <ac:graphicFrameMkLst>
-            <pc:docMk/>
-            <pc:sldMk cId="1150839225" sldId="349"/>
-            <ac:graphicFrameMk id="11" creationId="{E540D503-51A4-BD26-BFFE-2C05D32D4DF8}"/>
-          </ac:graphicFrameMkLst>
-        </pc:graphicFrameChg>
-        <pc:picChg chg="add mod">
-          <ac:chgData name="Jonas Vanhulst" userId="34ac1234-5592-4d7f-9994-53365d15ede3" providerId="ADAL" clId="{05C94207-FE41-4C92-949A-611D37DD235E}" dt="2024-01-16T11:21:17.209" v="322"/>
-          <ac:picMkLst>
-            <pc:docMk/>
-            <pc:sldMk cId="1150839225" sldId="349"/>
-            <ac:picMk id="4" creationId="{AFAE3B6E-634E-3549-ED8B-94D72F5F8CD4}"/>
-          </ac:picMkLst>
-        </pc:picChg>
-        <pc:picChg chg="add del mod ord">
-          <ac:chgData name="Jonas Vanhulst" userId="34ac1234-5592-4d7f-9994-53365d15ede3" providerId="ADAL" clId="{05C94207-FE41-4C92-949A-611D37DD235E}" dt="2024-01-17T08:08:50.511" v="802" actId="478"/>
-          <ac:picMkLst>
-            <pc:docMk/>
-            <pc:sldMk cId="1150839225" sldId="349"/>
-            <ac:picMk id="5" creationId="{D9D5AE05-0EB0-B2A4-AF16-E81DCFE04452}"/>
-          </ac:picMkLst>
-        </pc:picChg>
-        <pc:picChg chg="add del mod">
-          <ac:chgData name="Jonas Vanhulst" userId="34ac1234-5592-4d7f-9994-53365d15ede3" providerId="ADAL" clId="{05C94207-FE41-4C92-949A-611D37DD235E}" dt="2024-01-17T08:11:11.069" v="821" actId="478"/>
-          <ac:picMkLst>
-            <pc:docMk/>
-            <pc:sldMk cId="1150839225" sldId="349"/>
-            <ac:picMk id="7" creationId="{B956E1CF-7974-5D22-4DB4-728BBC9B8717}"/>
-          </ac:picMkLst>
-        </pc:picChg>
-        <pc:picChg chg="add del mod modCrop">
-          <ac:chgData name="Jonas Vanhulst" userId="34ac1234-5592-4d7f-9994-53365d15ede3" providerId="ADAL" clId="{05C94207-FE41-4C92-949A-611D37DD235E}" dt="2024-01-17T08:11:00.573" v="818" actId="478"/>
-          <ac:picMkLst>
-            <pc:docMk/>
-            <pc:sldMk cId="1150839225" sldId="349"/>
-            <ac:picMk id="8" creationId="{0B875C08-E1D8-EB10-8D65-27A981D79334}"/>
-          </ac:picMkLst>
-        </pc:picChg>
-      </pc:sldChg>
-      <pc:sldChg chg="addSp delSp modSp new mod modNotesTx">
-        <pc:chgData name="Jonas Vanhulst" userId="34ac1234-5592-4d7f-9994-53365d15ede3" providerId="ADAL" clId="{05C94207-FE41-4C92-949A-611D37DD235E}" dt="2024-01-17T17:54:08.317" v="1298" actId="20577"/>
-        <pc:sldMkLst>
-          <pc:docMk/>
-          <pc:sldMk cId="3039788295" sldId="350"/>
-        </pc:sldMkLst>
-        <pc:spChg chg="del">
-          <ac:chgData name="Jonas Vanhulst" userId="34ac1234-5592-4d7f-9994-53365d15ede3" providerId="ADAL" clId="{05C94207-FE41-4C92-949A-611D37DD235E}" dt="2024-01-16T11:53:01.412" v="399" actId="478"/>
-          <ac:spMkLst>
-            <pc:docMk/>
-            <pc:sldMk cId="3039788295" sldId="350"/>
-            <ac:spMk id="2" creationId="{4ACBA676-4F58-645F-6784-0C9A4AF57E81}"/>
-          </ac:spMkLst>
-        </pc:spChg>
-        <pc:spChg chg="add mod">
-          <ac:chgData name="Jonas Vanhulst" userId="34ac1234-5592-4d7f-9994-53365d15ede3" providerId="ADAL" clId="{05C94207-FE41-4C92-949A-611D37DD235E}" dt="2024-01-17T17:27:23.293" v="1111" actId="20577"/>
-          <ac:spMkLst>
-            <pc:docMk/>
-            <pc:sldMk cId="3039788295" sldId="350"/>
-            <ac:spMk id="2" creationId="{C4BEFC91-FB1C-54BB-5B0E-BB3D18D9E350}"/>
-          </ac:spMkLst>
-        </pc:spChg>
-        <pc:spChg chg="mod">
-          <ac:chgData name="Jonas Vanhulst" userId="34ac1234-5592-4d7f-9994-53365d15ede3" providerId="ADAL" clId="{05C94207-FE41-4C92-949A-611D37DD235E}" dt="2024-01-16T10:46:51.234" v="113" actId="20577"/>
-          <ac:spMkLst>
-            <pc:docMk/>
-            <pc:sldMk cId="3039788295" sldId="350"/>
-            <ac:spMk id="3" creationId="{73885810-216C-A4AD-26EC-A0C7A8C67875}"/>
-          </ac:spMkLst>
-        </pc:spChg>
-        <pc:picChg chg="add mod">
-          <ac:chgData name="Jonas Vanhulst" userId="34ac1234-5592-4d7f-9994-53365d15ede3" providerId="ADAL" clId="{05C94207-FE41-4C92-949A-611D37DD235E}" dt="2024-01-16T11:21:16.570" v="321"/>
-          <ac:picMkLst>
-            <pc:docMk/>
-            <pc:sldMk cId="3039788295" sldId="350"/>
-            <ac:picMk id="4" creationId="{2C137452-FC2C-414D-5EB6-7D80866A444B}"/>
-          </ac:picMkLst>
-        </pc:picChg>
-        <pc:picChg chg="add mod">
-          <ac:chgData name="Jonas Vanhulst" userId="34ac1234-5592-4d7f-9994-53365d15ede3" providerId="ADAL" clId="{05C94207-FE41-4C92-949A-611D37DD235E}" dt="2024-01-17T08:23:46.272" v="1081" actId="1076"/>
-          <ac:picMkLst>
-            <pc:docMk/>
-            <pc:sldMk cId="3039788295" sldId="350"/>
-            <ac:picMk id="5" creationId="{E224203B-EB81-B1B4-BFD6-BF277EBAAA8A}"/>
-          </ac:picMkLst>
-        </pc:picChg>
-        <pc:picChg chg="add mod">
-          <ac:chgData name="Jonas Vanhulst" userId="34ac1234-5592-4d7f-9994-53365d15ede3" providerId="ADAL" clId="{05C94207-FE41-4C92-949A-611D37DD235E}" dt="2024-01-17T08:23:42.033" v="1080" actId="1076"/>
-          <ac:picMkLst>
-            <pc:docMk/>
-            <pc:sldMk cId="3039788295" sldId="350"/>
-            <ac:picMk id="7" creationId="{0E401EEA-4C2A-4AED-D942-0FE7D46D85B9}"/>
-          </ac:picMkLst>
-        </pc:picChg>
-      </pc:sldChg>
-      <pc:sldChg chg="addSp delSp modSp add mod modNotesTx">
-        <pc:chgData name="Jonas Vanhulst" userId="34ac1234-5592-4d7f-9994-53365d15ede3" providerId="ADAL" clId="{05C94207-FE41-4C92-949A-611D37DD235E}" dt="2024-01-17T17:54:26.109" v="1309" actId="20577"/>
-        <pc:sldMkLst>
-          <pc:docMk/>
-          <pc:sldMk cId="3620743864" sldId="351"/>
-        </pc:sldMkLst>
-        <pc:spChg chg="del">
-          <ac:chgData name="Jonas Vanhulst" userId="34ac1234-5592-4d7f-9994-53365d15ede3" providerId="ADAL" clId="{05C94207-FE41-4C92-949A-611D37DD235E}" dt="2024-01-16T10:55:14.068" v="131" actId="478"/>
-          <ac:spMkLst>
-            <pc:docMk/>
-            <pc:sldMk cId="3620743864" sldId="351"/>
-            <ac:spMk id="2" creationId="{4ACBA676-4F58-645F-6784-0C9A4AF57E81}"/>
-          </ac:spMkLst>
-        </pc:spChg>
-        <pc:spChg chg="add mod">
-          <ac:chgData name="Jonas Vanhulst" userId="34ac1234-5592-4d7f-9994-53365d15ede3" providerId="ADAL" clId="{05C94207-FE41-4C92-949A-611D37DD235E}" dt="2024-01-17T17:27:32.473" v="1119" actId="20577"/>
-          <ac:spMkLst>
-            <pc:docMk/>
-            <pc:sldMk cId="3620743864" sldId="351"/>
-            <ac:spMk id="2" creationId="{FAF94C3F-F1F2-2379-91E1-F162646C98BD}"/>
-          </ac:spMkLst>
-        </pc:spChg>
-        <pc:spChg chg="mod">
-          <ac:chgData name="Jonas Vanhulst" userId="34ac1234-5592-4d7f-9994-53365d15ede3" providerId="ADAL" clId="{05C94207-FE41-4C92-949A-611D37DD235E}" dt="2024-01-16T10:56:10.739" v="160" actId="20577"/>
-          <ac:spMkLst>
-            <pc:docMk/>
-            <pc:sldMk cId="3620743864" sldId="351"/>
-            <ac:spMk id="3" creationId="{73885810-216C-A4AD-26EC-A0C7A8C67875}"/>
-          </ac:spMkLst>
-        </pc:spChg>
-        <pc:picChg chg="add del mod">
-          <ac:chgData name="Jonas Vanhulst" userId="34ac1234-5592-4d7f-9994-53365d15ede3" providerId="ADAL" clId="{05C94207-FE41-4C92-949A-611D37DD235E}" dt="2024-01-16T11:07:24.171" v="225" actId="478"/>
-          <ac:picMkLst>
-            <pc:docMk/>
-            <pc:sldMk cId="3620743864" sldId="351"/>
-            <ac:picMk id="4" creationId="{A7332489-A81F-F2D3-36BE-3217C726D3A1}"/>
-          </ac:picMkLst>
-        </pc:picChg>
-        <pc:picChg chg="add mod">
-          <ac:chgData name="Jonas Vanhulst" userId="34ac1234-5592-4d7f-9994-53365d15ede3" providerId="ADAL" clId="{05C94207-FE41-4C92-949A-611D37DD235E}" dt="2024-01-16T11:10:45.606" v="260" actId="1076"/>
-          <ac:picMkLst>
-            <pc:docMk/>
-            <pc:sldMk cId="3620743864" sldId="351"/>
-            <ac:picMk id="6" creationId="{806AFBBC-DC1A-3C7A-CECA-28E49286F4D4}"/>
-          </ac:picMkLst>
-        </pc:picChg>
-        <pc:picChg chg="add mod">
-          <ac:chgData name="Jonas Vanhulst" userId="34ac1234-5592-4d7f-9994-53365d15ede3" providerId="ADAL" clId="{05C94207-FE41-4C92-949A-611D37DD235E}" dt="2024-01-16T11:21:11.956" v="320"/>
-          <ac:picMkLst>
-            <pc:docMk/>
-            <pc:sldMk cId="3620743864" sldId="351"/>
-            <ac:picMk id="7" creationId="{FB207233-C01F-B159-9978-5FE42DC7D29B}"/>
-          </ac:picMkLst>
-        </pc:picChg>
-        <pc:picChg chg="add mod">
-          <ac:chgData name="Jonas Vanhulst" userId="34ac1234-5592-4d7f-9994-53365d15ede3" providerId="ADAL" clId="{05C94207-FE41-4C92-949A-611D37DD235E}" dt="2024-01-16T11:11:38.147" v="295" actId="1076"/>
-          <ac:picMkLst>
-            <pc:docMk/>
-            <pc:sldMk cId="3620743864" sldId="351"/>
-            <ac:picMk id="11" creationId="{981655C4-7A73-C694-3958-C485DA54B7B6}"/>
-          </ac:picMkLst>
-        </pc:picChg>
-      </pc:sldChg>
-      <pc:sldChg chg="addSp delSp modSp add mod modNotesTx">
-        <pc:chgData name="Jonas Vanhulst" userId="34ac1234-5592-4d7f-9994-53365d15ede3" providerId="ADAL" clId="{05C94207-FE41-4C92-949A-611D37DD235E}" dt="2024-01-17T17:54:56.891" v="1323" actId="20577"/>
-        <pc:sldMkLst>
-          <pc:docMk/>
-          <pc:sldMk cId="309749149" sldId="352"/>
-        </pc:sldMkLst>
-        <pc:spChg chg="del">
-          <ac:chgData name="Jonas Vanhulst" userId="34ac1234-5592-4d7f-9994-53365d15ede3" providerId="ADAL" clId="{05C94207-FE41-4C92-949A-611D37DD235E}" dt="2024-01-16T10:56:36.520" v="188" actId="478"/>
-          <ac:spMkLst>
-            <pc:docMk/>
-            <pc:sldMk cId="309749149" sldId="352"/>
-            <ac:spMk id="2" creationId="{4ACBA676-4F58-645F-6784-0C9A4AF57E81}"/>
-          </ac:spMkLst>
-        </pc:spChg>
-        <pc:spChg chg="add mod">
-          <ac:chgData name="Jonas Vanhulst" userId="34ac1234-5592-4d7f-9994-53365d15ede3" providerId="ADAL" clId="{05C94207-FE41-4C92-949A-611D37DD235E}" dt="2024-01-17T17:27:40.774" v="1122" actId="14100"/>
-          <ac:spMkLst>
-            <pc:docMk/>
-            <pc:sldMk cId="309749149" sldId="352"/>
-            <ac:spMk id="2" creationId="{5B3C7C85-720E-0997-13CB-3CFC27BA2740}"/>
-          </ac:spMkLst>
-        </pc:spChg>
-        <pc:spChg chg="mod">
-          <ac:chgData name="Jonas Vanhulst" userId="34ac1234-5592-4d7f-9994-53365d15ede3" providerId="ADAL" clId="{05C94207-FE41-4C92-949A-611D37DD235E}" dt="2024-01-16T10:56:32.157" v="187" actId="20577"/>
-          <ac:spMkLst>
-            <pc:docMk/>
-            <pc:sldMk cId="309749149" sldId="352"/>
-            <ac:spMk id="3" creationId="{73885810-216C-A4AD-26EC-A0C7A8C67875}"/>
-          </ac:spMkLst>
-        </pc:spChg>
-        <pc:picChg chg="add mod">
-          <ac:chgData name="Jonas Vanhulst" userId="34ac1234-5592-4d7f-9994-53365d15ede3" providerId="ADAL" clId="{05C94207-FE41-4C92-949A-611D37DD235E}" dt="2024-01-16T11:10:56.562" v="261" actId="1076"/>
-          <ac:picMkLst>
-            <pc:docMk/>
-            <pc:sldMk cId="309749149" sldId="352"/>
-            <ac:picMk id="5" creationId="{5121B3CB-3212-9A60-7184-6E1CB0E1C4D3}"/>
-          </ac:picMkLst>
-        </pc:picChg>
-        <pc:picChg chg="add mod">
-          <ac:chgData name="Jonas Vanhulst" userId="34ac1234-5592-4d7f-9994-53365d15ede3" providerId="ADAL" clId="{05C94207-FE41-4C92-949A-611D37DD235E}" dt="2024-01-16T11:21:10.944" v="319"/>
-          <ac:picMkLst>
-            <pc:docMk/>
-            <pc:sldMk cId="309749149" sldId="352"/>
-            <ac:picMk id="6" creationId="{E135F9F0-3F50-1E7C-1A97-D79DB981F3E2}"/>
-          </ac:picMkLst>
-        </pc:picChg>
-        <pc:picChg chg="add mod">
-          <ac:chgData name="Jonas Vanhulst" userId="34ac1234-5592-4d7f-9994-53365d15ede3" providerId="ADAL" clId="{05C94207-FE41-4C92-949A-611D37DD235E}" dt="2024-01-16T11:11:29.043" v="294" actId="1076"/>
-          <ac:picMkLst>
-            <pc:docMk/>
-            <pc:sldMk cId="309749149" sldId="352"/>
-            <ac:picMk id="7" creationId="{16E52ED6-4314-2FEB-BEC6-1193490C80CE}"/>
-          </ac:picMkLst>
-        </pc:picChg>
-      </pc:sldChg>
-      <pc:sldChg chg="addSp delSp modSp add mod ord modNotesTx">
-        <pc:chgData name="Jonas Vanhulst" userId="34ac1234-5592-4d7f-9994-53365d15ede3" providerId="ADAL" clId="{05C94207-FE41-4C92-949A-611D37DD235E}" dt="2024-01-17T17:57:29.922" v="1423" actId="20577"/>
-        <pc:sldMkLst>
-          <pc:docMk/>
-          <pc:sldMk cId="2513440293" sldId="353"/>
-        </pc:sldMkLst>
-        <pc:spChg chg="del mod">
-          <ac:chgData name="Jonas Vanhulst" userId="34ac1234-5592-4d7f-9994-53365d15ede3" providerId="ADAL" clId="{05C94207-FE41-4C92-949A-611D37DD235E}" dt="2024-01-16T11:19:44.350" v="314" actId="478"/>
-          <ac:spMkLst>
-            <pc:docMk/>
-            <pc:sldMk cId="2513440293" sldId="353"/>
-            <ac:spMk id="2" creationId="{4ACBA676-4F58-645F-6784-0C9A4AF57E81}"/>
-          </ac:spMkLst>
-        </pc:spChg>
-        <pc:spChg chg="add mod">
-          <ac:chgData name="Jonas Vanhulst" userId="34ac1234-5592-4d7f-9994-53365d15ede3" providerId="ADAL" clId="{05C94207-FE41-4C92-949A-611D37DD235E}" dt="2024-01-17T17:28:49.186" v="1157" actId="20577"/>
-          <ac:spMkLst>
-            <pc:docMk/>
-            <pc:sldMk cId="2513440293" sldId="353"/>
-            <ac:spMk id="2" creationId="{E97B92B4-6F14-F66C-104C-B814EA633B73}"/>
-          </ac:spMkLst>
-        </pc:spChg>
-        <pc:spChg chg="mod">
-          <ac:chgData name="Jonas Vanhulst" userId="34ac1234-5592-4d7f-9994-53365d15ede3" providerId="ADAL" clId="{05C94207-FE41-4C92-949A-611D37DD235E}" dt="2024-01-16T10:56:44.616" v="211" actId="20577"/>
-          <ac:spMkLst>
-            <pc:docMk/>
-            <pc:sldMk cId="2513440293" sldId="353"/>
-            <ac:spMk id="3" creationId="{73885810-216C-A4AD-26EC-A0C7A8C67875}"/>
-          </ac:spMkLst>
-        </pc:spChg>
-        <pc:picChg chg="add mod">
-          <ac:chgData name="Jonas Vanhulst" userId="34ac1234-5592-4d7f-9994-53365d15ede3" providerId="ADAL" clId="{05C94207-FE41-4C92-949A-611D37DD235E}" dt="2024-01-16T11:19:50.066" v="315" actId="1076"/>
-          <ac:picMkLst>
-            <pc:docMk/>
-            <pc:sldMk cId="2513440293" sldId="353"/>
-            <ac:picMk id="5" creationId="{1A9B553C-1851-7605-FD03-FCDD56602FDC}"/>
-          </ac:picMkLst>
-        </pc:picChg>
-        <pc:picChg chg="add mod">
-          <ac:chgData name="Jonas Vanhulst" userId="34ac1234-5592-4d7f-9994-53365d15ede3" providerId="ADAL" clId="{05C94207-FE41-4C92-949A-611D37DD235E}" dt="2024-01-16T11:21:02.260" v="316"/>
-          <ac:picMkLst>
-            <pc:docMk/>
-            <pc:sldMk cId="2513440293" sldId="353"/>
-            <ac:picMk id="6" creationId="{8B46487F-DA39-2E03-64E3-E58EA8DF59EC}"/>
-          </ac:picMkLst>
-        </pc:picChg>
-      </pc:sldChg>
-      <pc:sldChg chg="addSp delSp modSp new mod ord modNotesTx">
-        <pc:chgData name="Jonas Vanhulst" userId="34ac1234-5592-4d7f-9994-53365d15ede3" providerId="ADAL" clId="{05C94207-FE41-4C92-949A-611D37DD235E}" dt="2024-01-17T17:57:36.984" v="1431" actId="20577"/>
-        <pc:sldMkLst>
-          <pc:docMk/>
-          <pc:sldMk cId="858396202" sldId="354"/>
-        </pc:sldMkLst>
-        <pc:spChg chg="add mod">
-          <ac:chgData name="Jonas Vanhulst" userId="34ac1234-5592-4d7f-9994-53365d15ede3" providerId="ADAL" clId="{05C94207-FE41-4C92-949A-611D37DD235E}" dt="2024-01-17T17:28:54.255" v="1162" actId="20577"/>
-          <ac:spMkLst>
-            <pc:docMk/>
-            <pc:sldMk cId="858396202" sldId="354"/>
-            <ac:spMk id="2" creationId="{E2F5823B-0303-66E1-AAB0-DC44E3736377}"/>
-          </ac:spMkLst>
-        </pc:spChg>
-        <pc:spChg chg="del">
-          <ac:chgData name="Jonas Vanhulst" userId="34ac1234-5592-4d7f-9994-53365d15ede3" providerId="ADAL" clId="{05C94207-FE41-4C92-949A-611D37DD235E}" dt="2024-01-17T14:18:01.500" v="1084" actId="478"/>
-          <ac:spMkLst>
-            <pc:docMk/>
-            <pc:sldMk cId="858396202" sldId="354"/>
-            <ac:spMk id="2" creationId="{EE02CE02-16DB-1F73-2668-5F2BD3E4086A}"/>
-          </ac:spMkLst>
-        </pc:spChg>
-        <pc:spChg chg="mod">
-          <ac:chgData name="Jonas Vanhulst" userId="34ac1234-5592-4d7f-9994-53365d15ede3" providerId="ADAL" clId="{05C94207-FE41-4C92-949A-611D37DD235E}" dt="2024-01-16T10:57:03.975" v="224" actId="20577"/>
-          <ac:spMkLst>
-            <pc:docMk/>
-            <pc:sldMk cId="858396202" sldId="354"/>
-            <ac:spMk id="3" creationId="{B1082AD8-8062-46F1-87F9-E57FAAF72484}"/>
-          </ac:spMkLst>
-        </pc:spChg>
-        <pc:picChg chg="add mod">
-          <ac:chgData name="Jonas Vanhulst" userId="34ac1234-5592-4d7f-9994-53365d15ede3" providerId="ADAL" clId="{05C94207-FE41-4C92-949A-611D37DD235E}" dt="2024-01-16T11:21:03.410" v="317"/>
-          <ac:picMkLst>
-            <pc:docMk/>
-            <pc:sldMk cId="858396202" sldId="354"/>
-            <ac:picMk id="4" creationId="{924D1080-0DC4-DF09-CB75-E1D074402A3D}"/>
-          </ac:picMkLst>
-        </pc:picChg>
-        <pc:picChg chg="add mod">
-          <ac:chgData name="Jonas Vanhulst" userId="34ac1234-5592-4d7f-9994-53365d15ede3" providerId="ADAL" clId="{05C94207-FE41-4C92-949A-611D37DD235E}" dt="2024-01-17T14:18:08.164" v="1088" actId="1076"/>
-          <ac:picMkLst>
-            <pc:docMk/>
-            <pc:sldMk cId="858396202" sldId="354"/>
-            <ac:picMk id="6" creationId="{7CDE7069-0402-DD6B-1A2F-EF0A6309B865}"/>
-          </ac:picMkLst>
-        </pc:picChg>
-      </pc:sldChg>
-      <pc:sldChg chg="addSp delSp modSp new mod modNotesTx">
-        <pc:chgData name="Jonas Vanhulst" userId="34ac1234-5592-4d7f-9994-53365d15ede3" providerId="ADAL" clId="{05C94207-FE41-4C92-949A-611D37DD235E}" dt="2024-01-17T17:58:02.490" v="1437" actId="20577"/>
-        <pc:sldMkLst>
-          <pc:docMk/>
-          <pc:sldMk cId="904715124" sldId="355"/>
-        </pc:sldMkLst>
-        <pc:spChg chg="add mod">
-          <ac:chgData name="Jonas Vanhulst" userId="34ac1234-5592-4d7f-9994-53365d15ede3" providerId="ADAL" clId="{05C94207-FE41-4C92-949A-611D37DD235E}" dt="2024-01-17T17:29:00.118" v="1167" actId="20577"/>
-          <ac:spMkLst>
-            <pc:docMk/>
-            <pc:sldMk cId="904715124" sldId="355"/>
-            <ac:spMk id="2" creationId="{1B459540-065A-242B-FD65-EB722B3E83D6}"/>
-          </ac:spMkLst>
-        </pc:spChg>
-        <pc:spChg chg="del">
-          <ac:chgData name="Jonas Vanhulst" userId="34ac1234-5592-4d7f-9994-53365d15ede3" providerId="ADAL" clId="{05C94207-FE41-4C92-949A-611D37DD235E}" dt="2024-01-16T11:22:13.539" v="338" actId="478"/>
-          <ac:spMkLst>
-            <pc:docMk/>
-            <pc:sldMk cId="904715124" sldId="355"/>
-            <ac:spMk id="2" creationId="{B4627FCD-46E3-AD10-7447-98BD516D2F15}"/>
-          </ac:spMkLst>
-        </pc:spChg>
-        <pc:spChg chg="mod">
-          <ac:chgData name="Jonas Vanhulst" userId="34ac1234-5592-4d7f-9994-53365d15ede3" providerId="ADAL" clId="{05C94207-FE41-4C92-949A-611D37DD235E}" dt="2024-01-16T11:22:05.156" v="336" actId="20577"/>
-          <ac:spMkLst>
-            <pc:docMk/>
-            <pc:sldMk cId="904715124" sldId="355"/>
-            <ac:spMk id="3" creationId="{855902F0-E9E5-6FE4-E0C3-DDA032559CF2}"/>
-          </ac:spMkLst>
-        </pc:spChg>
-        <pc:spChg chg="add mod">
-          <ac:chgData name="Jonas Vanhulst" userId="34ac1234-5592-4d7f-9994-53365d15ede3" providerId="ADAL" clId="{05C94207-FE41-4C92-949A-611D37DD235E}" dt="2024-01-16T11:22:18.540" v="339"/>
-          <ac:spMkLst>
-            <pc:docMk/>
-            <pc:sldMk cId="904715124" sldId="355"/>
-            <ac:spMk id="5" creationId="{820FCBEA-728F-2AB5-E1C8-4D1AF945A43F}"/>
-          </ac:spMkLst>
-        </pc:spChg>
-        <pc:spChg chg="add mod">
-          <ac:chgData name="Jonas Vanhulst" userId="34ac1234-5592-4d7f-9994-53365d15ede3" providerId="ADAL" clId="{05C94207-FE41-4C92-949A-611D37DD235E}" dt="2024-01-16T11:57:50.898" v="731" actId="1076"/>
-          <ac:spMkLst>
-            <pc:docMk/>
-            <pc:sldMk cId="904715124" sldId="355"/>
-            <ac:spMk id="7" creationId="{90C44DD3-0BC4-892C-2D48-328A66051285}"/>
-          </ac:spMkLst>
-        </pc:spChg>
-        <pc:spChg chg="add mod">
-          <ac:chgData name="Jonas Vanhulst" userId="34ac1234-5592-4d7f-9994-53365d15ede3" providerId="ADAL" clId="{05C94207-FE41-4C92-949A-611D37DD235E}" dt="2024-01-16T11:22:18.540" v="339"/>
-          <ac:spMkLst>
-            <pc:docMk/>
-            <pc:sldMk cId="904715124" sldId="355"/>
-            <ac:spMk id="8" creationId="{538D9C66-C7AB-7001-562F-39FBF0E47B34}"/>
-          </ac:spMkLst>
-        </pc:spChg>
-        <pc:spChg chg="add mod">
-          <ac:chgData name="Jonas Vanhulst" userId="34ac1234-5592-4d7f-9994-53365d15ede3" providerId="ADAL" clId="{05C94207-FE41-4C92-949A-611D37DD235E}" dt="2024-01-16T11:58:30.082" v="782" actId="20577"/>
-          <ac:spMkLst>
-            <pc:docMk/>
-            <pc:sldMk cId="904715124" sldId="355"/>
-            <ac:spMk id="10" creationId="{746F1FFE-7FE6-7A91-823F-75DD2F7F8CD9}"/>
-          </ac:spMkLst>
-        </pc:spChg>
-        <pc:spChg chg="add mod">
-          <ac:chgData name="Jonas Vanhulst" userId="34ac1234-5592-4d7f-9994-53365d15ede3" providerId="ADAL" clId="{05C94207-FE41-4C92-949A-611D37DD235E}" dt="2024-01-16T11:22:18.540" v="339"/>
-          <ac:spMkLst>
-            <pc:docMk/>
-            <pc:sldMk cId="904715124" sldId="355"/>
-            <ac:spMk id="11" creationId="{4B642F1C-5E2D-7CFD-F3F5-51A55963470B}"/>
-          </ac:spMkLst>
-        </pc:spChg>
-        <pc:spChg chg="add mod">
-          <ac:chgData name="Jonas Vanhulst" userId="34ac1234-5592-4d7f-9994-53365d15ede3" providerId="ADAL" clId="{05C94207-FE41-4C92-949A-611D37DD235E}" dt="2024-01-16T11:57:44.315" v="728" actId="1076"/>
-          <ac:spMkLst>
-            <pc:docMk/>
-            <pc:sldMk cId="904715124" sldId="355"/>
-            <ac:spMk id="13" creationId="{8DAEFA4C-FE89-77BA-3C98-93456B4B3531}"/>
-          </ac:spMkLst>
-        </pc:spChg>
-        <pc:spChg chg="add mod">
-          <ac:chgData name="Jonas Vanhulst" userId="34ac1234-5592-4d7f-9994-53365d15ede3" providerId="ADAL" clId="{05C94207-FE41-4C92-949A-611D37DD235E}" dt="2024-01-16T11:22:18.540" v="339"/>
-          <ac:spMkLst>
-            <pc:docMk/>
-            <pc:sldMk cId="904715124" sldId="355"/>
-            <ac:spMk id="14" creationId="{F5D65210-A205-8D7E-EFD9-158EC2740A9E}"/>
-          </ac:spMkLst>
-        </pc:spChg>
-        <pc:spChg chg="add mod">
-          <ac:chgData name="Jonas Vanhulst" userId="34ac1234-5592-4d7f-9994-53365d15ede3" providerId="ADAL" clId="{05C94207-FE41-4C92-949A-611D37DD235E}" dt="2024-01-16T11:58:11.244" v="751" actId="1076"/>
-          <ac:spMkLst>
-            <pc:docMk/>
-            <pc:sldMk cId="904715124" sldId="355"/>
-            <ac:spMk id="16" creationId="{C8B545F9-2218-3749-F9B5-54620A10CD6E}"/>
-          </ac:spMkLst>
-        </pc:spChg>
-        <pc:spChg chg="add mod">
-          <ac:chgData name="Jonas Vanhulst" userId="34ac1234-5592-4d7f-9994-53365d15ede3" providerId="ADAL" clId="{05C94207-FE41-4C92-949A-611D37DD235E}" dt="2024-01-16T11:22:18.540" v="339"/>
-          <ac:spMkLst>
-            <pc:docMk/>
-            <pc:sldMk cId="904715124" sldId="355"/>
-            <ac:spMk id="17" creationId="{38F5FC1E-C39B-0244-1F54-2D245FE077C5}"/>
-          </ac:spMkLst>
-        </pc:spChg>
-        <pc:spChg chg="add mod">
-          <ac:chgData name="Jonas Vanhulst" userId="34ac1234-5592-4d7f-9994-53365d15ede3" providerId="ADAL" clId="{05C94207-FE41-4C92-949A-611D37DD235E}" dt="2024-01-16T11:58:06.150" v="749" actId="20577"/>
-          <ac:spMkLst>
-            <pc:docMk/>
-            <pc:sldMk cId="904715124" sldId="355"/>
-            <ac:spMk id="19" creationId="{5A870C21-3373-148C-F757-061552929E67}"/>
-          </ac:spMkLst>
-        </pc:spChg>
-        <pc:spChg chg="add mod">
-          <ac:chgData name="Jonas Vanhulst" userId="34ac1234-5592-4d7f-9994-53365d15ede3" providerId="ADAL" clId="{05C94207-FE41-4C92-949A-611D37DD235E}" dt="2024-01-16T11:22:18.540" v="339"/>
-          <ac:spMkLst>
-            <pc:docMk/>
-            <pc:sldMk cId="904715124" sldId="355"/>
-            <ac:spMk id="20" creationId="{4C9FCE27-778D-1B86-7094-DE502311EFB1}"/>
-          </ac:spMkLst>
-        </pc:spChg>
-        <pc:spChg chg="add mod">
-          <ac:chgData name="Jonas Vanhulst" userId="34ac1234-5592-4d7f-9994-53365d15ede3" providerId="ADAL" clId="{05C94207-FE41-4C92-949A-611D37DD235E}" dt="2024-01-16T11:58:02.824" v="747" actId="1076"/>
-          <ac:spMkLst>
-            <pc:docMk/>
-            <pc:sldMk cId="904715124" sldId="355"/>
-            <ac:spMk id="22" creationId="{1BA8FA1C-D25F-B2CA-365F-F5A55266DDC4}"/>
-          </ac:spMkLst>
-        </pc:spChg>
-        <pc:picChg chg="add mod">
-          <ac:chgData name="Jonas Vanhulst" userId="34ac1234-5592-4d7f-9994-53365d15ede3" providerId="ADAL" clId="{05C94207-FE41-4C92-949A-611D37DD235E}" dt="2024-01-16T11:22:09.940" v="337"/>
-          <ac:picMkLst>
-            <pc:docMk/>
-            <pc:sldMk cId="904715124" sldId="355"/>
-            <ac:picMk id="4" creationId="{6B33A760-E99D-C7A7-EF5E-B5E5D4E88DE0}"/>
-          </ac:picMkLst>
-        </pc:picChg>
-        <pc:picChg chg="add mod">
-          <ac:chgData name="Jonas Vanhulst" userId="34ac1234-5592-4d7f-9994-53365d15ede3" providerId="ADAL" clId="{05C94207-FE41-4C92-949A-611D37DD235E}" dt="2024-01-16T11:22:18.540" v="339"/>
-          <ac:picMkLst>
-            <pc:docMk/>
-            <pc:sldMk cId="904715124" sldId="355"/>
-            <ac:picMk id="6" creationId="{9602BF87-819F-0631-EE28-5058FBE39645}"/>
-          </ac:picMkLst>
-        </pc:picChg>
-        <pc:picChg chg="add mod">
-          <ac:chgData name="Jonas Vanhulst" userId="34ac1234-5592-4d7f-9994-53365d15ede3" providerId="ADAL" clId="{05C94207-FE41-4C92-949A-611D37DD235E}" dt="2024-01-16T11:22:18.540" v="339"/>
-          <ac:picMkLst>
-            <pc:docMk/>
-            <pc:sldMk cId="904715124" sldId="355"/>
-            <ac:picMk id="9" creationId="{D84BC7D3-816A-B825-C23E-3028E7A0275B}"/>
-          </ac:picMkLst>
-        </pc:picChg>
-        <pc:picChg chg="add mod">
-          <ac:chgData name="Jonas Vanhulst" userId="34ac1234-5592-4d7f-9994-53365d15ede3" providerId="ADAL" clId="{05C94207-FE41-4C92-949A-611D37DD235E}" dt="2024-01-16T11:22:18.540" v="339"/>
-          <ac:picMkLst>
-            <pc:docMk/>
-            <pc:sldMk cId="904715124" sldId="355"/>
-            <ac:picMk id="12" creationId="{E0270856-9A2F-ABC2-52D5-6D38B7D7F9B9}"/>
-          </ac:picMkLst>
-        </pc:picChg>
-        <pc:picChg chg="add mod">
-          <ac:chgData name="Jonas Vanhulst" userId="34ac1234-5592-4d7f-9994-53365d15ede3" providerId="ADAL" clId="{05C94207-FE41-4C92-949A-611D37DD235E}" dt="2024-01-16T11:22:18.540" v="339"/>
-          <ac:picMkLst>
-            <pc:docMk/>
-            <pc:sldMk cId="904715124" sldId="355"/>
-            <ac:picMk id="15" creationId="{466F65C0-7826-0D55-0313-A7C9ADC9370C}"/>
-          </ac:picMkLst>
-        </pc:picChg>
-        <pc:picChg chg="add mod">
-          <ac:chgData name="Jonas Vanhulst" userId="34ac1234-5592-4d7f-9994-53365d15ede3" providerId="ADAL" clId="{05C94207-FE41-4C92-949A-611D37DD235E}" dt="2024-01-16T11:22:18.540" v="339"/>
-          <ac:picMkLst>
-            <pc:docMk/>
-            <pc:sldMk cId="904715124" sldId="355"/>
-            <ac:picMk id="18" creationId="{31B407B0-2FCA-4662-F1ED-A188B8CD0DB0}"/>
-          </ac:picMkLst>
-        </pc:picChg>
-        <pc:picChg chg="add mod">
-          <ac:chgData name="Jonas Vanhulst" userId="34ac1234-5592-4d7f-9994-53365d15ede3" providerId="ADAL" clId="{05C94207-FE41-4C92-949A-611D37DD235E}" dt="2024-01-16T11:22:18.540" v="339"/>
-          <ac:picMkLst>
-            <pc:docMk/>
-            <pc:sldMk cId="904715124" sldId="355"/>
-            <ac:picMk id="21" creationId="{4AA3CD20-4601-8E9C-E035-588B8941B441}"/>
-          </ac:picMkLst>
-        </pc:picChg>
-      </pc:sldChg>
-      <pc:sldChg chg="addSp delSp modSp new mod modNotesTx">
-        <pc:chgData name="Jonas Vanhulst" userId="34ac1234-5592-4d7f-9994-53365d15ede3" providerId="ADAL" clId="{05C94207-FE41-4C92-949A-611D37DD235E}" dt="2024-01-17T17:56:51.102" v="1380" actId="20577"/>
-        <pc:sldMkLst>
-          <pc:docMk/>
-          <pc:sldMk cId="684873731" sldId="356"/>
-        </pc:sldMkLst>
-        <pc:spChg chg="add mod">
-          <ac:chgData name="Jonas Vanhulst" userId="34ac1234-5592-4d7f-9994-53365d15ede3" providerId="ADAL" clId="{05C94207-FE41-4C92-949A-611D37DD235E}" dt="2024-01-17T17:28:23.414" v="1140" actId="20577"/>
-          <ac:spMkLst>
-            <pc:docMk/>
-            <pc:sldMk cId="684873731" sldId="356"/>
-            <ac:spMk id="2" creationId="{8AF1676B-3110-2228-D630-41CD202FB34F}"/>
-          </ac:spMkLst>
-        </pc:spChg>
-        <pc:spChg chg="del">
-          <ac:chgData name="Jonas Vanhulst" userId="34ac1234-5592-4d7f-9994-53365d15ede3" providerId="ADAL" clId="{05C94207-FE41-4C92-949A-611D37DD235E}" dt="2024-01-16T11:39:36.835" v="386" actId="478"/>
-          <ac:spMkLst>
-            <pc:docMk/>
-            <pc:sldMk cId="684873731" sldId="356"/>
-            <ac:spMk id="2" creationId="{926B50CE-D149-FA1D-B18E-1F3FC7FFE361}"/>
-          </ac:spMkLst>
-        </pc:spChg>
-        <pc:spChg chg="mod">
-          <ac:chgData name="Jonas Vanhulst" userId="34ac1234-5592-4d7f-9994-53365d15ede3" providerId="ADAL" clId="{05C94207-FE41-4C92-949A-611D37DD235E}" dt="2024-01-16T11:39:26.320" v="384" actId="122"/>
-          <ac:spMkLst>
-            <pc:docMk/>
-            <pc:sldMk cId="684873731" sldId="356"/>
-            <ac:spMk id="3" creationId="{C1E8D879-326A-0B01-FFBE-71B3B84FF77F}"/>
-          </ac:spMkLst>
-        </pc:spChg>
-        <pc:graphicFrameChg chg="add mod">
-          <ac:chgData name="Jonas Vanhulst" userId="34ac1234-5592-4d7f-9994-53365d15ede3" providerId="ADAL" clId="{05C94207-FE41-4C92-949A-611D37DD235E}" dt="2024-01-16T11:39:32.772" v="385"/>
-          <ac:graphicFrameMkLst>
-            <pc:docMk/>
-            <pc:sldMk cId="684873731" sldId="356"/>
-            <ac:graphicFrameMk id="4" creationId="{5DDFF984-BB37-EA95-058F-175A395E44CF}"/>
-          </ac:graphicFrameMkLst>
-        </pc:graphicFrameChg>
-        <pc:picChg chg="add mod">
-          <ac:chgData name="Jonas Vanhulst" userId="34ac1234-5592-4d7f-9994-53365d15ede3" providerId="ADAL" clId="{05C94207-FE41-4C92-949A-611D37DD235E}" dt="2024-01-16T11:39:45.012" v="388"/>
-          <ac:picMkLst>
-            <pc:docMk/>
-            <pc:sldMk cId="684873731" sldId="356"/>
-            <ac:picMk id="5" creationId="{F3733FBC-2C8E-A1FE-D8EC-36390E6F5BBF}"/>
-          </ac:picMkLst>
-        </pc:picChg>
-      </pc:sldChg>
-      <pc:sldChg chg="new del">
-        <pc:chgData name="Jonas Vanhulst" userId="34ac1234-5592-4d7f-9994-53365d15ede3" providerId="ADAL" clId="{05C94207-FE41-4C92-949A-611D37DD235E}" dt="2024-01-16T11:37:04.044" v="343" actId="47"/>
-        <pc:sldMkLst>
-          <pc:docMk/>
-          <pc:sldMk cId="1626911921" sldId="356"/>
-        </pc:sldMkLst>
-      </pc:sldChg>
-      <pc:sldChg chg="addSp delSp modSp new mod modNotesTx">
-        <pc:chgData name="Jonas Vanhulst" userId="34ac1234-5592-4d7f-9994-53365d15ede3" providerId="ADAL" clId="{05C94207-FE41-4C92-949A-611D37DD235E}" dt="2024-01-17T17:57:03.865" v="1394" actId="20577"/>
-        <pc:sldMkLst>
-          <pc:docMk/>
-          <pc:sldMk cId="2496479974" sldId="357"/>
-        </pc:sldMkLst>
-        <pc:spChg chg="mod">
-          <ac:chgData name="Jonas Vanhulst" userId="34ac1234-5592-4d7f-9994-53365d15ede3" providerId="ADAL" clId="{05C94207-FE41-4C92-949A-611D37DD235E}" dt="2024-01-16T11:53:26.470" v="424" actId="20577"/>
-          <ac:spMkLst>
-            <pc:docMk/>
-            <pc:sldMk cId="2496479974" sldId="357"/>
-            <ac:spMk id="2" creationId="{798CB147-1C14-DA46-792B-D39A3CC03E3F}"/>
-          </ac:spMkLst>
-        </pc:spChg>
-        <pc:spChg chg="add mod">
-          <ac:chgData name="Jonas Vanhulst" userId="34ac1234-5592-4d7f-9994-53365d15ede3" providerId="ADAL" clId="{05C94207-FE41-4C92-949A-611D37DD235E}" dt="2024-01-17T17:28:35.517" v="1146" actId="20577"/>
-          <ac:spMkLst>
-            <pc:docMk/>
-            <pc:sldMk cId="2496479974" sldId="357"/>
-            <ac:spMk id="3" creationId="{16B05C52-C1C3-D404-8AF6-8E6ED3E87605}"/>
-          </ac:spMkLst>
-        </pc:spChg>
-        <pc:spChg chg="del">
-          <ac:chgData name="Jonas Vanhulst" userId="34ac1234-5592-4d7f-9994-53365d15ede3" providerId="ADAL" clId="{05C94207-FE41-4C92-949A-611D37DD235E}" dt="2024-01-16T11:53:29.210" v="425" actId="478"/>
-          <ac:spMkLst>
-            <pc:docMk/>
-            <pc:sldMk cId="2496479974" sldId="357"/>
-            <ac:spMk id="3" creationId="{3585F113-2D53-FA62-DC5C-7E8A5DA70312}"/>
-          </ac:spMkLst>
-        </pc:spChg>
-        <pc:spChg chg="add del">
-          <ac:chgData name="Jonas Vanhulst" userId="34ac1234-5592-4d7f-9994-53365d15ede3" providerId="ADAL" clId="{05C94207-FE41-4C92-949A-611D37DD235E}" dt="2024-01-16T11:53:46.831" v="428" actId="478"/>
-          <ac:spMkLst>
-            <pc:docMk/>
-            <pc:sldMk cId="2496479974" sldId="357"/>
-            <ac:spMk id="5" creationId="{061F6EC0-610E-8062-A71B-77D12B62FEA4}"/>
-          </ac:spMkLst>
-        </pc:spChg>
-        <pc:spChg chg="add mod ord">
-          <ac:chgData name="Jonas Vanhulst" userId="34ac1234-5592-4d7f-9994-53365d15ede3" providerId="ADAL" clId="{05C94207-FE41-4C92-949A-611D37DD235E}" dt="2024-01-16T11:54:47.650" v="469" actId="166"/>
-          <ac:spMkLst>
-            <pc:docMk/>
-            <pc:sldMk cId="2496479974" sldId="357"/>
-            <ac:spMk id="6" creationId="{FB933FBF-B6C2-1E92-17DE-9D1AC6250D77}"/>
-          </ac:spMkLst>
-        </pc:spChg>
-        <pc:spChg chg="add mod">
-          <ac:chgData name="Jonas Vanhulst" userId="34ac1234-5592-4d7f-9994-53365d15ede3" providerId="ADAL" clId="{05C94207-FE41-4C92-949A-611D37DD235E}" dt="2024-01-16T11:54:36.449" v="466" actId="208"/>
-          <ac:spMkLst>
-            <pc:docMk/>
-            <pc:sldMk cId="2496479974" sldId="357"/>
-            <ac:spMk id="7" creationId="{6F833DA5-43B4-BC91-9AE3-74B55F78E512}"/>
-          </ac:spMkLst>
-        </pc:spChg>
-        <pc:picChg chg="add mod">
-          <ac:chgData name="Jonas Vanhulst" userId="34ac1234-5592-4d7f-9994-53365d15ede3" providerId="ADAL" clId="{05C94207-FE41-4C92-949A-611D37DD235E}" dt="2024-01-16T11:53:30.092" v="426"/>
-          <ac:picMkLst>
-            <pc:docMk/>
-            <pc:sldMk cId="2496479974" sldId="357"/>
-            <ac:picMk id="4" creationId="{8235ACC8-2A97-AEF6-41F4-F2F076B0D362}"/>
-          </ac:picMkLst>
-        </pc:picChg>
-      </pc:sldChg>
-      <pc:sldMasterChg chg="delSldLayout">
-        <pc:chgData name="Jonas Vanhulst" userId="34ac1234-5592-4d7f-9994-53365d15ede3" providerId="ADAL" clId="{05C94207-FE41-4C92-949A-611D37DD235E}" dt="2024-01-16T11:39:40.594" v="387" actId="47"/>
-        <pc:sldMasterMkLst>
-          <pc:docMk/>
-          <pc:sldMasterMk cId="3439866588" sldId="2147483648"/>
-        </pc:sldMasterMkLst>
-        <pc:sldLayoutChg chg="del">
-          <pc:chgData name="Jonas Vanhulst" userId="34ac1234-5592-4d7f-9994-53365d15ede3" providerId="ADAL" clId="{05C94207-FE41-4C92-949A-611D37DD235E}" dt="2024-01-16T11:22:21.009" v="340" actId="47"/>
-          <pc:sldLayoutMkLst>
-            <pc:docMk/>
-            <pc:sldMasterMk cId="3439866588" sldId="2147483648"/>
-            <pc:sldLayoutMk cId="3516395060" sldId="2147483675"/>
-          </pc:sldLayoutMkLst>
-        </pc:sldLayoutChg>
-        <pc:sldLayoutChg chg="del">
-          <pc:chgData name="Jonas Vanhulst" userId="34ac1234-5592-4d7f-9994-53365d15ede3" providerId="ADAL" clId="{05C94207-FE41-4C92-949A-611D37DD235E}" dt="2024-01-16T11:39:40.594" v="387" actId="47"/>
-          <pc:sldLayoutMkLst>
-            <pc:docMk/>
-            <pc:sldMasterMk cId="3439866588" sldId="2147483648"/>
-            <pc:sldLayoutMk cId="1348538950" sldId="2147483676"/>
-          </pc:sldLayoutMkLst>
-        </pc:sldLayoutChg>
-      </pc:sldMasterChg>
-    </pc:docChg>
-  </pc:docChgLst>
-  <pc:docChgLst>
-    <pc:chgData name="Jonas Vanhulst" userId="34ac1234-5592-4d7f-9994-53365d15ede3" providerId="ADAL" clId="{B1A7EFC9-5C6D-4E16-AFFB-338C2315D95B}"/>
-    <pc:docChg chg="undo custSel addSld delSld modSld sldOrd">
-      <pc:chgData name="Jonas Vanhulst" userId="34ac1234-5592-4d7f-9994-53365d15ede3" providerId="ADAL" clId="{B1A7EFC9-5C6D-4E16-AFFB-338C2315D95B}" dt="2024-05-24T09:28:25.023" v="832" actId="47"/>
-      <pc:docMkLst>
-        <pc:docMk/>
-      </pc:docMkLst>
-      <pc:sldChg chg="modSp mod">
-        <pc:chgData name="Jonas Vanhulst" userId="34ac1234-5592-4d7f-9994-53365d15ede3" providerId="ADAL" clId="{B1A7EFC9-5C6D-4E16-AFFB-338C2315D95B}" dt="2024-05-24T09:02:40.216" v="20" actId="14100"/>
-        <pc:sldMkLst>
-          <pc:docMk/>
-          <pc:sldMk cId="2136152480" sldId="256"/>
-        </pc:sldMkLst>
-        <pc:spChg chg="mod">
-          <ac:chgData name="Jonas Vanhulst" userId="34ac1234-5592-4d7f-9994-53365d15ede3" providerId="ADAL" clId="{B1A7EFC9-5C6D-4E16-AFFB-338C2315D95B}" dt="2024-05-24T09:02:40.216" v="20" actId="14100"/>
-          <ac:spMkLst>
-            <pc:docMk/>
-            <pc:sldMk cId="2136152480" sldId="256"/>
-            <ac:spMk id="2" creationId="{1F76DE2C-F0C5-E444-B591-024EB8A8AFE7}"/>
-          </ac:spMkLst>
-        </pc:spChg>
-      </pc:sldChg>
       <pc:sldChg chg="modSp">
-        <pc:chgData name="Jonas Vanhulst" userId="34ac1234-5592-4d7f-9994-53365d15ede3" providerId="ADAL" clId="{B1A7EFC9-5C6D-4E16-AFFB-338C2315D95B}" dt="2024-05-24T09:07:34.141" v="62"/>
-        <pc:sldMkLst>
-          <pc:docMk/>
-          <pc:sldMk cId="966543752" sldId="257"/>
-        </pc:sldMkLst>
-        <pc:graphicFrameChg chg="mod">
-          <ac:chgData name="Jonas Vanhulst" userId="34ac1234-5592-4d7f-9994-53365d15ede3" providerId="ADAL" clId="{B1A7EFC9-5C6D-4E16-AFFB-338C2315D95B}" dt="2024-05-24T09:07:34.141" v="62"/>
-          <ac:graphicFrameMkLst>
-            <pc:docMk/>
-            <pc:sldMk cId="966543752" sldId="257"/>
-            <ac:graphicFrameMk id="2" creationId="{7E82FBBD-FDCF-4A2A-EC28-0C6A11E10343}"/>
-          </ac:graphicFrameMkLst>
-        </pc:graphicFrameChg>
-      </pc:sldChg>
-      <pc:sldChg chg="delSp modSp mod">
-        <pc:chgData name="Jonas Vanhulst" userId="34ac1234-5592-4d7f-9994-53365d15ede3" providerId="ADAL" clId="{B1A7EFC9-5C6D-4E16-AFFB-338C2315D95B}" dt="2024-05-24T09:15:37.826" v="315" actId="1076"/>
-        <pc:sldMkLst>
-          <pc:docMk/>
-          <pc:sldMk cId="4059836870" sldId="259"/>
-        </pc:sldMkLst>
-        <pc:spChg chg="del">
-          <ac:chgData name="Jonas Vanhulst" userId="34ac1234-5592-4d7f-9994-53365d15ede3" providerId="ADAL" clId="{B1A7EFC9-5C6D-4E16-AFFB-338C2315D95B}" dt="2024-05-24T09:07:53.163" v="67" actId="478"/>
-          <ac:spMkLst>
-            <pc:docMk/>
-            <pc:sldMk cId="4059836870" sldId="259"/>
-            <ac:spMk id="7" creationId="{108736D1-639C-7E82-EF89-24B699FF79CD}"/>
-          </ac:spMkLst>
-        </pc:spChg>
-        <pc:spChg chg="del">
-          <ac:chgData name="Jonas Vanhulst" userId="34ac1234-5592-4d7f-9994-53365d15ede3" providerId="ADAL" clId="{B1A7EFC9-5C6D-4E16-AFFB-338C2315D95B}" dt="2024-05-24T09:07:54.430" v="68" actId="478"/>
-          <ac:spMkLst>
-            <pc:docMk/>
-            <pc:sldMk cId="4059836870" sldId="259"/>
-            <ac:spMk id="8" creationId="{EBE936AA-4236-E6D6-9554-6D2E3F3F1018}"/>
-          </ac:spMkLst>
-        </pc:spChg>
-        <pc:spChg chg="del">
-          <ac:chgData name="Jonas Vanhulst" userId="34ac1234-5592-4d7f-9994-53365d15ede3" providerId="ADAL" clId="{B1A7EFC9-5C6D-4E16-AFFB-338C2315D95B}" dt="2024-05-24T09:07:56.704" v="69" actId="478"/>
-          <ac:spMkLst>
-            <pc:docMk/>
-            <pc:sldMk cId="4059836870" sldId="259"/>
-            <ac:spMk id="9" creationId="{7658756A-D3E3-BBA2-B985-FF2AC51D24E2}"/>
-          </ac:spMkLst>
-        </pc:spChg>
-        <pc:spChg chg="del">
-          <ac:chgData name="Jonas Vanhulst" userId="34ac1234-5592-4d7f-9994-53365d15ede3" providerId="ADAL" clId="{B1A7EFC9-5C6D-4E16-AFFB-338C2315D95B}" dt="2024-05-24T09:07:58.171" v="70" actId="478"/>
-          <ac:spMkLst>
-            <pc:docMk/>
-            <pc:sldMk cId="4059836870" sldId="259"/>
-            <ac:spMk id="10" creationId="{30997D13-7CFF-CA00-F556-2460FD6DDCEC}"/>
-          </ac:spMkLst>
-        </pc:spChg>
-        <pc:spChg chg="mod">
-          <ac:chgData name="Jonas Vanhulst" userId="34ac1234-5592-4d7f-9994-53365d15ede3" providerId="ADAL" clId="{B1A7EFC9-5C6D-4E16-AFFB-338C2315D95B}" dt="2024-05-24T09:15:37.826" v="315" actId="1076"/>
-          <ac:spMkLst>
-            <pc:docMk/>
-            <pc:sldMk cId="4059836870" sldId="259"/>
-            <ac:spMk id="20" creationId="{882FB7D6-F940-F791-7960-76A5FBBA5475}"/>
-          </ac:spMkLst>
-        </pc:spChg>
-        <pc:spChg chg="mod">
-          <ac:chgData name="Jonas Vanhulst" userId="34ac1234-5592-4d7f-9994-53365d15ede3" providerId="ADAL" clId="{B1A7EFC9-5C6D-4E16-AFFB-338C2315D95B}" dt="2024-05-24T09:08:44.283" v="115" actId="20577"/>
-          <ac:spMkLst>
-            <pc:docMk/>
-            <pc:sldMk cId="4059836870" sldId="259"/>
-            <ac:spMk id="21" creationId="{7C7654B5-FA39-BA66-186B-4E9A2E4F0643}"/>
-          </ac:spMkLst>
-        </pc:spChg>
-        <pc:spChg chg="mod">
-          <ac:chgData name="Jonas Vanhulst" userId="34ac1234-5592-4d7f-9994-53365d15ede3" providerId="ADAL" clId="{B1A7EFC9-5C6D-4E16-AFFB-338C2315D95B}" dt="2024-05-24T09:08:15.496" v="94" actId="20577"/>
-          <ac:spMkLst>
-            <pc:docMk/>
-            <pc:sldMk cId="4059836870" sldId="259"/>
-            <ac:spMk id="22" creationId="{4ED12C75-95B0-3EEF-37A3-B6407BEBC53F}"/>
-          </ac:spMkLst>
-        </pc:spChg>
-        <pc:spChg chg="mod">
-          <ac:chgData name="Jonas Vanhulst" userId="34ac1234-5592-4d7f-9994-53365d15ede3" providerId="ADAL" clId="{B1A7EFC9-5C6D-4E16-AFFB-338C2315D95B}" dt="2024-05-24T09:09:16.551" v="144" actId="20577"/>
-          <ac:spMkLst>
-            <pc:docMk/>
-            <pc:sldMk cId="4059836870" sldId="259"/>
-            <ac:spMk id="23" creationId="{F867C60A-E1A0-3AC6-7F01-1097E27745D3}"/>
-          </ac:spMkLst>
-        </pc:spChg>
-        <pc:spChg chg="del mod">
-          <ac:chgData name="Jonas Vanhulst" userId="34ac1234-5592-4d7f-9994-53365d15ede3" providerId="ADAL" clId="{B1A7EFC9-5C6D-4E16-AFFB-338C2315D95B}" dt="2024-05-24T09:07:43.478" v="64" actId="478"/>
-          <ac:spMkLst>
-            <pc:docMk/>
-            <pc:sldMk cId="4059836870" sldId="259"/>
-            <ac:spMk id="26" creationId="{CCE02C8E-D576-1D9A-27DA-54B91E835E1B}"/>
-          </ac:spMkLst>
-        </pc:spChg>
-        <pc:spChg chg="del">
-          <ac:chgData name="Jonas Vanhulst" userId="34ac1234-5592-4d7f-9994-53365d15ede3" providerId="ADAL" clId="{B1A7EFC9-5C6D-4E16-AFFB-338C2315D95B}" dt="2024-05-24T09:07:46.427" v="65" actId="478"/>
-          <ac:spMkLst>
-            <pc:docMk/>
-            <pc:sldMk cId="4059836870" sldId="259"/>
-            <ac:spMk id="27" creationId="{10A3E636-88BF-18E9-DE33-BD58551BE70E}"/>
-          </ac:spMkLst>
-        </pc:spChg>
-        <pc:spChg chg="del">
-          <ac:chgData name="Jonas Vanhulst" userId="34ac1234-5592-4d7f-9994-53365d15ede3" providerId="ADAL" clId="{B1A7EFC9-5C6D-4E16-AFFB-338C2315D95B}" dt="2024-05-24T09:07:48.083" v="66" actId="478"/>
-          <ac:spMkLst>
-            <pc:docMk/>
-            <pc:sldMk cId="4059836870" sldId="259"/>
-            <ac:spMk id="28" creationId="{7DF8C480-56ED-86D3-E5B0-9D483C08F30B}"/>
-          </ac:spMkLst>
-        </pc:spChg>
-      </pc:sldChg>
-      <pc:sldChg chg="addSp delSp modSp mod ord">
-        <pc:chgData name="Jonas Vanhulst" userId="34ac1234-5592-4d7f-9994-53365d15ede3" providerId="ADAL" clId="{B1A7EFC9-5C6D-4E16-AFFB-338C2315D95B}" dt="2024-05-24T09:28:17.536" v="831" actId="20577"/>
-        <pc:sldMkLst>
-          <pc:docMk/>
-          <pc:sldMk cId="1010822317" sldId="263"/>
-        </pc:sldMkLst>
-        <pc:spChg chg="mod">
-          <ac:chgData name="Jonas Vanhulst" userId="34ac1234-5592-4d7f-9994-53365d15ede3" providerId="ADAL" clId="{B1A7EFC9-5C6D-4E16-AFFB-338C2315D95B}" dt="2024-05-24T09:13:41.707" v="302" actId="20577"/>
-          <ac:spMkLst>
-            <pc:docMk/>
-            <pc:sldMk cId="1010822317" sldId="263"/>
-            <ac:spMk id="2" creationId="{FC83D6BF-9005-365B-4BD8-A081C4AEDE8F}"/>
-          </ac:spMkLst>
-        </pc:spChg>
-        <pc:spChg chg="add del mod topLvl">
-          <ac:chgData name="Jonas Vanhulst" userId="34ac1234-5592-4d7f-9994-53365d15ede3" providerId="ADAL" clId="{B1A7EFC9-5C6D-4E16-AFFB-338C2315D95B}" dt="2024-05-24T09:13:57.503" v="306" actId="478"/>
-          <ac:spMkLst>
-            <pc:docMk/>
-            <pc:sldMk cId="1010822317" sldId="263"/>
-            <ac:spMk id="9" creationId="{449D6DCB-297E-05E4-CF91-CF0ACEF0DB96}"/>
-          </ac:spMkLst>
-        </pc:spChg>
-        <pc:spChg chg="add del mod">
-          <ac:chgData name="Jonas Vanhulst" userId="34ac1234-5592-4d7f-9994-53365d15ede3" providerId="ADAL" clId="{B1A7EFC9-5C6D-4E16-AFFB-338C2315D95B}" dt="2024-05-24T09:22:04.548" v="519" actId="478"/>
-          <ac:spMkLst>
-            <pc:docMk/>
-            <pc:sldMk cId="1010822317" sldId="263"/>
-            <ac:spMk id="10" creationId="{344F426A-6267-ACEC-40EF-4AD24B4A555C}"/>
-          </ac:spMkLst>
-        </pc:spChg>
-        <pc:spChg chg="add mod">
-          <ac:chgData name="Jonas Vanhulst" userId="34ac1234-5592-4d7f-9994-53365d15ede3" providerId="ADAL" clId="{B1A7EFC9-5C6D-4E16-AFFB-338C2315D95B}" dt="2024-05-24T09:27:53.658" v="761" actId="20577"/>
-          <ac:spMkLst>
-            <pc:docMk/>
-            <pc:sldMk cId="1010822317" sldId="263"/>
-            <ac:spMk id="12" creationId="{ACF9C567-9F5E-EA8C-EC50-E2378E2C9B4B}"/>
-          </ac:spMkLst>
-        </pc:spChg>
-        <pc:spChg chg="add mod">
-          <ac:chgData name="Jonas Vanhulst" userId="34ac1234-5592-4d7f-9994-53365d15ede3" providerId="ADAL" clId="{B1A7EFC9-5C6D-4E16-AFFB-338C2315D95B}" dt="2024-05-24T09:28:17.536" v="831" actId="20577"/>
-          <ac:spMkLst>
-            <pc:docMk/>
-            <pc:sldMk cId="1010822317" sldId="263"/>
-            <ac:spMk id="13" creationId="{057FEB8F-930E-A120-097A-4C31A1F61F7F}"/>
-          </ac:spMkLst>
-        </pc:spChg>
-        <pc:grpChg chg="add del mod">
-          <ac:chgData name="Jonas Vanhulst" userId="34ac1234-5592-4d7f-9994-53365d15ede3" providerId="ADAL" clId="{B1A7EFC9-5C6D-4E16-AFFB-338C2315D95B}" dt="2024-05-24T09:13:57.503" v="306" actId="478"/>
-          <ac:grpSpMkLst>
-            <pc:docMk/>
-            <pc:sldMk cId="1010822317" sldId="263"/>
-            <ac:grpSpMk id="7" creationId="{8A09246F-1671-BBE1-8B0D-DA4E70E0F1D8}"/>
-          </ac:grpSpMkLst>
-        </pc:grpChg>
-        <pc:graphicFrameChg chg="add del mod">
-          <ac:chgData name="Jonas Vanhulst" userId="34ac1234-5592-4d7f-9994-53365d15ede3" providerId="ADAL" clId="{B1A7EFC9-5C6D-4E16-AFFB-338C2315D95B}" dt="2024-05-24T09:23:40.945" v="596" actId="478"/>
-          <ac:graphicFrameMkLst>
-            <pc:docMk/>
-            <pc:sldMk cId="1010822317" sldId="263"/>
-            <ac:graphicFrameMk id="11" creationId="{AD0D47C5-62C8-EC8E-9F52-086494D6A971}"/>
-          </ac:graphicFrameMkLst>
-        </pc:graphicFrameChg>
-        <pc:picChg chg="del">
-          <ac:chgData name="Jonas Vanhulst" userId="34ac1234-5592-4d7f-9994-53365d15ede3" providerId="ADAL" clId="{B1A7EFC9-5C6D-4E16-AFFB-338C2315D95B}" dt="2024-05-24T09:09:38.615" v="170" actId="478"/>
-          <ac:picMkLst>
-            <pc:docMk/>
-            <pc:sldMk cId="1010822317" sldId="263"/>
-            <ac:picMk id="3" creationId="{FFD27D6F-9B6D-E435-211B-5EC2CDFF087E}"/>
-          </ac:picMkLst>
-        </pc:picChg>
-        <pc:picChg chg="del">
-          <ac:chgData name="Jonas Vanhulst" userId="34ac1234-5592-4d7f-9994-53365d15ede3" providerId="ADAL" clId="{B1A7EFC9-5C6D-4E16-AFFB-338C2315D95B}" dt="2024-05-24T09:09:39.895" v="171" actId="478"/>
-          <ac:picMkLst>
-            <pc:docMk/>
-            <pc:sldMk cId="1010822317" sldId="263"/>
-            <ac:picMk id="5" creationId="{FA950377-4071-EC6B-AF47-38A4E44D82BD}"/>
-          </ac:picMkLst>
-        </pc:picChg>
-        <pc:picChg chg="add del mod">
-          <ac:chgData name="Jonas Vanhulst" userId="34ac1234-5592-4d7f-9994-53365d15ede3" providerId="ADAL" clId="{B1A7EFC9-5C6D-4E16-AFFB-338C2315D95B}" dt="2024-05-24T09:25:56.488" v="717" actId="1076"/>
-          <ac:picMkLst>
-            <pc:docMk/>
-            <pc:sldMk cId="1010822317" sldId="263"/>
-            <ac:picMk id="6" creationId="{11C8129D-7CE6-E9C1-F8C3-870685A58A9B}"/>
-          </ac:picMkLst>
-        </pc:picChg>
-        <pc:picChg chg="add del mod topLvl">
-          <ac:chgData name="Jonas Vanhulst" userId="34ac1234-5592-4d7f-9994-53365d15ede3" providerId="ADAL" clId="{B1A7EFC9-5C6D-4E16-AFFB-338C2315D95B}" dt="2024-05-24T09:24:17.849" v="600" actId="1076"/>
-          <ac:picMkLst>
-            <pc:docMk/>
-            <pc:sldMk cId="1010822317" sldId="263"/>
-            <ac:picMk id="8" creationId="{DE1969D9-A68C-C851-223B-6B2293EADAD1}"/>
-          </ac:picMkLst>
-        </pc:picChg>
-      </pc:sldChg>
-      <pc:sldChg chg="addSp delSp modSp del mod">
-        <pc:chgData name="Jonas Vanhulst" userId="34ac1234-5592-4d7f-9994-53365d15ede3" providerId="ADAL" clId="{B1A7EFC9-5C6D-4E16-AFFB-338C2315D95B}" dt="2024-05-24T09:28:25.023" v="832" actId="47"/>
-        <pc:sldMkLst>
-          <pc:docMk/>
-          <pc:sldMk cId="399726380" sldId="264"/>
-        </pc:sldMkLst>
-        <pc:spChg chg="mod">
-          <ac:chgData name="Jonas Vanhulst" userId="34ac1234-5592-4d7f-9994-53365d15ede3" providerId="ADAL" clId="{B1A7EFC9-5C6D-4E16-AFFB-338C2315D95B}" dt="2024-05-24T09:10:05.554" v="197" actId="20577"/>
-          <ac:spMkLst>
-            <pc:docMk/>
-            <pc:sldMk cId="399726380" sldId="264"/>
-            <ac:spMk id="2" creationId="{92442AA6-193F-D483-E865-363AC9318CE1}"/>
-          </ac:spMkLst>
-        </pc:spChg>
-        <pc:spChg chg="add del mod topLvl">
-          <ac:chgData name="Jonas Vanhulst" userId="34ac1234-5592-4d7f-9994-53365d15ede3" providerId="ADAL" clId="{B1A7EFC9-5C6D-4E16-AFFB-338C2315D95B}" dt="2024-05-24T09:13:04.859" v="263" actId="478"/>
-          <ac:spMkLst>
-            <pc:docMk/>
-            <pc:sldMk cId="399726380" sldId="264"/>
-            <ac:spMk id="6" creationId="{84BF911C-4312-BE2B-DD0C-4A85641A6E25}"/>
-          </ac:spMkLst>
-        </pc:spChg>
-        <pc:spChg chg="add del mod topLvl">
-          <ac:chgData name="Jonas Vanhulst" userId="34ac1234-5592-4d7f-9994-53365d15ede3" providerId="ADAL" clId="{B1A7EFC9-5C6D-4E16-AFFB-338C2315D95B}" dt="2024-05-24T09:13:25.798" v="271" actId="478"/>
-          <ac:spMkLst>
-            <pc:docMk/>
-            <pc:sldMk cId="399726380" sldId="264"/>
-            <ac:spMk id="11" creationId="{EA76D7A2-028E-6825-5627-2D7C2AAED281}"/>
-          </ac:spMkLst>
-        </pc:spChg>
-        <pc:spChg chg="add mod">
-          <ac:chgData name="Jonas Vanhulst" userId="34ac1234-5592-4d7f-9994-53365d15ede3" providerId="ADAL" clId="{B1A7EFC9-5C6D-4E16-AFFB-338C2315D95B}" dt="2024-05-24T09:18:11.154" v="349"/>
-          <ac:spMkLst>
-            <pc:docMk/>
-            <pc:sldMk cId="399726380" sldId="264"/>
-            <ac:spMk id="12" creationId="{806F655D-DC78-DA9B-CE33-A4B5D9C35437}"/>
-          </ac:spMkLst>
-        </pc:spChg>
-        <pc:grpChg chg="add del mod">
-          <ac:chgData name="Jonas Vanhulst" userId="34ac1234-5592-4d7f-9994-53365d15ede3" providerId="ADAL" clId="{B1A7EFC9-5C6D-4E16-AFFB-338C2315D95B}" dt="2024-05-24T09:13:04.859" v="263" actId="478"/>
-          <ac:grpSpMkLst>
-            <pc:docMk/>
-            <pc:sldMk cId="399726380" sldId="264"/>
-            <ac:grpSpMk id="4" creationId="{A01683CD-06A8-7653-2FB0-96EFBBE8A214}"/>
-          </ac:grpSpMkLst>
-        </pc:grpChg>
-        <pc:grpChg chg="add del mod">
-          <ac:chgData name="Jonas Vanhulst" userId="34ac1234-5592-4d7f-9994-53365d15ede3" providerId="ADAL" clId="{B1A7EFC9-5C6D-4E16-AFFB-338C2315D95B}" dt="2024-05-24T09:13:25.798" v="271" actId="478"/>
-          <ac:grpSpMkLst>
-            <pc:docMk/>
-            <pc:sldMk cId="399726380" sldId="264"/>
-            <ac:grpSpMk id="9" creationId="{4034EA19-D708-9A76-04BB-F3B7CE497E41}"/>
-          </ac:grpSpMkLst>
-        </pc:grpChg>
-        <pc:picChg chg="add mod topLvl modCrop">
-          <ac:chgData name="Jonas Vanhulst" userId="34ac1234-5592-4d7f-9994-53365d15ede3" providerId="ADAL" clId="{B1A7EFC9-5C6D-4E16-AFFB-338C2315D95B}" dt="2024-05-24T09:18:13.391" v="350"/>
-          <ac:picMkLst>
-            <pc:docMk/>
-            <pc:sldMk cId="399726380" sldId="264"/>
-            <ac:picMk id="5" creationId="{66E5CEC6-FF70-53FE-810B-39A53704EF90}"/>
-          </ac:picMkLst>
-        </pc:picChg>
-        <pc:picChg chg="add mod modCrop">
-          <ac:chgData name="Jonas Vanhulst" userId="34ac1234-5592-4d7f-9994-53365d15ede3" providerId="ADAL" clId="{B1A7EFC9-5C6D-4E16-AFFB-338C2315D95B}" dt="2024-05-24T09:18:17.476" v="351"/>
-          <ac:picMkLst>
-            <pc:docMk/>
-            <pc:sldMk cId="399726380" sldId="264"/>
-            <ac:picMk id="7" creationId="{42E2022C-68F8-94C6-44C7-0C92C07DC022}"/>
-          </ac:picMkLst>
-        </pc:picChg>
-        <pc:picChg chg="add mod modCrop">
-          <ac:chgData name="Jonas Vanhulst" userId="34ac1234-5592-4d7f-9994-53365d15ede3" providerId="ADAL" clId="{B1A7EFC9-5C6D-4E16-AFFB-338C2315D95B}" dt="2024-05-24T09:18:20.381" v="352"/>
-          <ac:picMkLst>
-            <pc:docMk/>
-            <pc:sldMk cId="399726380" sldId="264"/>
-            <ac:picMk id="8" creationId="{501FCA19-1B53-B390-90D6-1D382C3686EE}"/>
-          </ac:picMkLst>
-        </pc:picChg>
-        <pc:picChg chg="add mod topLvl">
-          <ac:chgData name="Jonas Vanhulst" userId="34ac1234-5592-4d7f-9994-53365d15ede3" providerId="ADAL" clId="{B1A7EFC9-5C6D-4E16-AFFB-338C2315D95B}" dt="2024-05-24T09:15:26.973" v="313" actId="1076"/>
-          <ac:picMkLst>
-            <pc:docMk/>
-            <pc:sldMk cId="399726380" sldId="264"/>
-            <ac:picMk id="10" creationId="{9F6D4A5F-9060-CC9F-ACC9-C36EC21F80F1}"/>
-          </ac:picMkLst>
-        </pc:picChg>
-      </pc:sldChg>
-      <pc:sldChg chg="delSp modSp mod">
-        <pc:chgData name="Jonas Vanhulst" userId="34ac1234-5592-4d7f-9994-53365d15ede3" providerId="ADAL" clId="{B1A7EFC9-5C6D-4E16-AFFB-338C2315D95B}" dt="2024-05-24T09:09:35.614" v="169" actId="20577"/>
-        <pc:sldMkLst>
-          <pc:docMk/>
-          <pc:sldMk cId="2113820685" sldId="265"/>
-        </pc:sldMkLst>
-        <pc:spChg chg="mod">
-          <ac:chgData name="Jonas Vanhulst" userId="34ac1234-5592-4d7f-9994-53365d15ede3" providerId="ADAL" clId="{B1A7EFC9-5C6D-4E16-AFFB-338C2315D95B}" dt="2024-05-24T09:09:35.614" v="169" actId="20577"/>
-          <ac:spMkLst>
-            <pc:docMk/>
-            <pc:sldMk cId="2113820685" sldId="265"/>
-            <ac:spMk id="2" creationId="{CEC6DA92-777F-12EE-8414-004D9E79F561}"/>
-          </ac:spMkLst>
-        </pc:spChg>
-        <pc:picChg chg="del">
-          <ac:chgData name="Jonas Vanhulst" userId="34ac1234-5592-4d7f-9994-53365d15ede3" providerId="ADAL" clId="{B1A7EFC9-5C6D-4E16-AFFB-338C2315D95B}" dt="2024-05-24T09:09:24.275" v="145" actId="478"/>
-          <ac:picMkLst>
-            <pc:docMk/>
-            <pc:sldMk cId="2113820685" sldId="265"/>
-            <ac:picMk id="6" creationId="{73081187-11F3-F488-F3D1-930D4A36FF03}"/>
-          </ac:picMkLst>
-        </pc:picChg>
-      </pc:sldChg>
-      <pc:sldChg chg="addSp modSp new mod">
-        <pc:chgData name="Jonas Vanhulst" userId="34ac1234-5592-4d7f-9994-53365d15ede3" providerId="ADAL" clId="{B1A7EFC9-5C6D-4E16-AFFB-338C2315D95B}" dt="2024-05-24T09:12:34.710" v="259" actId="1076"/>
-        <pc:sldMkLst>
-          <pc:docMk/>
-          <pc:sldMk cId="2640774921" sldId="267"/>
-        </pc:sldMkLst>
-        <pc:spChg chg="mod">
-          <ac:chgData name="Jonas Vanhulst" userId="34ac1234-5592-4d7f-9994-53365d15ede3" providerId="ADAL" clId="{B1A7EFC9-5C6D-4E16-AFFB-338C2315D95B}" dt="2024-05-24T09:10:18.058" v="217" actId="20577"/>
-          <ac:spMkLst>
-            <pc:docMk/>
-            <pc:sldMk cId="2640774921" sldId="267"/>
-            <ac:spMk id="2" creationId="{B1F40940-889A-982F-4A00-3FAF86BB6114}"/>
-          </ac:spMkLst>
-        </pc:spChg>
-        <pc:picChg chg="add mod modCrop">
-          <ac:chgData name="Jonas Vanhulst" userId="34ac1234-5592-4d7f-9994-53365d15ede3" providerId="ADAL" clId="{B1A7EFC9-5C6D-4E16-AFFB-338C2315D95B}" dt="2024-05-24T09:12:34.710" v="259" actId="1076"/>
-          <ac:picMkLst>
-            <pc:docMk/>
-            <pc:sldMk cId="2640774921" sldId="267"/>
-            <ac:picMk id="4" creationId="{50279677-BE2D-AAB2-3D03-D5CB080339EB}"/>
-          </ac:picMkLst>
-        </pc:picChg>
-      </pc:sldChg>
-      <pc:sldChg chg="addSp modSp new mod">
-        <pc:chgData name="Jonas Vanhulst" userId="34ac1234-5592-4d7f-9994-53365d15ede3" providerId="ADAL" clId="{B1A7EFC9-5C6D-4E16-AFFB-338C2315D95B}" dt="2024-05-24T09:11:23.708" v="248" actId="1076"/>
-        <pc:sldMkLst>
-          <pc:docMk/>
-          <pc:sldMk cId="1502954539" sldId="268"/>
-        </pc:sldMkLst>
-        <pc:spChg chg="mod">
-          <ac:chgData name="Jonas Vanhulst" userId="34ac1234-5592-4d7f-9994-53365d15ede3" providerId="ADAL" clId="{B1A7EFC9-5C6D-4E16-AFFB-338C2315D95B}" dt="2024-05-24T09:10:45.261" v="244" actId="20577"/>
-          <ac:spMkLst>
-            <pc:docMk/>
-            <pc:sldMk cId="1502954539" sldId="268"/>
-            <ac:spMk id="2" creationId="{06DC8909-C94F-F026-62C4-A2B8F3EACAD8}"/>
-          </ac:spMkLst>
-        </pc:spChg>
-        <pc:picChg chg="add mod">
-          <ac:chgData name="Jonas Vanhulst" userId="34ac1234-5592-4d7f-9994-53365d15ede3" providerId="ADAL" clId="{B1A7EFC9-5C6D-4E16-AFFB-338C2315D95B}" dt="2024-05-24T09:11:23.708" v="248" actId="1076"/>
-          <ac:picMkLst>
-            <pc:docMk/>
-            <pc:sldMk cId="1502954539" sldId="268"/>
-            <ac:picMk id="3" creationId="{928597F0-F894-93F6-9DCF-EFF000B664AC}"/>
-          </ac:picMkLst>
-        </pc:picChg>
-      </pc:sldChg>
-      <pc:sldChg chg="addSp modSp new mod">
-        <pc:chgData name="Jonas Vanhulst" userId="34ac1234-5592-4d7f-9994-53365d15ede3" providerId="ADAL" clId="{B1A7EFC9-5C6D-4E16-AFFB-338C2315D95B}" dt="2024-05-24T09:21:51.177" v="515" actId="20577"/>
+        <pc:chgData name="Jasper Maes" userId="9a0302ae-031c-4350-9607-bc09bebdd69f" providerId="ADAL" clId="{C5A1A881-573B-DA4E-8705-EB93669299AC}" dt="2024-05-27T11:48:00.910" v="7"/>
         <pc:sldMkLst>
           <pc:docMk/>
           <pc:sldMk cId="1212678777" sldId="269"/>
         </pc:sldMkLst>
-        <pc:spChg chg="mod">
-          <ac:chgData name="Jonas Vanhulst" userId="34ac1234-5592-4d7f-9994-53365d15ede3" providerId="ADAL" clId="{B1A7EFC9-5C6D-4E16-AFFB-338C2315D95B}" dt="2024-05-24T09:18:37.807" v="370" actId="20577"/>
-          <ac:spMkLst>
-            <pc:docMk/>
-            <pc:sldMk cId="1212678777" sldId="269"/>
-            <ac:spMk id="2" creationId="{222DF396-8BED-DEF2-7D2B-CE1C5D4DB9A6}"/>
-          </ac:spMkLst>
-        </pc:spChg>
-        <pc:graphicFrameChg chg="add mod modGraphic">
-          <ac:chgData name="Jonas Vanhulst" userId="34ac1234-5592-4d7f-9994-53365d15ede3" providerId="ADAL" clId="{B1A7EFC9-5C6D-4E16-AFFB-338C2315D95B}" dt="2024-05-24T09:21:51.177" v="515" actId="20577"/>
+        <pc:graphicFrameChg chg="mod">
+          <ac:chgData name="Jasper Maes" userId="9a0302ae-031c-4350-9607-bc09bebdd69f" providerId="ADAL" clId="{C5A1A881-573B-DA4E-8705-EB93669299AC}" dt="2024-05-27T11:48:00.910" v="7"/>
           <ac:graphicFrameMkLst>
             <pc:docMk/>
             <pc:sldMk cId="1212678777" sldId="269"/>
@@ -2270,6 +696,1901 @@
     </pc:docChg>
   </pc:docChgLst>
   <pc:docChgLst>
+    <pc:chgData name="Jonas Vanhulst" userId="34ac1234-5592-4d7f-9994-53365d15ede3" providerId="ADAL" clId="{B1A7EFC9-5C6D-4E16-AFFB-338C2315D95B}"/>
+    <pc:docChg chg="undo custSel addSld delSld modSld sldOrd">
+      <pc:chgData name="Jonas Vanhulst" userId="34ac1234-5592-4d7f-9994-53365d15ede3" providerId="ADAL" clId="{B1A7EFC9-5C6D-4E16-AFFB-338C2315D95B}" dt="2024-05-27T21:07:30.072" v="981" actId="20577"/>
+      <pc:docMkLst>
+        <pc:docMk/>
+      </pc:docMkLst>
+      <pc:sldChg chg="modSp mod">
+        <pc:chgData name="Jonas Vanhulst" userId="34ac1234-5592-4d7f-9994-53365d15ede3" providerId="ADAL" clId="{B1A7EFC9-5C6D-4E16-AFFB-338C2315D95B}" dt="2024-05-24T09:02:40.216" v="20" actId="14100"/>
+        <pc:sldMkLst>
+          <pc:docMk/>
+          <pc:sldMk cId="2136152480" sldId="256"/>
+        </pc:sldMkLst>
+        <pc:spChg chg="mod">
+          <ac:chgData name="Jonas Vanhulst" userId="34ac1234-5592-4d7f-9994-53365d15ede3" providerId="ADAL" clId="{B1A7EFC9-5C6D-4E16-AFFB-338C2315D95B}" dt="2024-05-24T09:02:40.216" v="20" actId="14100"/>
+          <ac:spMkLst>
+            <pc:docMk/>
+            <pc:sldMk cId="2136152480" sldId="256"/>
+            <ac:spMk id="2" creationId="{1F76DE2C-F0C5-E444-B591-024EB8A8AFE7}"/>
+          </ac:spMkLst>
+        </pc:spChg>
+      </pc:sldChg>
+      <pc:sldChg chg="modSp">
+        <pc:chgData name="Jonas Vanhulst" userId="34ac1234-5592-4d7f-9994-53365d15ede3" providerId="ADAL" clId="{B1A7EFC9-5C6D-4E16-AFFB-338C2315D95B}" dt="2024-05-27T19:22:43.977" v="871" actId="20577"/>
+        <pc:sldMkLst>
+          <pc:docMk/>
+          <pc:sldMk cId="966543752" sldId="257"/>
+        </pc:sldMkLst>
+        <pc:graphicFrameChg chg="mod">
+          <ac:chgData name="Jonas Vanhulst" userId="34ac1234-5592-4d7f-9994-53365d15ede3" providerId="ADAL" clId="{B1A7EFC9-5C6D-4E16-AFFB-338C2315D95B}" dt="2024-05-27T19:22:43.977" v="871" actId="20577"/>
+          <ac:graphicFrameMkLst>
+            <pc:docMk/>
+            <pc:sldMk cId="966543752" sldId="257"/>
+            <ac:graphicFrameMk id="2" creationId="{7E82FBBD-FDCF-4A2A-EC28-0C6A11E10343}"/>
+          </ac:graphicFrameMkLst>
+        </pc:graphicFrameChg>
+      </pc:sldChg>
+      <pc:sldChg chg="delSp modSp mod">
+        <pc:chgData name="Jonas Vanhulst" userId="34ac1234-5592-4d7f-9994-53365d15ede3" providerId="ADAL" clId="{B1A7EFC9-5C6D-4E16-AFFB-338C2315D95B}" dt="2024-05-27T21:06:40.651" v="978" actId="20577"/>
+        <pc:sldMkLst>
+          <pc:docMk/>
+          <pc:sldMk cId="4059836870" sldId="259"/>
+        </pc:sldMkLst>
+        <pc:spChg chg="del">
+          <ac:chgData name="Jonas Vanhulst" userId="34ac1234-5592-4d7f-9994-53365d15ede3" providerId="ADAL" clId="{B1A7EFC9-5C6D-4E16-AFFB-338C2315D95B}" dt="2024-05-24T09:07:53.163" v="67" actId="478"/>
+          <ac:spMkLst>
+            <pc:docMk/>
+            <pc:sldMk cId="4059836870" sldId="259"/>
+            <ac:spMk id="7" creationId="{108736D1-639C-7E82-EF89-24B699FF79CD}"/>
+          </ac:spMkLst>
+        </pc:spChg>
+        <pc:spChg chg="del">
+          <ac:chgData name="Jonas Vanhulst" userId="34ac1234-5592-4d7f-9994-53365d15ede3" providerId="ADAL" clId="{B1A7EFC9-5C6D-4E16-AFFB-338C2315D95B}" dt="2024-05-24T09:07:54.430" v="68" actId="478"/>
+          <ac:spMkLst>
+            <pc:docMk/>
+            <pc:sldMk cId="4059836870" sldId="259"/>
+            <ac:spMk id="8" creationId="{EBE936AA-4236-E6D6-9554-6D2E3F3F1018}"/>
+          </ac:spMkLst>
+        </pc:spChg>
+        <pc:spChg chg="del">
+          <ac:chgData name="Jonas Vanhulst" userId="34ac1234-5592-4d7f-9994-53365d15ede3" providerId="ADAL" clId="{B1A7EFC9-5C6D-4E16-AFFB-338C2315D95B}" dt="2024-05-24T09:07:56.704" v="69" actId="478"/>
+          <ac:spMkLst>
+            <pc:docMk/>
+            <pc:sldMk cId="4059836870" sldId="259"/>
+            <ac:spMk id="9" creationId="{7658756A-D3E3-BBA2-B985-FF2AC51D24E2}"/>
+          </ac:spMkLst>
+        </pc:spChg>
+        <pc:spChg chg="del">
+          <ac:chgData name="Jonas Vanhulst" userId="34ac1234-5592-4d7f-9994-53365d15ede3" providerId="ADAL" clId="{B1A7EFC9-5C6D-4E16-AFFB-338C2315D95B}" dt="2024-05-24T09:07:58.171" v="70" actId="478"/>
+          <ac:spMkLst>
+            <pc:docMk/>
+            <pc:sldMk cId="4059836870" sldId="259"/>
+            <ac:spMk id="10" creationId="{30997D13-7CFF-CA00-F556-2460FD6DDCEC}"/>
+          </ac:spMkLst>
+        </pc:spChg>
+        <pc:spChg chg="mod">
+          <ac:chgData name="Jonas Vanhulst" userId="34ac1234-5592-4d7f-9994-53365d15ede3" providerId="ADAL" clId="{B1A7EFC9-5C6D-4E16-AFFB-338C2315D95B}" dt="2024-05-27T21:06:40.651" v="978" actId="20577"/>
+          <ac:spMkLst>
+            <pc:docMk/>
+            <pc:sldMk cId="4059836870" sldId="259"/>
+            <ac:spMk id="20" creationId="{882FB7D6-F940-F791-7960-76A5FBBA5475}"/>
+          </ac:spMkLst>
+        </pc:spChg>
+        <pc:spChg chg="mod">
+          <ac:chgData name="Jonas Vanhulst" userId="34ac1234-5592-4d7f-9994-53365d15ede3" providerId="ADAL" clId="{B1A7EFC9-5C6D-4E16-AFFB-338C2315D95B}" dt="2024-05-24T09:08:44.283" v="115" actId="20577"/>
+          <ac:spMkLst>
+            <pc:docMk/>
+            <pc:sldMk cId="4059836870" sldId="259"/>
+            <ac:spMk id="21" creationId="{7C7654B5-FA39-BA66-186B-4E9A2E4F0643}"/>
+          </ac:spMkLst>
+        </pc:spChg>
+        <pc:spChg chg="mod">
+          <ac:chgData name="Jonas Vanhulst" userId="34ac1234-5592-4d7f-9994-53365d15ede3" providerId="ADAL" clId="{B1A7EFC9-5C6D-4E16-AFFB-338C2315D95B}" dt="2024-05-24T09:08:15.496" v="94" actId="20577"/>
+          <ac:spMkLst>
+            <pc:docMk/>
+            <pc:sldMk cId="4059836870" sldId="259"/>
+            <ac:spMk id="22" creationId="{4ED12C75-95B0-3EEF-37A3-B6407BEBC53F}"/>
+          </ac:spMkLst>
+        </pc:spChg>
+        <pc:spChg chg="mod">
+          <ac:chgData name="Jonas Vanhulst" userId="34ac1234-5592-4d7f-9994-53365d15ede3" providerId="ADAL" clId="{B1A7EFC9-5C6D-4E16-AFFB-338C2315D95B}" dt="2024-05-24T09:09:16.551" v="144" actId="20577"/>
+          <ac:spMkLst>
+            <pc:docMk/>
+            <pc:sldMk cId="4059836870" sldId="259"/>
+            <ac:spMk id="23" creationId="{F867C60A-E1A0-3AC6-7F01-1097E27745D3}"/>
+          </ac:spMkLst>
+        </pc:spChg>
+        <pc:spChg chg="del mod">
+          <ac:chgData name="Jonas Vanhulst" userId="34ac1234-5592-4d7f-9994-53365d15ede3" providerId="ADAL" clId="{B1A7EFC9-5C6D-4E16-AFFB-338C2315D95B}" dt="2024-05-24T09:07:43.478" v="64" actId="478"/>
+          <ac:spMkLst>
+            <pc:docMk/>
+            <pc:sldMk cId="4059836870" sldId="259"/>
+            <ac:spMk id="26" creationId="{CCE02C8E-D576-1D9A-27DA-54B91E835E1B}"/>
+          </ac:spMkLst>
+        </pc:spChg>
+        <pc:spChg chg="del">
+          <ac:chgData name="Jonas Vanhulst" userId="34ac1234-5592-4d7f-9994-53365d15ede3" providerId="ADAL" clId="{B1A7EFC9-5C6D-4E16-AFFB-338C2315D95B}" dt="2024-05-24T09:07:46.427" v="65" actId="478"/>
+          <ac:spMkLst>
+            <pc:docMk/>
+            <pc:sldMk cId="4059836870" sldId="259"/>
+            <ac:spMk id="27" creationId="{10A3E636-88BF-18E9-DE33-BD58551BE70E}"/>
+          </ac:spMkLst>
+        </pc:spChg>
+        <pc:spChg chg="del">
+          <ac:chgData name="Jonas Vanhulst" userId="34ac1234-5592-4d7f-9994-53365d15ede3" providerId="ADAL" clId="{B1A7EFC9-5C6D-4E16-AFFB-338C2315D95B}" dt="2024-05-24T09:07:48.083" v="66" actId="478"/>
+          <ac:spMkLst>
+            <pc:docMk/>
+            <pc:sldMk cId="4059836870" sldId="259"/>
+            <ac:spMk id="28" creationId="{7DF8C480-56ED-86D3-E5B0-9D483C08F30B}"/>
+          </ac:spMkLst>
+        </pc:spChg>
+      </pc:sldChg>
+      <pc:sldChg chg="addSp delSp modSp mod ord">
+        <pc:chgData name="Jonas Vanhulst" userId="34ac1234-5592-4d7f-9994-53365d15ede3" providerId="ADAL" clId="{B1A7EFC9-5C6D-4E16-AFFB-338C2315D95B}" dt="2024-05-27T21:07:30.072" v="981" actId="20577"/>
+        <pc:sldMkLst>
+          <pc:docMk/>
+          <pc:sldMk cId="1010822317" sldId="263"/>
+        </pc:sldMkLst>
+        <pc:spChg chg="mod">
+          <ac:chgData name="Jonas Vanhulst" userId="34ac1234-5592-4d7f-9994-53365d15ede3" providerId="ADAL" clId="{B1A7EFC9-5C6D-4E16-AFFB-338C2315D95B}" dt="2024-05-24T09:13:41.707" v="302" actId="20577"/>
+          <ac:spMkLst>
+            <pc:docMk/>
+            <pc:sldMk cId="1010822317" sldId="263"/>
+            <ac:spMk id="2" creationId="{FC83D6BF-9005-365B-4BD8-A081C4AEDE8F}"/>
+          </ac:spMkLst>
+        </pc:spChg>
+        <pc:spChg chg="mod">
+          <ac:chgData name="Jonas Vanhulst" userId="34ac1234-5592-4d7f-9994-53365d15ede3" providerId="ADAL" clId="{B1A7EFC9-5C6D-4E16-AFFB-338C2315D95B}" dt="2024-05-27T19:25:52.400" v="876" actId="20577"/>
+          <ac:spMkLst>
+            <pc:docMk/>
+            <pc:sldMk cId="1010822317" sldId="263"/>
+            <ac:spMk id="4" creationId="{5FE336B9-1663-220D-BF70-6CDD7DD700E9}"/>
+          </ac:spMkLst>
+        </pc:spChg>
+        <pc:spChg chg="add del mod topLvl">
+          <ac:chgData name="Jonas Vanhulst" userId="34ac1234-5592-4d7f-9994-53365d15ede3" providerId="ADAL" clId="{B1A7EFC9-5C6D-4E16-AFFB-338C2315D95B}" dt="2024-05-24T09:13:57.503" v="306" actId="478"/>
+          <ac:spMkLst>
+            <pc:docMk/>
+            <pc:sldMk cId="1010822317" sldId="263"/>
+            <ac:spMk id="9" creationId="{449D6DCB-297E-05E4-CF91-CF0ACEF0DB96}"/>
+          </ac:spMkLst>
+        </pc:spChg>
+        <pc:spChg chg="add del mod">
+          <ac:chgData name="Jonas Vanhulst" userId="34ac1234-5592-4d7f-9994-53365d15ede3" providerId="ADAL" clId="{B1A7EFC9-5C6D-4E16-AFFB-338C2315D95B}" dt="2024-05-24T09:22:04.548" v="519" actId="478"/>
+          <ac:spMkLst>
+            <pc:docMk/>
+            <pc:sldMk cId="1010822317" sldId="263"/>
+            <ac:spMk id="10" creationId="{344F426A-6267-ACEC-40EF-4AD24B4A555C}"/>
+          </ac:spMkLst>
+        </pc:spChg>
+        <pc:spChg chg="add mod">
+          <ac:chgData name="Jonas Vanhulst" userId="34ac1234-5592-4d7f-9994-53365d15ede3" providerId="ADAL" clId="{B1A7EFC9-5C6D-4E16-AFFB-338C2315D95B}" dt="2024-05-27T21:07:30.072" v="981" actId="20577"/>
+          <ac:spMkLst>
+            <pc:docMk/>
+            <pc:sldMk cId="1010822317" sldId="263"/>
+            <ac:spMk id="12" creationId="{ACF9C567-9F5E-EA8C-EC50-E2378E2C9B4B}"/>
+          </ac:spMkLst>
+        </pc:spChg>
+        <pc:spChg chg="add mod">
+          <ac:chgData name="Jonas Vanhulst" userId="34ac1234-5592-4d7f-9994-53365d15ede3" providerId="ADAL" clId="{B1A7EFC9-5C6D-4E16-AFFB-338C2315D95B}" dt="2024-05-24T09:28:17.536" v="831" actId="20577"/>
+          <ac:spMkLst>
+            <pc:docMk/>
+            <pc:sldMk cId="1010822317" sldId="263"/>
+            <ac:spMk id="13" creationId="{057FEB8F-930E-A120-097A-4C31A1F61F7F}"/>
+          </ac:spMkLst>
+        </pc:spChg>
+        <pc:grpChg chg="add del mod">
+          <ac:chgData name="Jonas Vanhulst" userId="34ac1234-5592-4d7f-9994-53365d15ede3" providerId="ADAL" clId="{B1A7EFC9-5C6D-4E16-AFFB-338C2315D95B}" dt="2024-05-24T09:13:57.503" v="306" actId="478"/>
+          <ac:grpSpMkLst>
+            <pc:docMk/>
+            <pc:sldMk cId="1010822317" sldId="263"/>
+            <ac:grpSpMk id="7" creationId="{8A09246F-1671-BBE1-8B0D-DA4E70E0F1D8}"/>
+          </ac:grpSpMkLst>
+        </pc:grpChg>
+        <pc:graphicFrameChg chg="add del mod">
+          <ac:chgData name="Jonas Vanhulst" userId="34ac1234-5592-4d7f-9994-53365d15ede3" providerId="ADAL" clId="{B1A7EFC9-5C6D-4E16-AFFB-338C2315D95B}" dt="2024-05-24T09:23:40.945" v="596" actId="478"/>
+          <ac:graphicFrameMkLst>
+            <pc:docMk/>
+            <pc:sldMk cId="1010822317" sldId="263"/>
+            <ac:graphicFrameMk id="11" creationId="{AD0D47C5-62C8-EC8E-9F52-086494D6A971}"/>
+          </ac:graphicFrameMkLst>
+        </pc:graphicFrameChg>
+        <pc:picChg chg="del">
+          <ac:chgData name="Jonas Vanhulst" userId="34ac1234-5592-4d7f-9994-53365d15ede3" providerId="ADAL" clId="{B1A7EFC9-5C6D-4E16-AFFB-338C2315D95B}" dt="2024-05-24T09:09:38.615" v="170" actId="478"/>
+          <ac:picMkLst>
+            <pc:docMk/>
+            <pc:sldMk cId="1010822317" sldId="263"/>
+            <ac:picMk id="3" creationId="{FFD27D6F-9B6D-E435-211B-5EC2CDFF087E}"/>
+          </ac:picMkLst>
+        </pc:picChg>
+        <pc:picChg chg="del">
+          <ac:chgData name="Jonas Vanhulst" userId="34ac1234-5592-4d7f-9994-53365d15ede3" providerId="ADAL" clId="{B1A7EFC9-5C6D-4E16-AFFB-338C2315D95B}" dt="2024-05-24T09:09:39.895" v="171" actId="478"/>
+          <ac:picMkLst>
+            <pc:docMk/>
+            <pc:sldMk cId="1010822317" sldId="263"/>
+            <ac:picMk id="5" creationId="{FA950377-4071-EC6B-AF47-38A4E44D82BD}"/>
+          </ac:picMkLst>
+        </pc:picChg>
+        <pc:picChg chg="add del mod">
+          <ac:chgData name="Jonas Vanhulst" userId="34ac1234-5592-4d7f-9994-53365d15ede3" providerId="ADAL" clId="{B1A7EFC9-5C6D-4E16-AFFB-338C2315D95B}" dt="2024-05-24T09:25:56.488" v="717" actId="1076"/>
+          <ac:picMkLst>
+            <pc:docMk/>
+            <pc:sldMk cId="1010822317" sldId="263"/>
+            <ac:picMk id="6" creationId="{11C8129D-7CE6-E9C1-F8C3-870685A58A9B}"/>
+          </ac:picMkLst>
+        </pc:picChg>
+        <pc:picChg chg="add del mod topLvl">
+          <ac:chgData name="Jonas Vanhulst" userId="34ac1234-5592-4d7f-9994-53365d15ede3" providerId="ADAL" clId="{B1A7EFC9-5C6D-4E16-AFFB-338C2315D95B}" dt="2024-05-24T09:24:17.849" v="600" actId="1076"/>
+          <ac:picMkLst>
+            <pc:docMk/>
+            <pc:sldMk cId="1010822317" sldId="263"/>
+            <ac:picMk id="8" creationId="{DE1969D9-A68C-C851-223B-6B2293EADAD1}"/>
+          </ac:picMkLst>
+        </pc:picChg>
+      </pc:sldChg>
+      <pc:sldChg chg="addSp delSp modSp del mod">
+        <pc:chgData name="Jonas Vanhulst" userId="34ac1234-5592-4d7f-9994-53365d15ede3" providerId="ADAL" clId="{B1A7EFC9-5C6D-4E16-AFFB-338C2315D95B}" dt="2024-05-24T09:28:25.023" v="832" actId="47"/>
+        <pc:sldMkLst>
+          <pc:docMk/>
+          <pc:sldMk cId="399726380" sldId="264"/>
+        </pc:sldMkLst>
+        <pc:spChg chg="mod">
+          <ac:chgData name="Jonas Vanhulst" userId="34ac1234-5592-4d7f-9994-53365d15ede3" providerId="ADAL" clId="{B1A7EFC9-5C6D-4E16-AFFB-338C2315D95B}" dt="2024-05-24T09:10:05.554" v="197" actId="20577"/>
+          <ac:spMkLst>
+            <pc:docMk/>
+            <pc:sldMk cId="399726380" sldId="264"/>
+            <ac:spMk id="2" creationId="{92442AA6-193F-D483-E865-363AC9318CE1}"/>
+          </ac:spMkLst>
+        </pc:spChg>
+        <pc:spChg chg="add del mod topLvl">
+          <ac:chgData name="Jonas Vanhulst" userId="34ac1234-5592-4d7f-9994-53365d15ede3" providerId="ADAL" clId="{B1A7EFC9-5C6D-4E16-AFFB-338C2315D95B}" dt="2024-05-24T09:13:04.859" v="263" actId="478"/>
+          <ac:spMkLst>
+            <pc:docMk/>
+            <pc:sldMk cId="399726380" sldId="264"/>
+            <ac:spMk id="6" creationId="{84BF911C-4312-BE2B-DD0C-4A85641A6E25}"/>
+          </ac:spMkLst>
+        </pc:spChg>
+        <pc:spChg chg="add del mod topLvl">
+          <ac:chgData name="Jonas Vanhulst" userId="34ac1234-5592-4d7f-9994-53365d15ede3" providerId="ADAL" clId="{B1A7EFC9-5C6D-4E16-AFFB-338C2315D95B}" dt="2024-05-24T09:13:25.798" v="271" actId="478"/>
+          <ac:spMkLst>
+            <pc:docMk/>
+            <pc:sldMk cId="399726380" sldId="264"/>
+            <ac:spMk id="11" creationId="{EA76D7A2-028E-6825-5627-2D7C2AAED281}"/>
+          </ac:spMkLst>
+        </pc:spChg>
+        <pc:spChg chg="add mod">
+          <ac:chgData name="Jonas Vanhulst" userId="34ac1234-5592-4d7f-9994-53365d15ede3" providerId="ADAL" clId="{B1A7EFC9-5C6D-4E16-AFFB-338C2315D95B}" dt="2024-05-24T09:18:11.154" v="349"/>
+          <ac:spMkLst>
+            <pc:docMk/>
+            <pc:sldMk cId="399726380" sldId="264"/>
+            <ac:spMk id="12" creationId="{806F655D-DC78-DA9B-CE33-A4B5D9C35437}"/>
+          </ac:spMkLst>
+        </pc:spChg>
+        <pc:grpChg chg="add del mod">
+          <ac:chgData name="Jonas Vanhulst" userId="34ac1234-5592-4d7f-9994-53365d15ede3" providerId="ADAL" clId="{B1A7EFC9-5C6D-4E16-AFFB-338C2315D95B}" dt="2024-05-24T09:13:04.859" v="263" actId="478"/>
+          <ac:grpSpMkLst>
+            <pc:docMk/>
+            <pc:sldMk cId="399726380" sldId="264"/>
+            <ac:grpSpMk id="4" creationId="{A01683CD-06A8-7653-2FB0-96EFBBE8A214}"/>
+          </ac:grpSpMkLst>
+        </pc:grpChg>
+        <pc:grpChg chg="add del mod">
+          <ac:chgData name="Jonas Vanhulst" userId="34ac1234-5592-4d7f-9994-53365d15ede3" providerId="ADAL" clId="{B1A7EFC9-5C6D-4E16-AFFB-338C2315D95B}" dt="2024-05-24T09:13:25.798" v="271" actId="478"/>
+          <ac:grpSpMkLst>
+            <pc:docMk/>
+            <pc:sldMk cId="399726380" sldId="264"/>
+            <ac:grpSpMk id="9" creationId="{4034EA19-D708-9A76-04BB-F3B7CE497E41}"/>
+          </ac:grpSpMkLst>
+        </pc:grpChg>
+        <pc:picChg chg="add mod topLvl modCrop">
+          <ac:chgData name="Jonas Vanhulst" userId="34ac1234-5592-4d7f-9994-53365d15ede3" providerId="ADAL" clId="{B1A7EFC9-5C6D-4E16-AFFB-338C2315D95B}" dt="2024-05-24T09:18:13.391" v="350"/>
+          <ac:picMkLst>
+            <pc:docMk/>
+            <pc:sldMk cId="399726380" sldId="264"/>
+            <ac:picMk id="5" creationId="{66E5CEC6-FF70-53FE-810B-39A53704EF90}"/>
+          </ac:picMkLst>
+        </pc:picChg>
+        <pc:picChg chg="add mod modCrop">
+          <ac:chgData name="Jonas Vanhulst" userId="34ac1234-5592-4d7f-9994-53365d15ede3" providerId="ADAL" clId="{B1A7EFC9-5C6D-4E16-AFFB-338C2315D95B}" dt="2024-05-24T09:18:17.476" v="351"/>
+          <ac:picMkLst>
+            <pc:docMk/>
+            <pc:sldMk cId="399726380" sldId="264"/>
+            <ac:picMk id="7" creationId="{42E2022C-68F8-94C6-44C7-0C92C07DC022}"/>
+          </ac:picMkLst>
+        </pc:picChg>
+        <pc:picChg chg="add mod modCrop">
+          <ac:chgData name="Jonas Vanhulst" userId="34ac1234-5592-4d7f-9994-53365d15ede3" providerId="ADAL" clId="{B1A7EFC9-5C6D-4E16-AFFB-338C2315D95B}" dt="2024-05-24T09:18:20.381" v="352"/>
+          <ac:picMkLst>
+            <pc:docMk/>
+            <pc:sldMk cId="399726380" sldId="264"/>
+            <ac:picMk id="8" creationId="{501FCA19-1B53-B390-90D6-1D382C3686EE}"/>
+          </ac:picMkLst>
+        </pc:picChg>
+        <pc:picChg chg="add mod topLvl">
+          <ac:chgData name="Jonas Vanhulst" userId="34ac1234-5592-4d7f-9994-53365d15ede3" providerId="ADAL" clId="{B1A7EFC9-5C6D-4E16-AFFB-338C2315D95B}" dt="2024-05-24T09:15:26.973" v="313" actId="1076"/>
+          <ac:picMkLst>
+            <pc:docMk/>
+            <pc:sldMk cId="399726380" sldId="264"/>
+            <ac:picMk id="10" creationId="{9F6D4A5F-9060-CC9F-ACC9-C36EC21F80F1}"/>
+          </ac:picMkLst>
+        </pc:picChg>
+      </pc:sldChg>
+      <pc:sldChg chg="addSp delSp modSp mod">
+        <pc:chgData name="Jonas Vanhulst" userId="34ac1234-5592-4d7f-9994-53365d15ede3" providerId="ADAL" clId="{B1A7EFC9-5C6D-4E16-AFFB-338C2315D95B}" dt="2024-05-27T19:18:02.411" v="867" actId="1076"/>
+        <pc:sldMkLst>
+          <pc:docMk/>
+          <pc:sldMk cId="2113820685" sldId="265"/>
+        </pc:sldMkLst>
+        <pc:spChg chg="mod">
+          <ac:chgData name="Jonas Vanhulst" userId="34ac1234-5592-4d7f-9994-53365d15ede3" providerId="ADAL" clId="{B1A7EFC9-5C6D-4E16-AFFB-338C2315D95B}" dt="2024-05-24T09:09:35.614" v="169" actId="20577"/>
+          <ac:spMkLst>
+            <pc:docMk/>
+            <pc:sldMk cId="2113820685" sldId="265"/>
+            <ac:spMk id="2" creationId="{CEC6DA92-777F-12EE-8414-004D9E79F561}"/>
+          </ac:spMkLst>
+        </pc:spChg>
+        <pc:picChg chg="add mod">
+          <ac:chgData name="Jonas Vanhulst" userId="34ac1234-5592-4d7f-9994-53365d15ede3" providerId="ADAL" clId="{B1A7EFC9-5C6D-4E16-AFFB-338C2315D95B}" dt="2024-05-27T19:18:02.411" v="867" actId="1076"/>
+          <ac:picMkLst>
+            <pc:docMk/>
+            <pc:sldMk cId="2113820685" sldId="265"/>
+            <ac:picMk id="5" creationId="{E1D2C7EC-140B-50BC-7E2A-203936CF0354}"/>
+          </ac:picMkLst>
+        </pc:picChg>
+        <pc:picChg chg="del">
+          <ac:chgData name="Jonas Vanhulst" userId="34ac1234-5592-4d7f-9994-53365d15ede3" providerId="ADAL" clId="{B1A7EFC9-5C6D-4E16-AFFB-338C2315D95B}" dt="2024-05-24T09:09:24.275" v="145" actId="478"/>
+          <ac:picMkLst>
+            <pc:docMk/>
+            <pc:sldMk cId="2113820685" sldId="265"/>
+            <ac:picMk id="6" creationId="{73081187-11F3-F488-F3D1-930D4A36FF03}"/>
+          </ac:picMkLst>
+        </pc:picChg>
+      </pc:sldChg>
+      <pc:sldChg chg="addSp delSp modSp mod setBg addAnim delAnim setClrOvrMap">
+        <pc:chgData name="Jonas Vanhulst" userId="34ac1234-5592-4d7f-9994-53365d15ede3" providerId="ADAL" clId="{B1A7EFC9-5C6D-4E16-AFFB-338C2315D95B}" dt="2024-05-27T19:26:09.367" v="884" actId="20577"/>
+        <pc:sldMkLst>
+          <pc:docMk/>
+          <pc:sldMk cId="247319184" sldId="266"/>
+        </pc:sldMkLst>
+        <pc:spChg chg="mod">
+          <ac:chgData name="Jonas Vanhulst" userId="34ac1234-5592-4d7f-9994-53365d15ede3" providerId="ADAL" clId="{B1A7EFC9-5C6D-4E16-AFFB-338C2315D95B}" dt="2024-05-27T19:10:12.810" v="862" actId="1076"/>
+          <ac:spMkLst>
+            <pc:docMk/>
+            <pc:sldMk cId="247319184" sldId="266"/>
+            <ac:spMk id="2" creationId="{0538C6D6-D461-C7C1-9067-9758801FF410}"/>
+          </ac:spMkLst>
+        </pc:spChg>
+        <pc:spChg chg="mod">
+          <ac:chgData name="Jonas Vanhulst" userId="34ac1234-5592-4d7f-9994-53365d15ede3" providerId="ADAL" clId="{B1A7EFC9-5C6D-4E16-AFFB-338C2315D95B}" dt="2024-05-27T19:26:09.367" v="884" actId="20577"/>
+          <ac:spMkLst>
+            <pc:docMk/>
+            <pc:sldMk cId="247319184" sldId="266"/>
+            <ac:spMk id="3" creationId="{A30C8D5D-2A23-4007-7715-ABF52C5DC36A}"/>
+          </ac:spMkLst>
+        </pc:spChg>
+        <pc:spChg chg="add del">
+          <ac:chgData name="Jonas Vanhulst" userId="34ac1234-5592-4d7f-9994-53365d15ede3" providerId="ADAL" clId="{B1A7EFC9-5C6D-4E16-AFFB-338C2315D95B}" dt="2024-05-27T11:34:05.486" v="837" actId="26606"/>
+          <ac:spMkLst>
+            <pc:docMk/>
+            <pc:sldMk cId="247319184" sldId="266"/>
+            <ac:spMk id="10" creationId="{3C54F4CE-85F0-46ED-80DA-9518C9251AD1}"/>
+          </ac:spMkLst>
+        </pc:spChg>
+        <pc:spChg chg="add del">
+          <ac:chgData name="Jonas Vanhulst" userId="34ac1234-5592-4d7f-9994-53365d15ede3" providerId="ADAL" clId="{B1A7EFC9-5C6D-4E16-AFFB-338C2315D95B}" dt="2024-05-27T11:34:05.486" v="837" actId="26606"/>
+          <ac:spMkLst>
+            <pc:docMk/>
+            <pc:sldMk cId="247319184" sldId="266"/>
+            <ac:spMk id="12" creationId="{DADD1FCA-8ACB-4958-81DD-4CDD6D3E1921}"/>
+          </ac:spMkLst>
+        </pc:spChg>
+        <pc:spChg chg="add del">
+          <ac:chgData name="Jonas Vanhulst" userId="34ac1234-5592-4d7f-9994-53365d15ede3" providerId="ADAL" clId="{B1A7EFC9-5C6D-4E16-AFFB-338C2315D95B}" dt="2024-05-27T11:34:07.408" v="840" actId="26606"/>
+          <ac:spMkLst>
+            <pc:docMk/>
+            <pc:sldMk cId="247319184" sldId="266"/>
+            <ac:spMk id="14" creationId="{71B2258F-86CA-4D4D-8270-BC05FCDEBFB3}"/>
+          </ac:spMkLst>
+        </pc:spChg>
+        <pc:spChg chg="add del">
+          <ac:chgData name="Jonas Vanhulst" userId="34ac1234-5592-4d7f-9994-53365d15ede3" providerId="ADAL" clId="{B1A7EFC9-5C6D-4E16-AFFB-338C2315D95B}" dt="2024-05-27T11:34:08.201" v="843" actId="26606"/>
+          <ac:spMkLst>
+            <pc:docMk/>
+            <pc:sldMk cId="247319184" sldId="266"/>
+            <ac:spMk id="16" creationId="{7DB3C429-F8DA-49B9-AF84-21996FCF78B5}"/>
+          </ac:spMkLst>
+        </pc:spChg>
+        <pc:spChg chg="add del">
+          <ac:chgData name="Jonas Vanhulst" userId="34ac1234-5592-4d7f-9994-53365d15ede3" providerId="ADAL" clId="{B1A7EFC9-5C6D-4E16-AFFB-338C2315D95B}" dt="2024-05-27T11:34:08.201" v="843" actId="26606"/>
+          <ac:spMkLst>
+            <pc:docMk/>
+            <pc:sldMk cId="247319184" sldId="266"/>
+            <ac:spMk id="17" creationId="{8D0D6D3E-D7F9-4591-9CA9-DDF4DB1F73DA}"/>
+          </ac:spMkLst>
+        </pc:spChg>
+        <pc:spChg chg="add del">
+          <ac:chgData name="Jonas Vanhulst" userId="34ac1234-5592-4d7f-9994-53365d15ede3" providerId="ADAL" clId="{B1A7EFC9-5C6D-4E16-AFFB-338C2315D95B}" dt="2024-05-27T11:34:08.201" v="843" actId="26606"/>
+          <ac:spMkLst>
+            <pc:docMk/>
+            <pc:sldMk cId="247319184" sldId="266"/>
+            <ac:spMk id="18" creationId="{C4C9F2B0-1044-46EB-8AEB-C3BFFDE6C2CC}"/>
+          </ac:spMkLst>
+        </pc:spChg>
+        <pc:spChg chg="add del">
+          <ac:chgData name="Jonas Vanhulst" userId="34ac1234-5592-4d7f-9994-53365d15ede3" providerId="ADAL" clId="{B1A7EFC9-5C6D-4E16-AFFB-338C2315D95B}" dt="2024-05-27T11:34:08.201" v="843" actId="26606"/>
+          <ac:spMkLst>
+            <pc:docMk/>
+            <pc:sldMk cId="247319184" sldId="266"/>
+            <ac:spMk id="19" creationId="{D28B54C3-B57B-472A-B96E-1FCB67093DC2}"/>
+          </ac:spMkLst>
+        </pc:spChg>
+        <pc:spChg chg="add del">
+          <ac:chgData name="Jonas Vanhulst" userId="34ac1234-5592-4d7f-9994-53365d15ede3" providerId="ADAL" clId="{B1A7EFC9-5C6D-4E16-AFFB-338C2315D95B}" dt="2024-05-27T11:34:10.114" v="847" actId="26606"/>
+          <ac:spMkLst>
+            <pc:docMk/>
+            <pc:sldMk cId="247319184" sldId="266"/>
+            <ac:spMk id="20" creationId="{D2929CB1-0E3C-4B2D-ADC5-0154FB33BA44}"/>
+          </ac:spMkLst>
+        </pc:spChg>
+        <pc:spChg chg="add del">
+          <ac:chgData name="Jonas Vanhulst" userId="34ac1234-5592-4d7f-9994-53365d15ede3" providerId="ADAL" clId="{B1A7EFC9-5C6D-4E16-AFFB-338C2315D95B}" dt="2024-05-27T11:34:09.172" v="845" actId="26606"/>
+          <ac:spMkLst>
+            <pc:docMk/>
+            <pc:sldMk cId="247319184" sldId="266"/>
+            <ac:spMk id="21" creationId="{9B7AD9F6-8CE7-4299-8FC6-328F4DCD3FF9}"/>
+          </ac:spMkLst>
+        </pc:spChg>
+        <pc:spChg chg="add del">
+          <ac:chgData name="Jonas Vanhulst" userId="34ac1234-5592-4d7f-9994-53365d15ede3" providerId="ADAL" clId="{B1A7EFC9-5C6D-4E16-AFFB-338C2315D95B}" dt="2024-05-27T11:34:09.172" v="845" actId="26606"/>
+          <ac:spMkLst>
+            <pc:docMk/>
+            <pc:sldMk cId="247319184" sldId="266"/>
+            <ac:spMk id="22" creationId="{F49775AF-8896-43EE-92C6-83497D6DC56F}"/>
+          </ac:spMkLst>
+        </pc:spChg>
+        <pc:spChg chg="add del">
+          <ac:chgData name="Jonas Vanhulst" userId="34ac1234-5592-4d7f-9994-53365d15ede3" providerId="ADAL" clId="{B1A7EFC9-5C6D-4E16-AFFB-338C2315D95B}" dt="2024-05-27T11:34:10.114" v="847" actId="26606"/>
+          <ac:spMkLst>
+            <pc:docMk/>
+            <pc:sldMk cId="247319184" sldId="266"/>
+            <ac:spMk id="24" creationId="{362D44EE-C852-4460-B8B5-C4F2BC20510C}"/>
+          </ac:spMkLst>
+        </pc:spChg>
+        <pc:spChg chg="add del">
+          <ac:chgData name="Jonas Vanhulst" userId="34ac1234-5592-4d7f-9994-53365d15ede3" providerId="ADAL" clId="{B1A7EFC9-5C6D-4E16-AFFB-338C2315D95B}" dt="2024-05-27T11:34:10.114" v="847" actId="26606"/>
+          <ac:spMkLst>
+            <pc:docMk/>
+            <pc:sldMk cId="247319184" sldId="266"/>
+            <ac:spMk id="25" creationId="{658970D8-8D1D-4B5C-894B-E871CC86543D}"/>
+          </ac:spMkLst>
+        </pc:spChg>
+        <pc:spChg chg="add del">
+          <ac:chgData name="Jonas Vanhulst" userId="34ac1234-5592-4d7f-9994-53365d15ede3" providerId="ADAL" clId="{B1A7EFC9-5C6D-4E16-AFFB-338C2315D95B}" dt="2024-05-27T11:34:10.114" v="847" actId="26606"/>
+          <ac:spMkLst>
+            <pc:docMk/>
+            <pc:sldMk cId="247319184" sldId="266"/>
+            <ac:spMk id="26" creationId="{F227E5B6-9132-43CA-B503-37A18562ADF2}"/>
+          </ac:spMkLst>
+        </pc:spChg>
+        <pc:spChg chg="add del">
+          <ac:chgData name="Jonas Vanhulst" userId="34ac1234-5592-4d7f-9994-53365d15ede3" providerId="ADAL" clId="{B1A7EFC9-5C6D-4E16-AFFB-338C2315D95B}" dt="2024-05-27T11:34:10.114" v="847" actId="26606"/>
+          <ac:spMkLst>
+            <pc:docMk/>
+            <pc:sldMk cId="247319184" sldId="266"/>
+            <ac:spMk id="27" creationId="{03C2051E-A88D-48E5-BACF-AAED17892722}"/>
+          </ac:spMkLst>
+        </pc:spChg>
+        <pc:spChg chg="add del">
+          <ac:chgData name="Jonas Vanhulst" userId="34ac1234-5592-4d7f-9994-53365d15ede3" providerId="ADAL" clId="{B1A7EFC9-5C6D-4E16-AFFB-338C2315D95B}" dt="2024-05-27T11:34:10.114" v="847" actId="26606"/>
+          <ac:spMkLst>
+            <pc:docMk/>
+            <pc:sldMk cId="247319184" sldId="266"/>
+            <ac:spMk id="28" creationId="{7821A508-2985-4905-874A-527429BAABFA}"/>
+          </ac:spMkLst>
+        </pc:spChg>
+        <pc:spChg chg="add del">
+          <ac:chgData name="Jonas Vanhulst" userId="34ac1234-5592-4d7f-9994-53365d15ede3" providerId="ADAL" clId="{B1A7EFC9-5C6D-4E16-AFFB-338C2315D95B}" dt="2024-05-27T11:34:10.114" v="847" actId="26606"/>
+          <ac:spMkLst>
+            <pc:docMk/>
+            <pc:sldMk cId="247319184" sldId="266"/>
+            <ac:spMk id="29" creationId="{5F2F0C84-BE8C-4DC2-A6D3-30349A801D5C}"/>
+          </ac:spMkLst>
+        </pc:spChg>
+        <pc:spChg chg="add del">
+          <ac:chgData name="Jonas Vanhulst" userId="34ac1234-5592-4d7f-9994-53365d15ede3" providerId="ADAL" clId="{B1A7EFC9-5C6D-4E16-AFFB-338C2315D95B}" dt="2024-05-27T11:34:32.279" v="849" actId="26606"/>
+          <ac:spMkLst>
+            <pc:docMk/>
+            <pc:sldMk cId="247319184" sldId="266"/>
+            <ac:spMk id="31" creationId="{7B1AB9FE-36F5-4FD1-9850-DB5C5AD4828F}"/>
+          </ac:spMkLst>
+        </pc:spChg>
+        <pc:spChg chg="add del">
+          <ac:chgData name="Jonas Vanhulst" userId="34ac1234-5592-4d7f-9994-53365d15ede3" providerId="ADAL" clId="{B1A7EFC9-5C6D-4E16-AFFB-338C2315D95B}" dt="2024-05-27T11:34:32.279" v="849" actId="26606"/>
+          <ac:spMkLst>
+            <pc:docMk/>
+            <pc:sldMk cId="247319184" sldId="266"/>
+            <ac:spMk id="32" creationId="{F489C2E0-4895-4B72-85EA-7EE9FAFFDC7E}"/>
+          </ac:spMkLst>
+        </pc:spChg>
+        <pc:picChg chg="add del mod ord">
+          <ac:chgData name="Jonas Vanhulst" userId="34ac1234-5592-4d7f-9994-53365d15ede3" providerId="ADAL" clId="{B1A7EFC9-5C6D-4E16-AFFB-338C2315D95B}" dt="2024-05-27T11:34:41.423" v="850" actId="478"/>
+          <ac:picMkLst>
+            <pc:docMk/>
+            <pc:sldMk cId="247319184" sldId="266"/>
+            <ac:picMk id="5" creationId="{C09200BA-F8D2-D50A-FD8E-37285FA60242}"/>
+          </ac:picMkLst>
+        </pc:picChg>
+      </pc:sldChg>
+      <pc:sldChg chg="addSp delSp modSp new mod">
+        <pc:chgData name="Jonas Vanhulst" userId="34ac1234-5592-4d7f-9994-53365d15ede3" providerId="ADAL" clId="{B1A7EFC9-5C6D-4E16-AFFB-338C2315D95B}" dt="2024-05-27T19:25:58.912" v="879" actId="20577"/>
+        <pc:sldMkLst>
+          <pc:docMk/>
+          <pc:sldMk cId="2640774921" sldId="267"/>
+        </pc:sldMkLst>
+        <pc:spChg chg="mod">
+          <ac:chgData name="Jonas Vanhulst" userId="34ac1234-5592-4d7f-9994-53365d15ede3" providerId="ADAL" clId="{B1A7EFC9-5C6D-4E16-AFFB-338C2315D95B}" dt="2024-05-24T09:10:18.058" v="217" actId="20577"/>
+          <ac:spMkLst>
+            <pc:docMk/>
+            <pc:sldMk cId="2640774921" sldId="267"/>
+            <ac:spMk id="2" creationId="{B1F40940-889A-982F-4A00-3FAF86BB6114}"/>
+          </ac:spMkLst>
+        </pc:spChg>
+        <pc:spChg chg="add mod">
+          <ac:chgData name="Jonas Vanhulst" userId="34ac1234-5592-4d7f-9994-53365d15ede3" providerId="ADAL" clId="{B1A7EFC9-5C6D-4E16-AFFB-338C2315D95B}" dt="2024-05-27T19:25:58.912" v="879" actId="20577"/>
+          <ac:spMkLst>
+            <pc:docMk/>
+            <pc:sldMk cId="2640774921" sldId="267"/>
+            <ac:spMk id="6" creationId="{F70A0E0D-2479-B6E9-0E59-686B587FAAE4}"/>
+          </ac:spMkLst>
+        </pc:spChg>
+        <pc:picChg chg="add del mod modCrop">
+          <ac:chgData name="Jonas Vanhulst" userId="34ac1234-5592-4d7f-9994-53365d15ede3" providerId="ADAL" clId="{B1A7EFC9-5C6D-4E16-AFFB-338C2315D95B}" dt="2024-05-27T19:21:51.978" v="868" actId="478"/>
+          <ac:picMkLst>
+            <pc:docMk/>
+            <pc:sldMk cId="2640774921" sldId="267"/>
+            <ac:picMk id="4" creationId="{50279677-BE2D-AAB2-3D03-D5CB080339EB}"/>
+          </ac:picMkLst>
+        </pc:picChg>
+        <pc:picChg chg="add mod">
+          <ac:chgData name="Jonas Vanhulst" userId="34ac1234-5592-4d7f-9994-53365d15ede3" providerId="ADAL" clId="{B1A7EFC9-5C6D-4E16-AFFB-338C2315D95B}" dt="2024-05-27T19:21:58.884" v="870" actId="1076"/>
+          <ac:picMkLst>
+            <pc:docMk/>
+            <pc:sldMk cId="2640774921" sldId="267"/>
+            <ac:picMk id="5" creationId="{467B84F3-F026-5935-E0C0-93F7D309219F}"/>
+          </ac:picMkLst>
+        </pc:picChg>
+      </pc:sldChg>
+      <pc:sldChg chg="addSp modSp new mod">
+        <pc:chgData name="Jonas Vanhulst" userId="34ac1234-5592-4d7f-9994-53365d15ede3" providerId="ADAL" clId="{B1A7EFC9-5C6D-4E16-AFFB-338C2315D95B}" dt="2024-05-27T19:26:03.889" v="882" actId="20577"/>
+        <pc:sldMkLst>
+          <pc:docMk/>
+          <pc:sldMk cId="1502954539" sldId="268"/>
+        </pc:sldMkLst>
+        <pc:spChg chg="mod">
+          <ac:chgData name="Jonas Vanhulst" userId="34ac1234-5592-4d7f-9994-53365d15ede3" providerId="ADAL" clId="{B1A7EFC9-5C6D-4E16-AFFB-338C2315D95B}" dt="2024-05-24T09:10:45.261" v="244" actId="20577"/>
+          <ac:spMkLst>
+            <pc:docMk/>
+            <pc:sldMk cId="1502954539" sldId="268"/>
+            <ac:spMk id="2" creationId="{06DC8909-C94F-F026-62C4-A2B8F3EACAD8}"/>
+          </ac:spMkLst>
+        </pc:spChg>
+        <pc:spChg chg="add mod">
+          <ac:chgData name="Jonas Vanhulst" userId="34ac1234-5592-4d7f-9994-53365d15ede3" providerId="ADAL" clId="{B1A7EFC9-5C6D-4E16-AFFB-338C2315D95B}" dt="2024-05-27T19:26:03.889" v="882" actId="20577"/>
+          <ac:spMkLst>
+            <pc:docMk/>
+            <pc:sldMk cId="1502954539" sldId="268"/>
+            <ac:spMk id="4" creationId="{E36A2AF0-F707-5549-B58A-E7AE310281B6}"/>
+          </ac:spMkLst>
+        </pc:spChg>
+        <pc:picChg chg="add mod">
+          <ac:chgData name="Jonas Vanhulst" userId="34ac1234-5592-4d7f-9994-53365d15ede3" providerId="ADAL" clId="{B1A7EFC9-5C6D-4E16-AFFB-338C2315D95B}" dt="2024-05-24T09:11:23.708" v="248" actId="1076"/>
+          <ac:picMkLst>
+            <pc:docMk/>
+            <pc:sldMk cId="1502954539" sldId="268"/>
+            <ac:picMk id="3" creationId="{928597F0-F894-93F6-9DCF-EFF000B664AC}"/>
+          </ac:picMkLst>
+        </pc:picChg>
+      </pc:sldChg>
+      <pc:sldChg chg="addSp modSp new mod">
+        <pc:chgData name="Jonas Vanhulst" userId="34ac1234-5592-4d7f-9994-53365d15ede3" providerId="ADAL" clId="{B1A7EFC9-5C6D-4E16-AFFB-338C2315D95B}" dt="2024-05-27T19:25:46.079" v="874" actId="20577"/>
+        <pc:sldMkLst>
+          <pc:docMk/>
+          <pc:sldMk cId="1212678777" sldId="269"/>
+        </pc:sldMkLst>
+        <pc:spChg chg="mod">
+          <ac:chgData name="Jonas Vanhulst" userId="34ac1234-5592-4d7f-9994-53365d15ede3" providerId="ADAL" clId="{B1A7EFC9-5C6D-4E16-AFFB-338C2315D95B}" dt="2024-05-24T09:18:37.807" v="370" actId="20577"/>
+          <ac:spMkLst>
+            <pc:docMk/>
+            <pc:sldMk cId="1212678777" sldId="269"/>
+            <ac:spMk id="2" creationId="{222DF396-8BED-DEF2-7D2B-CE1C5D4DB9A6}"/>
+          </ac:spMkLst>
+        </pc:spChg>
+        <pc:spChg chg="add mod">
+          <ac:chgData name="Jonas Vanhulst" userId="34ac1234-5592-4d7f-9994-53365d15ede3" providerId="ADAL" clId="{B1A7EFC9-5C6D-4E16-AFFB-338C2315D95B}" dt="2024-05-27T19:25:46.079" v="874" actId="20577"/>
+          <ac:spMkLst>
+            <pc:docMk/>
+            <pc:sldMk cId="1212678777" sldId="269"/>
+            <ac:spMk id="4" creationId="{4832C39D-BA1C-85F9-2154-B22F7FC373F1}"/>
+          </ac:spMkLst>
+        </pc:spChg>
+        <pc:graphicFrameChg chg="add mod modGraphic">
+          <ac:chgData name="Jonas Vanhulst" userId="34ac1234-5592-4d7f-9994-53365d15ede3" providerId="ADAL" clId="{B1A7EFC9-5C6D-4E16-AFFB-338C2315D95B}" dt="2024-05-24T09:21:51.177" v="515" actId="20577"/>
+          <ac:graphicFrameMkLst>
+            <pc:docMk/>
+            <pc:sldMk cId="1212678777" sldId="269"/>
+            <ac:graphicFrameMk id="3" creationId="{CCE34BBD-689F-F3BF-D7C4-C1FBC4CA1245}"/>
+          </ac:graphicFrameMkLst>
+        </pc:graphicFrameChg>
+      </pc:sldChg>
+    </pc:docChg>
+  </pc:docChgLst>
+  <pc:docChgLst>
+    <pc:chgData name="Jonas Vanhulst" userId="34ac1234-5592-4d7f-9994-53365d15ede3" providerId="ADAL" clId="{05C94207-FE41-4C92-949A-611D37DD235E}"/>
+    <pc:docChg chg="undo custSel addSld delSld modSld sldOrd">
+      <pc:chgData name="Jonas Vanhulst" userId="34ac1234-5592-4d7f-9994-53365d15ede3" providerId="ADAL" clId="{05C94207-FE41-4C92-949A-611D37DD235E}" dt="2024-01-17T17:58:02.490" v="1437" actId="20577"/>
+      <pc:docMkLst>
+        <pc:docMk/>
+      </pc:docMkLst>
+      <pc:sldChg chg="modNotesTx">
+        <pc:chgData name="Jonas Vanhulst" userId="34ac1234-5592-4d7f-9994-53365d15ede3" providerId="ADAL" clId="{05C94207-FE41-4C92-949A-611D37DD235E}" dt="2024-01-17T17:52:29.566" v="1201" actId="20577"/>
+        <pc:sldMkLst>
+          <pc:docMk/>
+          <pc:sldMk cId="2136152480" sldId="256"/>
+        </pc:sldMkLst>
+      </pc:sldChg>
+      <pc:sldChg chg="addSp modSp modNotesTx">
+        <pc:chgData name="Jonas Vanhulst" userId="34ac1234-5592-4d7f-9994-53365d15ede3" providerId="ADAL" clId="{05C94207-FE41-4C92-949A-611D37DD235E}" dt="2024-01-17T17:52:53.473" v="1206" actId="20577"/>
+        <pc:sldMkLst>
+          <pc:docMk/>
+          <pc:sldMk cId="966543752" sldId="257"/>
+        </pc:sldMkLst>
+        <pc:graphicFrameChg chg="mod">
+          <ac:chgData name="Jonas Vanhulst" userId="34ac1234-5592-4d7f-9994-53365d15ede3" providerId="ADAL" clId="{05C94207-FE41-4C92-949A-611D37DD235E}" dt="2024-01-16T11:55:34.749" v="471" actId="20577"/>
+          <ac:graphicFrameMkLst>
+            <pc:docMk/>
+            <pc:sldMk cId="966543752" sldId="257"/>
+            <ac:graphicFrameMk id="7" creationId="{C2915D05-77A5-3AFD-33BD-31D4CECE2DAC}"/>
+          </ac:graphicFrameMkLst>
+        </pc:graphicFrameChg>
+        <pc:picChg chg="add mod">
+          <ac:chgData name="Jonas Vanhulst" userId="34ac1234-5592-4d7f-9994-53365d15ede3" providerId="ADAL" clId="{05C94207-FE41-4C92-949A-611D37DD235E}" dt="2024-01-16T11:21:28.504" v="324"/>
+          <ac:picMkLst>
+            <pc:docMk/>
+            <pc:sldMk cId="966543752" sldId="257"/>
+            <ac:picMk id="2" creationId="{FB0CCF21-8E13-9A6B-784F-4FC0D960175F}"/>
+          </ac:picMkLst>
+        </pc:picChg>
+      </pc:sldChg>
+      <pc:sldChg chg="addSp modSp mod modNotesTx">
+        <pc:chgData name="Jonas Vanhulst" userId="34ac1234-5592-4d7f-9994-53365d15ede3" providerId="ADAL" clId="{05C94207-FE41-4C92-949A-611D37DD235E}" dt="2024-01-17T17:53:33.529" v="1233" actId="20577"/>
+        <pc:sldMkLst>
+          <pc:docMk/>
+          <pc:sldMk cId="2625802091" sldId="258"/>
+        </pc:sldMkLst>
+        <pc:spChg chg="add mod">
+          <ac:chgData name="Jonas Vanhulst" userId="34ac1234-5592-4d7f-9994-53365d15ede3" providerId="ADAL" clId="{05C94207-FE41-4C92-949A-611D37DD235E}" dt="2024-01-17T17:26:36.260" v="1091" actId="1076"/>
+          <ac:spMkLst>
+            <pc:docMk/>
+            <pc:sldMk cId="2625802091" sldId="258"/>
+            <ac:spMk id="3" creationId="{2458DE84-6E0F-9E43-0184-91F6635F73F8}"/>
+          </ac:spMkLst>
+        </pc:spChg>
+      </pc:sldChg>
+      <pc:sldChg chg="addSp modSp mod modNotesTx">
+        <pc:chgData name="Jonas Vanhulst" userId="34ac1234-5592-4d7f-9994-53365d15ede3" providerId="ADAL" clId="{05C94207-FE41-4C92-949A-611D37DD235E}" dt="2024-01-17T17:53:46.207" v="1243" actId="20577"/>
+        <pc:sldMkLst>
+          <pc:docMk/>
+          <pc:sldMk cId="4059836870" sldId="259"/>
+        </pc:sldMkLst>
+        <pc:spChg chg="mod">
+          <ac:chgData name="Jonas Vanhulst" userId="34ac1234-5592-4d7f-9994-53365d15ede3" providerId="ADAL" clId="{05C94207-FE41-4C92-949A-611D37DD235E}" dt="2024-01-17T17:26:52.702" v="1098" actId="6549"/>
+          <ac:spMkLst>
+            <pc:docMk/>
+            <pc:sldMk cId="4059836870" sldId="259"/>
+            <ac:spMk id="22" creationId="{4ED12C75-95B0-3EEF-37A3-B6407BEBC53F}"/>
+          </ac:spMkLst>
+        </pc:spChg>
+        <pc:spChg chg="mod">
+          <ac:chgData name="Jonas Vanhulst" userId="34ac1234-5592-4d7f-9994-53365d15ede3" providerId="ADAL" clId="{05C94207-FE41-4C92-949A-611D37DD235E}" dt="2024-01-17T17:26:59.860" v="1099" actId="1076"/>
+          <ac:spMkLst>
+            <pc:docMk/>
+            <pc:sldMk cId="4059836870" sldId="259"/>
+            <ac:spMk id="23" creationId="{F867C60A-E1A0-3AC6-7F01-1097E27745D3}"/>
+          </ac:spMkLst>
+        </pc:spChg>
+        <pc:spChg chg="add mod">
+          <ac:chgData name="Jonas Vanhulst" userId="34ac1234-5592-4d7f-9994-53365d15ede3" providerId="ADAL" clId="{05C94207-FE41-4C92-949A-611D37DD235E}" dt="2024-01-17T17:26:50.139" v="1097" actId="20577"/>
+          <ac:spMkLst>
+            <pc:docMk/>
+            <pc:sldMk cId="4059836870" sldId="259"/>
+            <ac:spMk id="25" creationId="{4296CC24-F2A9-A300-26ED-7B7D2FF686C2}"/>
+          </ac:spMkLst>
+        </pc:spChg>
+      </pc:sldChg>
+      <pc:sldChg chg="del">
+        <pc:chgData name="Jonas Vanhulst" userId="34ac1234-5592-4d7f-9994-53365d15ede3" providerId="ADAL" clId="{05C94207-FE41-4C92-949A-611D37DD235E}" dt="2024-01-16T10:46:05.541" v="71" actId="47"/>
+        <pc:sldMkLst>
+          <pc:docMk/>
+          <pc:sldMk cId="1178464680" sldId="260"/>
+        </pc:sldMkLst>
+      </pc:sldChg>
+      <pc:sldChg chg="del">
+        <pc:chgData name="Jonas Vanhulst" userId="34ac1234-5592-4d7f-9994-53365d15ede3" providerId="ADAL" clId="{05C94207-FE41-4C92-949A-611D37DD235E}" dt="2024-01-16T10:46:05.541" v="71" actId="47"/>
+        <pc:sldMkLst>
+          <pc:docMk/>
+          <pc:sldMk cId="25849831" sldId="261"/>
+        </pc:sldMkLst>
+      </pc:sldChg>
+      <pc:sldChg chg="del">
+        <pc:chgData name="Jonas Vanhulst" userId="34ac1234-5592-4d7f-9994-53365d15ede3" providerId="ADAL" clId="{05C94207-FE41-4C92-949A-611D37DD235E}" dt="2024-01-16T10:46:05.541" v="71" actId="47"/>
+        <pc:sldMkLst>
+          <pc:docMk/>
+          <pc:sldMk cId="4180083807" sldId="262"/>
+        </pc:sldMkLst>
+      </pc:sldChg>
+      <pc:sldChg chg="del">
+        <pc:chgData name="Jonas Vanhulst" userId="34ac1234-5592-4d7f-9994-53365d15ede3" providerId="ADAL" clId="{05C94207-FE41-4C92-949A-611D37DD235E}" dt="2024-01-16T10:46:05.541" v="71" actId="47"/>
+        <pc:sldMkLst>
+          <pc:docMk/>
+          <pc:sldMk cId="1841326194" sldId="263"/>
+        </pc:sldMkLst>
+      </pc:sldChg>
+      <pc:sldChg chg="del">
+        <pc:chgData name="Jonas Vanhulst" userId="34ac1234-5592-4d7f-9994-53365d15ede3" providerId="ADAL" clId="{05C94207-FE41-4C92-949A-611D37DD235E}" dt="2024-01-16T10:46:05.541" v="71" actId="47"/>
+        <pc:sldMkLst>
+          <pc:docMk/>
+          <pc:sldMk cId="3677890205" sldId="264"/>
+        </pc:sldMkLst>
+      </pc:sldChg>
+      <pc:sldChg chg="addSp modSp mod modNotesTx">
+        <pc:chgData name="Jonas Vanhulst" userId="34ac1234-5592-4d7f-9994-53365d15ede3" providerId="ADAL" clId="{05C94207-FE41-4C92-949A-611D37DD235E}" dt="2024-01-17T17:53:54.306" v="1252" actId="20577"/>
+        <pc:sldMkLst>
+          <pc:docMk/>
+          <pc:sldMk cId="3911525402" sldId="269"/>
+        </pc:sldMkLst>
+        <pc:spChg chg="add mod">
+          <ac:chgData name="Jonas Vanhulst" userId="34ac1234-5592-4d7f-9994-53365d15ede3" providerId="ADAL" clId="{05C94207-FE41-4C92-949A-611D37DD235E}" dt="2024-01-17T17:27:10.284" v="1102" actId="20577"/>
+          <ac:spMkLst>
+            <pc:docMk/>
+            <pc:sldMk cId="3911525402" sldId="269"/>
+            <ac:spMk id="2" creationId="{E36C7252-F808-4A4C-8FF5-5276C5F6D43F}"/>
+          </ac:spMkLst>
+        </pc:spChg>
+      </pc:sldChg>
+      <pc:sldChg chg="del ord">
+        <pc:chgData name="Jonas Vanhulst" userId="34ac1234-5592-4d7f-9994-53365d15ede3" providerId="ADAL" clId="{05C94207-FE41-4C92-949A-611D37DD235E}" dt="2024-01-16T11:39:40.594" v="387" actId="47"/>
+        <pc:sldMkLst>
+          <pc:docMk/>
+          <pc:sldMk cId="25800700" sldId="294"/>
+        </pc:sldMkLst>
+      </pc:sldChg>
+      <pc:sldChg chg="del">
+        <pc:chgData name="Jonas Vanhulst" userId="34ac1234-5592-4d7f-9994-53365d15ede3" providerId="ADAL" clId="{05C94207-FE41-4C92-949A-611D37DD235E}" dt="2024-01-16T11:22:21.009" v="340" actId="47"/>
+        <pc:sldMkLst>
+          <pc:docMk/>
+          <pc:sldMk cId="4120671462" sldId="312"/>
+        </pc:sldMkLst>
+      </pc:sldChg>
+      <pc:sldChg chg="addSp delSp modSp del mod">
+        <pc:chgData name="Jonas Vanhulst" userId="34ac1234-5592-4d7f-9994-53365d15ede3" providerId="ADAL" clId="{05C94207-FE41-4C92-949A-611D37DD235E}" dt="2024-01-16T10:56:16.386" v="161" actId="47"/>
+        <pc:sldMkLst>
+          <pc:docMk/>
+          <pc:sldMk cId="164023942" sldId="327"/>
+        </pc:sldMkLst>
+        <pc:picChg chg="add del mod">
+          <ac:chgData name="Jonas Vanhulst" userId="34ac1234-5592-4d7f-9994-53365d15ede3" providerId="ADAL" clId="{05C94207-FE41-4C92-949A-611D37DD235E}" dt="2024-01-16T10:55:11.464" v="130" actId="21"/>
+          <ac:picMkLst>
+            <pc:docMk/>
+            <pc:sldMk cId="164023942" sldId="327"/>
+            <ac:picMk id="3" creationId="{A7332489-A81F-F2D3-36BE-3217C726D3A1}"/>
+          </ac:picMkLst>
+        </pc:picChg>
+        <pc:picChg chg="add del mod">
+          <ac:chgData name="Jonas Vanhulst" userId="34ac1234-5592-4d7f-9994-53365d15ede3" providerId="ADAL" clId="{05C94207-FE41-4C92-949A-611D37DD235E}" dt="2024-01-16T10:56:01.540" v="139" actId="478"/>
+          <ac:picMkLst>
+            <pc:docMk/>
+            <pc:sldMk cId="164023942" sldId="327"/>
+            <ac:picMk id="7" creationId="{499533C9-FDC4-E847-73E1-ACCFBC424B0E}"/>
+          </ac:picMkLst>
+        </pc:picChg>
+        <pc:picChg chg="add del mod">
+          <ac:chgData name="Jonas Vanhulst" userId="34ac1234-5592-4d7f-9994-53365d15ede3" providerId="ADAL" clId="{05C94207-FE41-4C92-949A-611D37DD235E}" dt="2024-01-16T10:55:50.517" v="135" actId="21"/>
+          <ac:picMkLst>
+            <pc:docMk/>
+            <pc:sldMk cId="164023942" sldId="327"/>
+            <ac:picMk id="11" creationId="{981655C4-7A73-C694-3958-C485DA54B7B6}"/>
+          </ac:picMkLst>
+        </pc:picChg>
+      </pc:sldChg>
+      <pc:sldChg chg="addSp delSp modSp del mod">
+        <pc:chgData name="Jonas Vanhulst" userId="34ac1234-5592-4d7f-9994-53365d15ede3" providerId="ADAL" clId="{05C94207-FE41-4C92-949A-611D37DD235E}" dt="2024-01-16T11:11:48.212" v="296" actId="47"/>
+        <pc:sldMkLst>
+          <pc:docMk/>
+          <pc:sldMk cId="2758558572" sldId="328"/>
+        </pc:sldMkLst>
+        <pc:picChg chg="add mod">
+          <ac:chgData name="Jonas Vanhulst" userId="34ac1234-5592-4d7f-9994-53365d15ede3" providerId="ADAL" clId="{05C94207-FE41-4C92-949A-611D37DD235E}" dt="2024-01-16T10:56:19.163" v="162"/>
+          <ac:picMkLst>
+            <pc:docMk/>
+            <pc:sldMk cId="2758558572" sldId="328"/>
+            <ac:picMk id="2" creationId="{CFAA2038-3D83-417E-87DC-90F0A509A471}"/>
+          </ac:picMkLst>
+        </pc:picChg>
+        <pc:picChg chg="del">
+          <ac:chgData name="Jonas Vanhulst" userId="34ac1234-5592-4d7f-9994-53365d15ede3" providerId="ADAL" clId="{05C94207-FE41-4C92-949A-611D37DD235E}" dt="2024-01-16T11:11:08.430" v="262" actId="21"/>
+          <ac:picMkLst>
+            <pc:docMk/>
+            <pc:sldMk cId="2758558572" sldId="328"/>
+            <ac:picMk id="7" creationId="{16E52ED6-4314-2FEB-BEC6-1193490C80CE}"/>
+          </ac:picMkLst>
+        </pc:picChg>
+      </pc:sldChg>
+      <pc:sldChg chg="addSp modSp mod modNotesTx">
+        <pc:chgData name="Jonas Vanhulst" userId="34ac1234-5592-4d7f-9994-53365d15ede3" providerId="ADAL" clId="{05C94207-FE41-4C92-949A-611D37DD235E}" dt="2024-01-17T17:55:09.885" v="1329" actId="20577"/>
+        <pc:sldMkLst>
+          <pc:docMk/>
+          <pc:sldMk cId="2830192915" sldId="330"/>
+        </pc:sldMkLst>
+        <pc:spChg chg="add mod">
+          <ac:chgData name="Jonas Vanhulst" userId="34ac1234-5592-4d7f-9994-53365d15ede3" providerId="ADAL" clId="{05C94207-FE41-4C92-949A-611D37DD235E}" dt="2024-01-17T17:27:48.573" v="1125" actId="14100"/>
+          <ac:spMkLst>
+            <pc:docMk/>
+            <pc:sldMk cId="2830192915" sldId="330"/>
+            <ac:spMk id="3" creationId="{69B82C7B-7E12-3109-914D-6EAB4D802B76}"/>
+          </ac:spMkLst>
+        </pc:spChg>
+        <pc:picChg chg="add mod">
+          <ac:chgData name="Jonas Vanhulst" userId="34ac1234-5592-4d7f-9994-53365d15ede3" providerId="ADAL" clId="{05C94207-FE41-4C92-949A-611D37DD235E}" dt="2024-01-16T11:21:08.148" v="318"/>
+          <ac:picMkLst>
+            <pc:docMk/>
+            <pc:sldMk cId="2830192915" sldId="330"/>
+            <ac:picMk id="3" creationId="{87753408-FAB2-201D-9779-6BE944EA51C2}"/>
+          </ac:picMkLst>
+        </pc:picChg>
+      </pc:sldChg>
+      <pc:sldChg chg="del ord">
+        <pc:chgData name="Jonas Vanhulst" userId="34ac1234-5592-4d7f-9994-53365d15ede3" providerId="ADAL" clId="{05C94207-FE41-4C92-949A-611D37DD235E}" dt="2024-01-16T11:37:16.244" v="344" actId="47"/>
+        <pc:sldMkLst>
+          <pc:docMk/>
+          <pc:sldMk cId="1176964160" sldId="331"/>
+        </pc:sldMkLst>
+      </pc:sldChg>
+      <pc:sldChg chg="addSp modSp mod modNotesTx">
+        <pc:chgData name="Jonas Vanhulst" userId="34ac1234-5592-4d7f-9994-53365d15ede3" providerId="ADAL" clId="{05C94207-FE41-4C92-949A-611D37DD235E}" dt="2024-01-17T17:54:19.805" v="1304" actId="20577"/>
+        <pc:sldMkLst>
+          <pc:docMk/>
+          <pc:sldMk cId="788674614" sldId="333"/>
+        </pc:sldMkLst>
+        <pc:spChg chg="add mod">
+          <ac:chgData name="Jonas Vanhulst" userId="34ac1234-5592-4d7f-9994-53365d15ede3" providerId="ADAL" clId="{05C94207-FE41-4C92-949A-611D37DD235E}" dt="2024-01-17T17:27:28.325" v="1116" actId="20577"/>
+          <ac:spMkLst>
+            <pc:docMk/>
+            <pc:sldMk cId="788674614" sldId="333"/>
+            <ac:spMk id="3" creationId="{2DD537C9-92C9-041F-CDDA-DB5FBCA45280}"/>
+          </ac:spMkLst>
+        </pc:spChg>
+      </pc:sldChg>
+      <pc:sldChg chg="addSp modSp mod ord modNotesTx">
+        <pc:chgData name="Jonas Vanhulst" userId="34ac1234-5592-4d7f-9994-53365d15ede3" providerId="ADAL" clId="{05C94207-FE41-4C92-949A-611D37DD235E}" dt="2024-01-17T17:56:18.603" v="1347" actId="20577"/>
+        <pc:sldMkLst>
+          <pc:docMk/>
+          <pc:sldMk cId="900331662" sldId="337"/>
+        </pc:sldMkLst>
+        <pc:spChg chg="add mod">
+          <ac:chgData name="Jonas Vanhulst" userId="34ac1234-5592-4d7f-9994-53365d15ede3" providerId="ADAL" clId="{05C94207-FE41-4C92-949A-611D37DD235E}" dt="2024-01-17T17:28:01.813" v="1129" actId="207"/>
+          <ac:spMkLst>
+            <pc:docMk/>
+            <pc:sldMk cId="900331662" sldId="337"/>
+            <ac:spMk id="2" creationId="{E1101A8D-12CA-1E12-78A1-43D8338CD252}"/>
+          </ac:spMkLst>
+        </pc:spChg>
+        <pc:picChg chg="mod">
+          <ac:chgData name="Jonas Vanhulst" userId="34ac1234-5592-4d7f-9994-53365d15ede3" providerId="ADAL" clId="{05C94207-FE41-4C92-949A-611D37DD235E}" dt="2024-01-17T17:28:02.244" v="1130" actId="1076"/>
+          <ac:picMkLst>
+            <pc:docMk/>
+            <pc:sldMk cId="900331662" sldId="337"/>
+            <ac:picMk id="5" creationId="{230473A1-5923-0ECB-0CBB-C112AC30197B}"/>
+          </ac:picMkLst>
+        </pc:picChg>
+      </pc:sldChg>
+      <pc:sldChg chg="addSp modSp mod ord modNotesTx">
+        <pc:chgData name="Jonas Vanhulst" userId="34ac1234-5592-4d7f-9994-53365d15ede3" providerId="ADAL" clId="{05C94207-FE41-4C92-949A-611D37DD235E}" dt="2024-01-17T17:56:26.242" v="1353" actId="20577"/>
+        <pc:sldMkLst>
+          <pc:docMk/>
+          <pc:sldMk cId="4079146737" sldId="338"/>
+        </pc:sldMkLst>
+        <pc:spChg chg="add mod">
+          <ac:chgData name="Jonas Vanhulst" userId="34ac1234-5592-4d7f-9994-53365d15ede3" providerId="ADAL" clId="{05C94207-FE41-4C92-949A-611D37DD235E}" dt="2024-01-17T17:28:11.098" v="1133" actId="20577"/>
+          <ac:spMkLst>
+            <pc:docMk/>
+            <pc:sldMk cId="4079146737" sldId="338"/>
+            <ac:spMk id="2" creationId="{71E22D2A-C1CC-02EE-5C22-9523EF35F325}"/>
+          </ac:spMkLst>
+        </pc:spChg>
+      </pc:sldChg>
+      <pc:sldChg chg="addSp modSp mod ord modNotesTx">
+        <pc:chgData name="Jonas Vanhulst" userId="34ac1234-5592-4d7f-9994-53365d15ede3" providerId="ADAL" clId="{05C94207-FE41-4C92-949A-611D37DD235E}" dt="2024-01-17T17:56:43.897" v="1375" actId="20577"/>
+        <pc:sldMkLst>
+          <pc:docMk/>
+          <pc:sldMk cId="3274610064" sldId="339"/>
+        </pc:sldMkLst>
+        <pc:spChg chg="add mod">
+          <ac:chgData name="Jonas Vanhulst" userId="34ac1234-5592-4d7f-9994-53365d15ede3" providerId="ADAL" clId="{05C94207-FE41-4C92-949A-611D37DD235E}" dt="2024-01-17T17:28:14.905" v="1136" actId="20577"/>
+          <ac:spMkLst>
+            <pc:docMk/>
+            <pc:sldMk cId="3274610064" sldId="339"/>
+            <ac:spMk id="2" creationId="{6E93484A-A360-CB33-FC62-FCA5094FA67B}"/>
+          </ac:spMkLst>
+        </pc:spChg>
+      </pc:sldChg>
+      <pc:sldChg chg="addSp delSp modSp mod ord modNotesTx">
+        <pc:chgData name="Jonas Vanhulst" userId="34ac1234-5592-4d7f-9994-53365d15ede3" providerId="ADAL" clId="{05C94207-FE41-4C92-949A-611D37DD235E}" dt="2024-01-17T17:57:06.176" v="1399" actId="20577"/>
+        <pc:sldMkLst>
+          <pc:docMk/>
+          <pc:sldMk cId="3929993067" sldId="340"/>
+        </pc:sldMkLst>
+        <pc:spChg chg="mod">
+          <ac:chgData name="Jonas Vanhulst" userId="34ac1234-5592-4d7f-9994-53365d15ede3" providerId="ADAL" clId="{05C94207-FE41-4C92-949A-611D37DD235E}" dt="2024-01-16T11:37:24.340" v="363" actId="20577"/>
+          <ac:spMkLst>
+            <pc:docMk/>
+            <pc:sldMk cId="3929993067" sldId="340"/>
+            <ac:spMk id="2" creationId="{5B44B0BC-7C8A-B76E-AD8A-0CEAFAB46912}"/>
+          </ac:spMkLst>
+        </pc:spChg>
+        <pc:spChg chg="del">
+          <ac:chgData name="Jonas Vanhulst" userId="34ac1234-5592-4d7f-9994-53365d15ede3" providerId="ADAL" clId="{05C94207-FE41-4C92-949A-611D37DD235E}" dt="2024-01-16T11:22:52.671" v="341" actId="478"/>
+          <ac:spMkLst>
+            <pc:docMk/>
+            <pc:sldMk cId="3929993067" sldId="340"/>
+            <ac:spMk id="3" creationId="{3C3FE03D-2CA6-FB06-4381-B68579B0674D}"/>
+          </ac:spMkLst>
+        </pc:spChg>
+        <pc:spChg chg="add mod">
+          <ac:chgData name="Jonas Vanhulst" userId="34ac1234-5592-4d7f-9994-53365d15ede3" providerId="ADAL" clId="{05C94207-FE41-4C92-949A-611D37DD235E}" dt="2024-01-17T17:28:39.829" v="1149" actId="20577"/>
+          <ac:spMkLst>
+            <pc:docMk/>
+            <pc:sldMk cId="3929993067" sldId="340"/>
+            <ac:spMk id="3" creationId="{5C1A125D-9053-6CEF-C653-80CD9144E0B5}"/>
+          </ac:spMkLst>
+        </pc:spChg>
+        <pc:picChg chg="add mod">
+          <ac:chgData name="Jonas Vanhulst" userId="34ac1234-5592-4d7f-9994-53365d15ede3" providerId="ADAL" clId="{05C94207-FE41-4C92-949A-611D37DD235E}" dt="2024-01-16T11:37:25.895" v="364"/>
+          <ac:picMkLst>
+            <pc:docMk/>
+            <pc:sldMk cId="3929993067" sldId="340"/>
+            <ac:picMk id="5" creationId="{4FC83DB6-BB35-91CC-F33D-AA27F96C8FA9}"/>
+          </ac:picMkLst>
+        </pc:picChg>
+        <pc:picChg chg="add mod">
+          <ac:chgData name="Jonas Vanhulst" userId="34ac1234-5592-4d7f-9994-53365d15ede3" providerId="ADAL" clId="{05C94207-FE41-4C92-949A-611D37DD235E}" dt="2024-01-16T11:37:32.869" v="367" actId="962"/>
+          <ac:picMkLst>
+            <pc:docMk/>
+            <pc:sldMk cId="3929993067" sldId="340"/>
+            <ac:picMk id="7" creationId="{C5C54C52-526A-4ABC-8EFB-1BE1BB04D87A}"/>
+          </ac:picMkLst>
+        </pc:picChg>
+      </pc:sldChg>
+      <pc:sldChg chg="delSp del mod ord">
+        <pc:chgData name="Jonas Vanhulst" userId="34ac1234-5592-4d7f-9994-53365d15ede3" providerId="ADAL" clId="{05C94207-FE41-4C92-949A-611D37DD235E}" dt="2024-01-17T08:23:52.311" v="1082" actId="47"/>
+        <pc:sldMkLst>
+          <pc:docMk/>
+          <pc:sldMk cId="947237888" sldId="341"/>
+        </pc:sldMkLst>
+        <pc:spChg chg="del">
+          <ac:chgData name="Jonas Vanhulst" userId="34ac1234-5592-4d7f-9994-53365d15ede3" providerId="ADAL" clId="{05C94207-FE41-4C92-949A-611D37DD235E}" dt="2024-01-16T11:52:55.755" v="396" actId="478"/>
+          <ac:spMkLst>
+            <pc:docMk/>
+            <pc:sldMk cId="947237888" sldId="341"/>
+            <ac:spMk id="3" creationId="{8CEA2656-AFD2-8D57-0F01-073ACB7A9BFF}"/>
+          </ac:spMkLst>
+        </pc:spChg>
+      </pc:sldChg>
+      <pc:sldChg chg="new del">
+        <pc:chgData name="Jonas Vanhulst" userId="34ac1234-5592-4d7f-9994-53365d15ede3" providerId="ADAL" clId="{05C94207-FE41-4C92-949A-611D37DD235E}" dt="2024-01-16T10:43:20.996" v="1" actId="47"/>
+        <pc:sldMkLst>
+          <pc:docMk/>
+          <pc:sldMk cId="1139707740" sldId="344"/>
+        </pc:sldMkLst>
+      </pc:sldChg>
+      <pc:sldChg chg="modSp add del mod">
+        <pc:chgData name="Jonas Vanhulst" userId="34ac1234-5592-4d7f-9994-53365d15ede3" providerId="ADAL" clId="{05C94207-FE41-4C92-949A-611D37DD235E}" dt="2024-01-16T11:55:28.437" v="470" actId="47"/>
+        <pc:sldMkLst>
+          <pc:docMk/>
+          <pc:sldMk cId="1594895178" sldId="344"/>
+        </pc:sldMkLst>
+        <pc:spChg chg="mod">
+          <ac:chgData name="Jonas Vanhulst" userId="34ac1234-5592-4d7f-9994-53365d15ede3" providerId="ADAL" clId="{05C94207-FE41-4C92-949A-611D37DD235E}" dt="2024-01-16T10:43:28.484" v="12" actId="20577"/>
+          <ac:spMkLst>
+            <pc:docMk/>
+            <pc:sldMk cId="1594895178" sldId="344"/>
+            <ac:spMk id="4" creationId="{F10B6239-5B5A-1141-AD0E-9D70A699117B}"/>
+          </ac:spMkLst>
+        </pc:spChg>
+      </pc:sldChg>
+      <pc:sldChg chg="addSp modSp add mod modNotesTx">
+        <pc:chgData name="Jonas Vanhulst" userId="34ac1234-5592-4d7f-9994-53365d15ede3" providerId="ADAL" clId="{05C94207-FE41-4C92-949A-611D37DD235E}" dt="2024-01-17T17:56:55.374" v="1389" actId="20577"/>
+        <pc:sldMkLst>
+          <pc:docMk/>
+          <pc:sldMk cId="3322640632" sldId="345"/>
+        </pc:sldMkLst>
+        <pc:spChg chg="add mod">
+          <ac:chgData name="Jonas Vanhulst" userId="34ac1234-5592-4d7f-9994-53365d15ede3" providerId="ADAL" clId="{05C94207-FE41-4C92-949A-611D37DD235E}" dt="2024-01-17T17:28:31.731" v="1143" actId="20577"/>
+          <ac:spMkLst>
+            <pc:docMk/>
+            <pc:sldMk cId="3322640632" sldId="345"/>
+            <ac:spMk id="3" creationId="{7F4EF04E-D037-9B04-D952-C43CA050D48D}"/>
+          </ac:spMkLst>
+        </pc:spChg>
+        <pc:spChg chg="mod">
+          <ac:chgData name="Jonas Vanhulst" userId="34ac1234-5592-4d7f-9994-53365d15ede3" providerId="ADAL" clId="{05C94207-FE41-4C92-949A-611D37DD235E}" dt="2024-01-16T10:43:44.561" v="26" actId="20577"/>
+          <ac:spMkLst>
+            <pc:docMk/>
+            <pc:sldMk cId="3322640632" sldId="345"/>
+            <ac:spMk id="4" creationId="{F10B6239-5B5A-1141-AD0E-9D70A699117B}"/>
+          </ac:spMkLst>
+        </pc:spChg>
+      </pc:sldChg>
+      <pc:sldChg chg="new del">
+        <pc:chgData name="Jonas Vanhulst" userId="34ac1234-5592-4d7f-9994-53365d15ede3" providerId="ADAL" clId="{05C94207-FE41-4C92-949A-611D37DD235E}" dt="2024-01-16T10:43:39.821" v="15" actId="47"/>
+        <pc:sldMkLst>
+          <pc:docMk/>
+          <pc:sldMk cId="209070573" sldId="346"/>
+        </pc:sldMkLst>
+      </pc:sldChg>
+      <pc:sldChg chg="addSp modSp add mod modNotesTx">
+        <pc:chgData name="Jonas Vanhulst" userId="34ac1234-5592-4d7f-9994-53365d15ede3" providerId="ADAL" clId="{05C94207-FE41-4C92-949A-611D37DD235E}" dt="2024-01-17T17:57:08.879" v="1404" actId="20577"/>
+        <pc:sldMkLst>
+          <pc:docMk/>
+          <pc:sldMk cId="2460355845" sldId="346"/>
+        </pc:sldMkLst>
+        <pc:spChg chg="add mod">
+          <ac:chgData name="Jonas Vanhulst" userId="34ac1234-5592-4d7f-9994-53365d15ede3" providerId="ADAL" clId="{05C94207-FE41-4C92-949A-611D37DD235E}" dt="2024-01-17T17:28:44.267" v="1152" actId="20577"/>
+          <ac:spMkLst>
+            <pc:docMk/>
+            <pc:sldMk cId="2460355845" sldId="346"/>
+            <ac:spMk id="3" creationId="{DB0CF6D5-C823-DBEA-F78C-BE1D6E08917C}"/>
+          </ac:spMkLst>
+        </pc:spChg>
+        <pc:spChg chg="mod">
+          <ac:chgData name="Jonas Vanhulst" userId="34ac1234-5592-4d7f-9994-53365d15ede3" providerId="ADAL" clId="{05C94207-FE41-4C92-949A-611D37DD235E}" dt="2024-01-16T10:45:02.647" v="46" actId="20577"/>
+          <ac:spMkLst>
+            <pc:docMk/>
+            <pc:sldMk cId="2460355845" sldId="346"/>
+            <ac:spMk id="4" creationId="{F10B6239-5B5A-1141-AD0E-9D70A699117B}"/>
+          </ac:spMkLst>
+        </pc:spChg>
+      </pc:sldChg>
+      <pc:sldChg chg="addSp delSp modSp new mod modNotesTx">
+        <pc:chgData name="Jonas Vanhulst" userId="34ac1234-5592-4d7f-9994-53365d15ede3" providerId="ADAL" clId="{05C94207-FE41-4C92-949A-611D37DD235E}" dt="2024-01-17T17:53:41.541" v="1238" actId="20577"/>
+        <pc:sldMkLst>
+          <pc:docMk/>
+          <pc:sldMk cId="1098018835" sldId="347"/>
+        </pc:sldMkLst>
+        <pc:spChg chg="mod">
+          <ac:chgData name="Jonas Vanhulst" userId="34ac1234-5592-4d7f-9994-53365d15ede3" providerId="ADAL" clId="{05C94207-FE41-4C92-949A-611D37DD235E}" dt="2024-01-16T10:45:50.891" v="70" actId="122"/>
+          <ac:spMkLst>
+            <pc:docMk/>
+            <pc:sldMk cId="1098018835" sldId="347"/>
+            <ac:spMk id="2" creationId="{5464A49A-0AAC-562B-F24A-04BB09684FC1}"/>
+          </ac:spMkLst>
+        </pc:spChg>
+        <pc:spChg chg="add mod">
+          <ac:chgData name="Jonas Vanhulst" userId="34ac1234-5592-4d7f-9994-53365d15ede3" providerId="ADAL" clId="{05C94207-FE41-4C92-949A-611D37DD235E}" dt="2024-01-17T17:26:45.906" v="1094" actId="20577"/>
+          <ac:spMkLst>
+            <pc:docMk/>
+            <pc:sldMk cId="1098018835" sldId="347"/>
+            <ac:spMk id="3" creationId="{542025ED-9AEE-B984-6C53-B9D0EF245DE0}"/>
+          </ac:spMkLst>
+        </pc:spChg>
+        <pc:spChg chg="del">
+          <ac:chgData name="Jonas Vanhulst" userId="34ac1234-5592-4d7f-9994-53365d15ede3" providerId="ADAL" clId="{05C94207-FE41-4C92-949A-611D37DD235E}" dt="2024-01-16T11:44:40.667" v="389" actId="478"/>
+          <ac:spMkLst>
+            <pc:docMk/>
+            <pc:sldMk cId="1098018835" sldId="347"/>
+            <ac:spMk id="3" creationId="{CCA71F56-CB61-31B4-60B8-766277BD6B15}"/>
+          </ac:spMkLst>
+        </pc:spChg>
+        <pc:picChg chg="add mod">
+          <ac:chgData name="Jonas Vanhulst" userId="34ac1234-5592-4d7f-9994-53365d15ede3" providerId="ADAL" clId="{05C94207-FE41-4C92-949A-611D37DD235E}" dt="2024-01-16T11:21:21.664" v="323"/>
+          <ac:picMkLst>
+            <pc:docMk/>
+            <pc:sldMk cId="1098018835" sldId="347"/>
+            <ac:picMk id="4" creationId="{1C843D5D-DCC7-C77C-DC3A-955E1803F7E1}"/>
+          </ac:picMkLst>
+        </pc:picChg>
+        <pc:picChg chg="add mod">
+          <ac:chgData name="Jonas Vanhulst" userId="34ac1234-5592-4d7f-9994-53365d15ede3" providerId="ADAL" clId="{05C94207-FE41-4C92-949A-611D37DD235E}" dt="2024-01-16T11:52:45.975" v="394" actId="1076"/>
+          <ac:picMkLst>
+            <pc:docMk/>
+            <pc:sldMk cId="1098018835" sldId="347"/>
+            <ac:picMk id="6" creationId="{32B9FDF8-AF52-0861-367B-3B76BB909EF1}"/>
+          </ac:picMkLst>
+        </pc:picChg>
+      </pc:sldChg>
+      <pc:sldChg chg="addSp modSp add mod modNotesTx">
+        <pc:chgData name="Jonas Vanhulst" userId="34ac1234-5592-4d7f-9994-53365d15ede3" providerId="ADAL" clId="{05C94207-FE41-4C92-949A-611D37DD235E}" dt="2024-01-17T17:53:58.909" v="1269" actId="20577"/>
+        <pc:sldMkLst>
+          <pc:docMk/>
+          <pc:sldMk cId="2524438523" sldId="348"/>
+        </pc:sldMkLst>
+        <pc:spChg chg="add mod">
+          <ac:chgData name="Jonas Vanhulst" userId="34ac1234-5592-4d7f-9994-53365d15ede3" providerId="ADAL" clId="{05C94207-FE41-4C92-949A-611D37DD235E}" dt="2024-01-17T17:27:14.957" v="1105" actId="20577"/>
+          <ac:spMkLst>
+            <pc:docMk/>
+            <pc:sldMk cId="2524438523" sldId="348"/>
+            <ac:spMk id="2" creationId="{C764FC8E-317D-0991-1504-8E234DEC9881}"/>
+          </ac:spMkLst>
+        </pc:spChg>
+        <pc:spChg chg="mod">
+          <ac:chgData name="Jonas Vanhulst" userId="34ac1234-5592-4d7f-9994-53365d15ede3" providerId="ADAL" clId="{05C94207-FE41-4C92-949A-611D37DD235E}" dt="2024-01-16T10:46:28.072" v="83" actId="14100"/>
+          <ac:spMkLst>
+            <pc:docMk/>
+            <pc:sldMk cId="2524438523" sldId="348"/>
+            <ac:spMk id="4" creationId="{F10B6239-5B5A-1141-AD0E-9D70A699117B}"/>
+          </ac:spMkLst>
+        </pc:spChg>
+      </pc:sldChg>
+      <pc:sldChg chg="new del">
+        <pc:chgData name="Jonas Vanhulst" userId="34ac1234-5592-4d7f-9994-53365d15ede3" providerId="ADAL" clId="{05C94207-FE41-4C92-949A-611D37DD235E}" dt="2024-01-16T10:46:19.828" v="73" actId="47"/>
+        <pc:sldMkLst>
+          <pc:docMk/>
+          <pc:sldMk cId="3663051971" sldId="348"/>
+        </pc:sldMkLst>
+      </pc:sldChg>
+      <pc:sldChg chg="addSp delSp modSp new mod modNotesTx">
+        <pc:chgData name="Jonas Vanhulst" userId="34ac1234-5592-4d7f-9994-53365d15ede3" providerId="ADAL" clId="{05C94207-FE41-4C92-949A-611D37DD235E}" dt="2024-01-17T17:54:02.134" v="1276" actId="20577"/>
+        <pc:sldMkLst>
+          <pc:docMk/>
+          <pc:sldMk cId="1150839225" sldId="349"/>
+        </pc:sldMkLst>
+        <pc:spChg chg="add mod">
+          <ac:chgData name="Jonas Vanhulst" userId="34ac1234-5592-4d7f-9994-53365d15ede3" providerId="ADAL" clId="{05C94207-FE41-4C92-949A-611D37DD235E}" dt="2024-01-17T17:27:19.301" v="1108" actId="20577"/>
+          <ac:spMkLst>
+            <pc:docMk/>
+            <pc:sldMk cId="1150839225" sldId="349"/>
+            <ac:spMk id="2" creationId="{0AF8D28E-39CA-4B7A-96FB-179296A565CB}"/>
+          </ac:spMkLst>
+        </pc:spChg>
+        <pc:spChg chg="del">
+          <ac:chgData name="Jonas Vanhulst" userId="34ac1234-5592-4d7f-9994-53365d15ede3" providerId="ADAL" clId="{05C94207-FE41-4C92-949A-611D37DD235E}" dt="2024-01-16T11:52:53.886" v="395" actId="478"/>
+          <ac:spMkLst>
+            <pc:docMk/>
+            <pc:sldMk cId="1150839225" sldId="349"/>
+            <ac:spMk id="2" creationId="{7B6CF525-D897-79E7-5C92-96239D06C9B1}"/>
+          </ac:spMkLst>
+        </pc:spChg>
+        <pc:spChg chg="mod">
+          <ac:chgData name="Jonas Vanhulst" userId="34ac1234-5592-4d7f-9994-53365d15ede3" providerId="ADAL" clId="{05C94207-FE41-4C92-949A-611D37DD235E}" dt="2024-01-16T10:46:43.717" v="99" actId="20577"/>
+          <ac:spMkLst>
+            <pc:docMk/>
+            <pc:sldMk cId="1150839225" sldId="349"/>
+            <ac:spMk id="3" creationId="{A41C3E01-4301-55A3-3B42-EAC477A04B16}"/>
+          </ac:spMkLst>
+        </pc:spChg>
+        <pc:graphicFrameChg chg="add del mod modGraphic">
+          <ac:chgData name="Jonas Vanhulst" userId="34ac1234-5592-4d7f-9994-53365d15ede3" providerId="ADAL" clId="{05C94207-FE41-4C92-949A-611D37DD235E}" dt="2024-01-17T08:09:08.536" v="804" actId="478"/>
+          <ac:graphicFrameMkLst>
+            <pc:docMk/>
+            <pc:sldMk cId="1150839225" sldId="349"/>
+            <ac:graphicFrameMk id="9" creationId="{2482E1A2-6E7C-E9E8-8B2D-3AD8C0959FC4}"/>
+          </ac:graphicFrameMkLst>
+        </pc:graphicFrameChg>
+        <pc:graphicFrameChg chg="add del mod modGraphic">
+          <ac:chgData name="Jonas Vanhulst" userId="34ac1234-5592-4d7f-9994-53365d15ede3" providerId="ADAL" clId="{05C94207-FE41-4C92-949A-611D37DD235E}" dt="2024-01-17T08:10:24.128" v="812" actId="478"/>
+          <ac:graphicFrameMkLst>
+            <pc:docMk/>
+            <pc:sldMk cId="1150839225" sldId="349"/>
+            <ac:graphicFrameMk id="10" creationId="{B93B7459-E83E-2331-2953-93B356E81BB3}"/>
+          </ac:graphicFrameMkLst>
+        </pc:graphicFrameChg>
+        <pc:graphicFrameChg chg="add mod modGraphic">
+          <ac:chgData name="Jonas Vanhulst" userId="34ac1234-5592-4d7f-9994-53365d15ede3" providerId="ADAL" clId="{05C94207-FE41-4C92-949A-611D37DD235E}" dt="2024-01-17T08:22:04.848" v="1069" actId="207"/>
+          <ac:graphicFrameMkLst>
+            <pc:docMk/>
+            <pc:sldMk cId="1150839225" sldId="349"/>
+            <ac:graphicFrameMk id="11" creationId="{E540D503-51A4-BD26-BFFE-2C05D32D4DF8}"/>
+          </ac:graphicFrameMkLst>
+        </pc:graphicFrameChg>
+        <pc:picChg chg="add mod">
+          <ac:chgData name="Jonas Vanhulst" userId="34ac1234-5592-4d7f-9994-53365d15ede3" providerId="ADAL" clId="{05C94207-FE41-4C92-949A-611D37DD235E}" dt="2024-01-16T11:21:17.209" v="322"/>
+          <ac:picMkLst>
+            <pc:docMk/>
+            <pc:sldMk cId="1150839225" sldId="349"/>
+            <ac:picMk id="4" creationId="{AFAE3B6E-634E-3549-ED8B-94D72F5F8CD4}"/>
+          </ac:picMkLst>
+        </pc:picChg>
+        <pc:picChg chg="add del mod ord">
+          <ac:chgData name="Jonas Vanhulst" userId="34ac1234-5592-4d7f-9994-53365d15ede3" providerId="ADAL" clId="{05C94207-FE41-4C92-949A-611D37DD235E}" dt="2024-01-17T08:08:50.511" v="802" actId="478"/>
+          <ac:picMkLst>
+            <pc:docMk/>
+            <pc:sldMk cId="1150839225" sldId="349"/>
+            <ac:picMk id="5" creationId="{D9D5AE05-0EB0-B2A4-AF16-E81DCFE04452}"/>
+          </ac:picMkLst>
+        </pc:picChg>
+        <pc:picChg chg="add del mod">
+          <ac:chgData name="Jonas Vanhulst" userId="34ac1234-5592-4d7f-9994-53365d15ede3" providerId="ADAL" clId="{05C94207-FE41-4C92-949A-611D37DD235E}" dt="2024-01-17T08:11:11.069" v="821" actId="478"/>
+          <ac:picMkLst>
+            <pc:docMk/>
+            <pc:sldMk cId="1150839225" sldId="349"/>
+            <ac:picMk id="7" creationId="{B956E1CF-7974-5D22-4DB4-728BBC9B8717}"/>
+          </ac:picMkLst>
+        </pc:picChg>
+        <pc:picChg chg="add del mod modCrop">
+          <ac:chgData name="Jonas Vanhulst" userId="34ac1234-5592-4d7f-9994-53365d15ede3" providerId="ADAL" clId="{05C94207-FE41-4C92-949A-611D37DD235E}" dt="2024-01-17T08:11:00.573" v="818" actId="478"/>
+          <ac:picMkLst>
+            <pc:docMk/>
+            <pc:sldMk cId="1150839225" sldId="349"/>
+            <ac:picMk id="8" creationId="{0B875C08-E1D8-EB10-8D65-27A981D79334}"/>
+          </ac:picMkLst>
+        </pc:picChg>
+      </pc:sldChg>
+      <pc:sldChg chg="addSp delSp modSp new mod modNotesTx">
+        <pc:chgData name="Jonas Vanhulst" userId="34ac1234-5592-4d7f-9994-53365d15ede3" providerId="ADAL" clId="{05C94207-FE41-4C92-949A-611D37DD235E}" dt="2024-01-17T17:54:08.317" v="1298" actId="20577"/>
+        <pc:sldMkLst>
+          <pc:docMk/>
+          <pc:sldMk cId="3039788295" sldId="350"/>
+        </pc:sldMkLst>
+        <pc:spChg chg="del">
+          <ac:chgData name="Jonas Vanhulst" userId="34ac1234-5592-4d7f-9994-53365d15ede3" providerId="ADAL" clId="{05C94207-FE41-4C92-949A-611D37DD235E}" dt="2024-01-16T11:53:01.412" v="399" actId="478"/>
+          <ac:spMkLst>
+            <pc:docMk/>
+            <pc:sldMk cId="3039788295" sldId="350"/>
+            <ac:spMk id="2" creationId="{4ACBA676-4F58-645F-6784-0C9A4AF57E81}"/>
+          </ac:spMkLst>
+        </pc:spChg>
+        <pc:spChg chg="add mod">
+          <ac:chgData name="Jonas Vanhulst" userId="34ac1234-5592-4d7f-9994-53365d15ede3" providerId="ADAL" clId="{05C94207-FE41-4C92-949A-611D37DD235E}" dt="2024-01-17T17:27:23.293" v="1111" actId="20577"/>
+          <ac:spMkLst>
+            <pc:docMk/>
+            <pc:sldMk cId="3039788295" sldId="350"/>
+            <ac:spMk id="2" creationId="{C4BEFC91-FB1C-54BB-5B0E-BB3D18D9E350}"/>
+          </ac:spMkLst>
+        </pc:spChg>
+        <pc:spChg chg="mod">
+          <ac:chgData name="Jonas Vanhulst" userId="34ac1234-5592-4d7f-9994-53365d15ede3" providerId="ADAL" clId="{05C94207-FE41-4C92-949A-611D37DD235E}" dt="2024-01-16T10:46:51.234" v="113" actId="20577"/>
+          <ac:spMkLst>
+            <pc:docMk/>
+            <pc:sldMk cId="3039788295" sldId="350"/>
+            <ac:spMk id="3" creationId="{73885810-216C-A4AD-26EC-A0C7A8C67875}"/>
+          </ac:spMkLst>
+        </pc:spChg>
+        <pc:picChg chg="add mod">
+          <ac:chgData name="Jonas Vanhulst" userId="34ac1234-5592-4d7f-9994-53365d15ede3" providerId="ADAL" clId="{05C94207-FE41-4C92-949A-611D37DD235E}" dt="2024-01-16T11:21:16.570" v="321"/>
+          <ac:picMkLst>
+            <pc:docMk/>
+            <pc:sldMk cId="3039788295" sldId="350"/>
+            <ac:picMk id="4" creationId="{2C137452-FC2C-414D-5EB6-7D80866A444B}"/>
+          </ac:picMkLst>
+        </pc:picChg>
+        <pc:picChg chg="add mod">
+          <ac:chgData name="Jonas Vanhulst" userId="34ac1234-5592-4d7f-9994-53365d15ede3" providerId="ADAL" clId="{05C94207-FE41-4C92-949A-611D37DD235E}" dt="2024-01-17T08:23:46.272" v="1081" actId="1076"/>
+          <ac:picMkLst>
+            <pc:docMk/>
+            <pc:sldMk cId="3039788295" sldId="350"/>
+            <ac:picMk id="5" creationId="{E224203B-EB81-B1B4-BFD6-BF277EBAAA8A}"/>
+          </ac:picMkLst>
+        </pc:picChg>
+        <pc:picChg chg="add mod">
+          <ac:chgData name="Jonas Vanhulst" userId="34ac1234-5592-4d7f-9994-53365d15ede3" providerId="ADAL" clId="{05C94207-FE41-4C92-949A-611D37DD235E}" dt="2024-01-17T08:23:42.033" v="1080" actId="1076"/>
+          <ac:picMkLst>
+            <pc:docMk/>
+            <pc:sldMk cId="3039788295" sldId="350"/>
+            <ac:picMk id="7" creationId="{0E401EEA-4C2A-4AED-D942-0FE7D46D85B9}"/>
+          </ac:picMkLst>
+        </pc:picChg>
+      </pc:sldChg>
+      <pc:sldChg chg="addSp delSp modSp add mod modNotesTx">
+        <pc:chgData name="Jonas Vanhulst" userId="34ac1234-5592-4d7f-9994-53365d15ede3" providerId="ADAL" clId="{05C94207-FE41-4C92-949A-611D37DD235E}" dt="2024-01-17T17:54:26.109" v="1309" actId="20577"/>
+        <pc:sldMkLst>
+          <pc:docMk/>
+          <pc:sldMk cId="3620743864" sldId="351"/>
+        </pc:sldMkLst>
+        <pc:spChg chg="del">
+          <ac:chgData name="Jonas Vanhulst" userId="34ac1234-5592-4d7f-9994-53365d15ede3" providerId="ADAL" clId="{05C94207-FE41-4C92-949A-611D37DD235E}" dt="2024-01-16T10:55:14.068" v="131" actId="478"/>
+          <ac:spMkLst>
+            <pc:docMk/>
+            <pc:sldMk cId="3620743864" sldId="351"/>
+            <ac:spMk id="2" creationId="{4ACBA676-4F58-645F-6784-0C9A4AF57E81}"/>
+          </ac:spMkLst>
+        </pc:spChg>
+        <pc:spChg chg="add mod">
+          <ac:chgData name="Jonas Vanhulst" userId="34ac1234-5592-4d7f-9994-53365d15ede3" providerId="ADAL" clId="{05C94207-FE41-4C92-949A-611D37DD235E}" dt="2024-01-17T17:27:32.473" v="1119" actId="20577"/>
+          <ac:spMkLst>
+            <pc:docMk/>
+            <pc:sldMk cId="3620743864" sldId="351"/>
+            <ac:spMk id="2" creationId="{FAF94C3F-F1F2-2379-91E1-F162646C98BD}"/>
+          </ac:spMkLst>
+        </pc:spChg>
+        <pc:spChg chg="mod">
+          <ac:chgData name="Jonas Vanhulst" userId="34ac1234-5592-4d7f-9994-53365d15ede3" providerId="ADAL" clId="{05C94207-FE41-4C92-949A-611D37DD235E}" dt="2024-01-16T10:56:10.739" v="160" actId="20577"/>
+          <ac:spMkLst>
+            <pc:docMk/>
+            <pc:sldMk cId="3620743864" sldId="351"/>
+            <ac:spMk id="3" creationId="{73885810-216C-A4AD-26EC-A0C7A8C67875}"/>
+          </ac:spMkLst>
+        </pc:spChg>
+        <pc:picChg chg="add del mod">
+          <ac:chgData name="Jonas Vanhulst" userId="34ac1234-5592-4d7f-9994-53365d15ede3" providerId="ADAL" clId="{05C94207-FE41-4C92-949A-611D37DD235E}" dt="2024-01-16T11:07:24.171" v="225" actId="478"/>
+          <ac:picMkLst>
+            <pc:docMk/>
+            <pc:sldMk cId="3620743864" sldId="351"/>
+            <ac:picMk id="4" creationId="{A7332489-A81F-F2D3-36BE-3217C726D3A1}"/>
+          </ac:picMkLst>
+        </pc:picChg>
+        <pc:picChg chg="add mod">
+          <ac:chgData name="Jonas Vanhulst" userId="34ac1234-5592-4d7f-9994-53365d15ede3" providerId="ADAL" clId="{05C94207-FE41-4C92-949A-611D37DD235E}" dt="2024-01-16T11:10:45.606" v="260" actId="1076"/>
+          <ac:picMkLst>
+            <pc:docMk/>
+            <pc:sldMk cId="3620743864" sldId="351"/>
+            <ac:picMk id="6" creationId="{806AFBBC-DC1A-3C7A-CECA-28E49286F4D4}"/>
+          </ac:picMkLst>
+        </pc:picChg>
+        <pc:picChg chg="add mod">
+          <ac:chgData name="Jonas Vanhulst" userId="34ac1234-5592-4d7f-9994-53365d15ede3" providerId="ADAL" clId="{05C94207-FE41-4C92-949A-611D37DD235E}" dt="2024-01-16T11:21:11.956" v="320"/>
+          <ac:picMkLst>
+            <pc:docMk/>
+            <pc:sldMk cId="3620743864" sldId="351"/>
+            <ac:picMk id="7" creationId="{FB207233-C01F-B159-9978-5FE42DC7D29B}"/>
+          </ac:picMkLst>
+        </pc:picChg>
+        <pc:picChg chg="add mod">
+          <ac:chgData name="Jonas Vanhulst" userId="34ac1234-5592-4d7f-9994-53365d15ede3" providerId="ADAL" clId="{05C94207-FE41-4C92-949A-611D37DD235E}" dt="2024-01-16T11:11:38.147" v="295" actId="1076"/>
+          <ac:picMkLst>
+            <pc:docMk/>
+            <pc:sldMk cId="3620743864" sldId="351"/>
+            <ac:picMk id="11" creationId="{981655C4-7A73-C694-3958-C485DA54B7B6}"/>
+          </ac:picMkLst>
+        </pc:picChg>
+      </pc:sldChg>
+      <pc:sldChg chg="addSp delSp modSp add mod modNotesTx">
+        <pc:chgData name="Jonas Vanhulst" userId="34ac1234-5592-4d7f-9994-53365d15ede3" providerId="ADAL" clId="{05C94207-FE41-4C92-949A-611D37DD235E}" dt="2024-01-17T17:54:56.891" v="1323" actId="20577"/>
+        <pc:sldMkLst>
+          <pc:docMk/>
+          <pc:sldMk cId="309749149" sldId="352"/>
+        </pc:sldMkLst>
+        <pc:spChg chg="del">
+          <ac:chgData name="Jonas Vanhulst" userId="34ac1234-5592-4d7f-9994-53365d15ede3" providerId="ADAL" clId="{05C94207-FE41-4C92-949A-611D37DD235E}" dt="2024-01-16T10:56:36.520" v="188" actId="478"/>
+          <ac:spMkLst>
+            <pc:docMk/>
+            <pc:sldMk cId="309749149" sldId="352"/>
+            <ac:spMk id="2" creationId="{4ACBA676-4F58-645F-6784-0C9A4AF57E81}"/>
+          </ac:spMkLst>
+        </pc:spChg>
+        <pc:spChg chg="add mod">
+          <ac:chgData name="Jonas Vanhulst" userId="34ac1234-5592-4d7f-9994-53365d15ede3" providerId="ADAL" clId="{05C94207-FE41-4C92-949A-611D37DD235E}" dt="2024-01-17T17:27:40.774" v="1122" actId="14100"/>
+          <ac:spMkLst>
+            <pc:docMk/>
+            <pc:sldMk cId="309749149" sldId="352"/>
+            <ac:spMk id="2" creationId="{5B3C7C85-720E-0997-13CB-3CFC27BA2740}"/>
+          </ac:spMkLst>
+        </pc:spChg>
+        <pc:spChg chg="mod">
+          <ac:chgData name="Jonas Vanhulst" userId="34ac1234-5592-4d7f-9994-53365d15ede3" providerId="ADAL" clId="{05C94207-FE41-4C92-949A-611D37DD235E}" dt="2024-01-16T10:56:32.157" v="187" actId="20577"/>
+          <ac:spMkLst>
+            <pc:docMk/>
+            <pc:sldMk cId="309749149" sldId="352"/>
+            <ac:spMk id="3" creationId="{73885810-216C-A4AD-26EC-A0C7A8C67875}"/>
+          </ac:spMkLst>
+        </pc:spChg>
+        <pc:picChg chg="add mod">
+          <ac:chgData name="Jonas Vanhulst" userId="34ac1234-5592-4d7f-9994-53365d15ede3" providerId="ADAL" clId="{05C94207-FE41-4C92-949A-611D37DD235E}" dt="2024-01-16T11:10:56.562" v="261" actId="1076"/>
+          <ac:picMkLst>
+            <pc:docMk/>
+            <pc:sldMk cId="309749149" sldId="352"/>
+            <ac:picMk id="5" creationId="{5121B3CB-3212-9A60-7184-6E1CB0E1C4D3}"/>
+          </ac:picMkLst>
+        </pc:picChg>
+        <pc:picChg chg="add mod">
+          <ac:chgData name="Jonas Vanhulst" userId="34ac1234-5592-4d7f-9994-53365d15ede3" providerId="ADAL" clId="{05C94207-FE41-4C92-949A-611D37DD235E}" dt="2024-01-16T11:21:10.944" v="319"/>
+          <ac:picMkLst>
+            <pc:docMk/>
+            <pc:sldMk cId="309749149" sldId="352"/>
+            <ac:picMk id="6" creationId="{E135F9F0-3F50-1E7C-1A97-D79DB981F3E2}"/>
+          </ac:picMkLst>
+        </pc:picChg>
+        <pc:picChg chg="add mod">
+          <ac:chgData name="Jonas Vanhulst" userId="34ac1234-5592-4d7f-9994-53365d15ede3" providerId="ADAL" clId="{05C94207-FE41-4C92-949A-611D37DD235E}" dt="2024-01-16T11:11:29.043" v="294" actId="1076"/>
+          <ac:picMkLst>
+            <pc:docMk/>
+            <pc:sldMk cId="309749149" sldId="352"/>
+            <ac:picMk id="7" creationId="{16E52ED6-4314-2FEB-BEC6-1193490C80CE}"/>
+          </ac:picMkLst>
+        </pc:picChg>
+      </pc:sldChg>
+      <pc:sldChg chg="addSp delSp modSp add mod ord modNotesTx">
+        <pc:chgData name="Jonas Vanhulst" userId="34ac1234-5592-4d7f-9994-53365d15ede3" providerId="ADAL" clId="{05C94207-FE41-4C92-949A-611D37DD235E}" dt="2024-01-17T17:57:29.922" v="1423" actId="20577"/>
+        <pc:sldMkLst>
+          <pc:docMk/>
+          <pc:sldMk cId="2513440293" sldId="353"/>
+        </pc:sldMkLst>
+        <pc:spChg chg="del mod">
+          <ac:chgData name="Jonas Vanhulst" userId="34ac1234-5592-4d7f-9994-53365d15ede3" providerId="ADAL" clId="{05C94207-FE41-4C92-949A-611D37DD235E}" dt="2024-01-16T11:19:44.350" v="314" actId="478"/>
+          <ac:spMkLst>
+            <pc:docMk/>
+            <pc:sldMk cId="2513440293" sldId="353"/>
+            <ac:spMk id="2" creationId="{4ACBA676-4F58-645F-6784-0C9A4AF57E81}"/>
+          </ac:spMkLst>
+        </pc:spChg>
+        <pc:spChg chg="add mod">
+          <ac:chgData name="Jonas Vanhulst" userId="34ac1234-5592-4d7f-9994-53365d15ede3" providerId="ADAL" clId="{05C94207-FE41-4C92-949A-611D37DD235E}" dt="2024-01-17T17:28:49.186" v="1157" actId="20577"/>
+          <ac:spMkLst>
+            <pc:docMk/>
+            <pc:sldMk cId="2513440293" sldId="353"/>
+            <ac:spMk id="2" creationId="{E97B92B4-6F14-F66C-104C-B814EA633B73}"/>
+          </ac:spMkLst>
+        </pc:spChg>
+        <pc:spChg chg="mod">
+          <ac:chgData name="Jonas Vanhulst" userId="34ac1234-5592-4d7f-9994-53365d15ede3" providerId="ADAL" clId="{05C94207-FE41-4C92-949A-611D37DD235E}" dt="2024-01-16T10:56:44.616" v="211" actId="20577"/>
+          <ac:spMkLst>
+            <pc:docMk/>
+            <pc:sldMk cId="2513440293" sldId="353"/>
+            <ac:spMk id="3" creationId="{73885810-216C-A4AD-26EC-A0C7A8C67875}"/>
+          </ac:spMkLst>
+        </pc:spChg>
+        <pc:picChg chg="add mod">
+          <ac:chgData name="Jonas Vanhulst" userId="34ac1234-5592-4d7f-9994-53365d15ede3" providerId="ADAL" clId="{05C94207-FE41-4C92-949A-611D37DD235E}" dt="2024-01-16T11:19:50.066" v="315" actId="1076"/>
+          <ac:picMkLst>
+            <pc:docMk/>
+            <pc:sldMk cId="2513440293" sldId="353"/>
+            <ac:picMk id="5" creationId="{1A9B553C-1851-7605-FD03-FCDD56602FDC}"/>
+          </ac:picMkLst>
+        </pc:picChg>
+        <pc:picChg chg="add mod">
+          <ac:chgData name="Jonas Vanhulst" userId="34ac1234-5592-4d7f-9994-53365d15ede3" providerId="ADAL" clId="{05C94207-FE41-4C92-949A-611D37DD235E}" dt="2024-01-16T11:21:02.260" v="316"/>
+          <ac:picMkLst>
+            <pc:docMk/>
+            <pc:sldMk cId="2513440293" sldId="353"/>
+            <ac:picMk id="6" creationId="{8B46487F-DA39-2E03-64E3-E58EA8DF59EC}"/>
+          </ac:picMkLst>
+        </pc:picChg>
+      </pc:sldChg>
+      <pc:sldChg chg="addSp delSp modSp new mod ord modNotesTx">
+        <pc:chgData name="Jonas Vanhulst" userId="34ac1234-5592-4d7f-9994-53365d15ede3" providerId="ADAL" clId="{05C94207-FE41-4C92-949A-611D37DD235E}" dt="2024-01-17T17:57:36.984" v="1431" actId="20577"/>
+        <pc:sldMkLst>
+          <pc:docMk/>
+          <pc:sldMk cId="858396202" sldId="354"/>
+        </pc:sldMkLst>
+        <pc:spChg chg="add mod">
+          <ac:chgData name="Jonas Vanhulst" userId="34ac1234-5592-4d7f-9994-53365d15ede3" providerId="ADAL" clId="{05C94207-FE41-4C92-949A-611D37DD235E}" dt="2024-01-17T17:28:54.255" v="1162" actId="20577"/>
+          <ac:spMkLst>
+            <pc:docMk/>
+            <pc:sldMk cId="858396202" sldId="354"/>
+            <ac:spMk id="2" creationId="{E2F5823B-0303-66E1-AAB0-DC44E3736377}"/>
+          </ac:spMkLst>
+        </pc:spChg>
+        <pc:spChg chg="del">
+          <ac:chgData name="Jonas Vanhulst" userId="34ac1234-5592-4d7f-9994-53365d15ede3" providerId="ADAL" clId="{05C94207-FE41-4C92-949A-611D37DD235E}" dt="2024-01-17T14:18:01.500" v="1084" actId="478"/>
+          <ac:spMkLst>
+            <pc:docMk/>
+            <pc:sldMk cId="858396202" sldId="354"/>
+            <ac:spMk id="2" creationId="{EE02CE02-16DB-1F73-2668-5F2BD3E4086A}"/>
+          </ac:spMkLst>
+        </pc:spChg>
+        <pc:spChg chg="mod">
+          <ac:chgData name="Jonas Vanhulst" userId="34ac1234-5592-4d7f-9994-53365d15ede3" providerId="ADAL" clId="{05C94207-FE41-4C92-949A-611D37DD235E}" dt="2024-01-16T10:57:03.975" v="224" actId="20577"/>
+          <ac:spMkLst>
+            <pc:docMk/>
+            <pc:sldMk cId="858396202" sldId="354"/>
+            <ac:spMk id="3" creationId="{B1082AD8-8062-46F1-87F9-E57FAAF72484}"/>
+          </ac:spMkLst>
+        </pc:spChg>
+        <pc:picChg chg="add mod">
+          <ac:chgData name="Jonas Vanhulst" userId="34ac1234-5592-4d7f-9994-53365d15ede3" providerId="ADAL" clId="{05C94207-FE41-4C92-949A-611D37DD235E}" dt="2024-01-16T11:21:03.410" v="317"/>
+          <ac:picMkLst>
+            <pc:docMk/>
+            <pc:sldMk cId="858396202" sldId="354"/>
+            <ac:picMk id="4" creationId="{924D1080-0DC4-DF09-CB75-E1D074402A3D}"/>
+          </ac:picMkLst>
+        </pc:picChg>
+        <pc:picChg chg="add mod">
+          <ac:chgData name="Jonas Vanhulst" userId="34ac1234-5592-4d7f-9994-53365d15ede3" providerId="ADAL" clId="{05C94207-FE41-4C92-949A-611D37DD235E}" dt="2024-01-17T14:18:08.164" v="1088" actId="1076"/>
+          <ac:picMkLst>
+            <pc:docMk/>
+            <pc:sldMk cId="858396202" sldId="354"/>
+            <ac:picMk id="6" creationId="{7CDE7069-0402-DD6B-1A2F-EF0A6309B865}"/>
+          </ac:picMkLst>
+        </pc:picChg>
+      </pc:sldChg>
+      <pc:sldChg chg="addSp delSp modSp new mod modNotesTx">
+        <pc:chgData name="Jonas Vanhulst" userId="34ac1234-5592-4d7f-9994-53365d15ede3" providerId="ADAL" clId="{05C94207-FE41-4C92-949A-611D37DD235E}" dt="2024-01-17T17:58:02.490" v="1437" actId="20577"/>
+        <pc:sldMkLst>
+          <pc:docMk/>
+          <pc:sldMk cId="904715124" sldId="355"/>
+        </pc:sldMkLst>
+        <pc:spChg chg="add mod">
+          <ac:chgData name="Jonas Vanhulst" userId="34ac1234-5592-4d7f-9994-53365d15ede3" providerId="ADAL" clId="{05C94207-FE41-4C92-949A-611D37DD235E}" dt="2024-01-17T17:29:00.118" v="1167" actId="20577"/>
+          <ac:spMkLst>
+            <pc:docMk/>
+            <pc:sldMk cId="904715124" sldId="355"/>
+            <ac:spMk id="2" creationId="{1B459540-065A-242B-FD65-EB722B3E83D6}"/>
+          </ac:spMkLst>
+        </pc:spChg>
+        <pc:spChg chg="del">
+          <ac:chgData name="Jonas Vanhulst" userId="34ac1234-5592-4d7f-9994-53365d15ede3" providerId="ADAL" clId="{05C94207-FE41-4C92-949A-611D37DD235E}" dt="2024-01-16T11:22:13.539" v="338" actId="478"/>
+          <ac:spMkLst>
+            <pc:docMk/>
+            <pc:sldMk cId="904715124" sldId="355"/>
+            <ac:spMk id="2" creationId="{B4627FCD-46E3-AD10-7447-98BD516D2F15}"/>
+          </ac:spMkLst>
+        </pc:spChg>
+        <pc:spChg chg="mod">
+          <ac:chgData name="Jonas Vanhulst" userId="34ac1234-5592-4d7f-9994-53365d15ede3" providerId="ADAL" clId="{05C94207-FE41-4C92-949A-611D37DD235E}" dt="2024-01-16T11:22:05.156" v="336" actId="20577"/>
+          <ac:spMkLst>
+            <pc:docMk/>
+            <pc:sldMk cId="904715124" sldId="355"/>
+            <ac:spMk id="3" creationId="{855902F0-E9E5-6FE4-E0C3-DDA032559CF2}"/>
+          </ac:spMkLst>
+        </pc:spChg>
+        <pc:spChg chg="add mod">
+          <ac:chgData name="Jonas Vanhulst" userId="34ac1234-5592-4d7f-9994-53365d15ede3" providerId="ADAL" clId="{05C94207-FE41-4C92-949A-611D37DD235E}" dt="2024-01-16T11:22:18.540" v="339"/>
+          <ac:spMkLst>
+            <pc:docMk/>
+            <pc:sldMk cId="904715124" sldId="355"/>
+            <ac:spMk id="5" creationId="{820FCBEA-728F-2AB5-E1C8-4D1AF945A43F}"/>
+          </ac:spMkLst>
+        </pc:spChg>
+        <pc:spChg chg="add mod">
+          <ac:chgData name="Jonas Vanhulst" userId="34ac1234-5592-4d7f-9994-53365d15ede3" providerId="ADAL" clId="{05C94207-FE41-4C92-949A-611D37DD235E}" dt="2024-01-16T11:57:50.898" v="731" actId="1076"/>
+          <ac:spMkLst>
+            <pc:docMk/>
+            <pc:sldMk cId="904715124" sldId="355"/>
+            <ac:spMk id="7" creationId="{90C44DD3-0BC4-892C-2D48-328A66051285}"/>
+          </ac:spMkLst>
+        </pc:spChg>
+        <pc:spChg chg="add mod">
+          <ac:chgData name="Jonas Vanhulst" userId="34ac1234-5592-4d7f-9994-53365d15ede3" providerId="ADAL" clId="{05C94207-FE41-4C92-949A-611D37DD235E}" dt="2024-01-16T11:22:18.540" v="339"/>
+          <ac:spMkLst>
+            <pc:docMk/>
+            <pc:sldMk cId="904715124" sldId="355"/>
+            <ac:spMk id="8" creationId="{538D9C66-C7AB-7001-562F-39FBF0E47B34}"/>
+          </ac:spMkLst>
+        </pc:spChg>
+        <pc:spChg chg="add mod">
+          <ac:chgData name="Jonas Vanhulst" userId="34ac1234-5592-4d7f-9994-53365d15ede3" providerId="ADAL" clId="{05C94207-FE41-4C92-949A-611D37DD235E}" dt="2024-01-16T11:58:30.082" v="782" actId="20577"/>
+          <ac:spMkLst>
+            <pc:docMk/>
+            <pc:sldMk cId="904715124" sldId="355"/>
+            <ac:spMk id="10" creationId="{746F1FFE-7FE6-7A91-823F-75DD2F7F8CD9}"/>
+          </ac:spMkLst>
+        </pc:spChg>
+        <pc:spChg chg="add mod">
+          <ac:chgData name="Jonas Vanhulst" userId="34ac1234-5592-4d7f-9994-53365d15ede3" providerId="ADAL" clId="{05C94207-FE41-4C92-949A-611D37DD235E}" dt="2024-01-16T11:22:18.540" v="339"/>
+          <ac:spMkLst>
+            <pc:docMk/>
+            <pc:sldMk cId="904715124" sldId="355"/>
+            <ac:spMk id="11" creationId="{4B642F1C-5E2D-7CFD-F3F5-51A55963470B}"/>
+          </ac:spMkLst>
+        </pc:spChg>
+        <pc:spChg chg="add mod">
+          <ac:chgData name="Jonas Vanhulst" userId="34ac1234-5592-4d7f-9994-53365d15ede3" providerId="ADAL" clId="{05C94207-FE41-4C92-949A-611D37DD235E}" dt="2024-01-16T11:57:44.315" v="728" actId="1076"/>
+          <ac:spMkLst>
+            <pc:docMk/>
+            <pc:sldMk cId="904715124" sldId="355"/>
+            <ac:spMk id="13" creationId="{8DAEFA4C-FE89-77BA-3C98-93456B4B3531}"/>
+          </ac:spMkLst>
+        </pc:spChg>
+        <pc:spChg chg="add mod">
+          <ac:chgData name="Jonas Vanhulst" userId="34ac1234-5592-4d7f-9994-53365d15ede3" providerId="ADAL" clId="{05C94207-FE41-4C92-949A-611D37DD235E}" dt="2024-01-16T11:22:18.540" v="339"/>
+          <ac:spMkLst>
+            <pc:docMk/>
+            <pc:sldMk cId="904715124" sldId="355"/>
+            <ac:spMk id="14" creationId="{F5D65210-A205-8D7E-EFD9-158EC2740A9E}"/>
+          </ac:spMkLst>
+        </pc:spChg>
+        <pc:spChg chg="add mod">
+          <ac:chgData name="Jonas Vanhulst" userId="34ac1234-5592-4d7f-9994-53365d15ede3" providerId="ADAL" clId="{05C94207-FE41-4C92-949A-611D37DD235E}" dt="2024-01-16T11:58:11.244" v="751" actId="1076"/>
+          <ac:spMkLst>
+            <pc:docMk/>
+            <pc:sldMk cId="904715124" sldId="355"/>
+            <ac:spMk id="16" creationId="{C8B545F9-2218-3749-F9B5-54620A10CD6E}"/>
+          </ac:spMkLst>
+        </pc:spChg>
+        <pc:spChg chg="add mod">
+          <ac:chgData name="Jonas Vanhulst" userId="34ac1234-5592-4d7f-9994-53365d15ede3" providerId="ADAL" clId="{05C94207-FE41-4C92-949A-611D37DD235E}" dt="2024-01-16T11:22:18.540" v="339"/>
+          <ac:spMkLst>
+            <pc:docMk/>
+            <pc:sldMk cId="904715124" sldId="355"/>
+            <ac:spMk id="17" creationId="{38F5FC1E-C39B-0244-1F54-2D245FE077C5}"/>
+          </ac:spMkLst>
+        </pc:spChg>
+        <pc:spChg chg="add mod">
+          <ac:chgData name="Jonas Vanhulst" userId="34ac1234-5592-4d7f-9994-53365d15ede3" providerId="ADAL" clId="{05C94207-FE41-4C92-949A-611D37DD235E}" dt="2024-01-16T11:58:06.150" v="749" actId="20577"/>
+          <ac:spMkLst>
+            <pc:docMk/>
+            <pc:sldMk cId="904715124" sldId="355"/>
+            <ac:spMk id="19" creationId="{5A870C21-3373-148C-F757-061552929E67}"/>
+          </ac:spMkLst>
+        </pc:spChg>
+        <pc:spChg chg="add mod">
+          <ac:chgData name="Jonas Vanhulst" userId="34ac1234-5592-4d7f-9994-53365d15ede3" providerId="ADAL" clId="{05C94207-FE41-4C92-949A-611D37DD235E}" dt="2024-01-16T11:22:18.540" v="339"/>
+          <ac:spMkLst>
+            <pc:docMk/>
+            <pc:sldMk cId="904715124" sldId="355"/>
+            <ac:spMk id="20" creationId="{4C9FCE27-778D-1B86-7094-DE502311EFB1}"/>
+          </ac:spMkLst>
+        </pc:spChg>
+        <pc:spChg chg="add mod">
+          <ac:chgData name="Jonas Vanhulst" userId="34ac1234-5592-4d7f-9994-53365d15ede3" providerId="ADAL" clId="{05C94207-FE41-4C92-949A-611D37DD235E}" dt="2024-01-16T11:58:02.824" v="747" actId="1076"/>
+          <ac:spMkLst>
+            <pc:docMk/>
+            <pc:sldMk cId="904715124" sldId="355"/>
+            <ac:spMk id="22" creationId="{1BA8FA1C-D25F-B2CA-365F-F5A55266DDC4}"/>
+          </ac:spMkLst>
+        </pc:spChg>
+        <pc:picChg chg="add mod">
+          <ac:chgData name="Jonas Vanhulst" userId="34ac1234-5592-4d7f-9994-53365d15ede3" providerId="ADAL" clId="{05C94207-FE41-4C92-949A-611D37DD235E}" dt="2024-01-16T11:22:09.940" v="337"/>
+          <ac:picMkLst>
+            <pc:docMk/>
+            <pc:sldMk cId="904715124" sldId="355"/>
+            <ac:picMk id="4" creationId="{6B33A760-E99D-C7A7-EF5E-B5E5D4E88DE0}"/>
+          </ac:picMkLst>
+        </pc:picChg>
+        <pc:picChg chg="add mod">
+          <ac:chgData name="Jonas Vanhulst" userId="34ac1234-5592-4d7f-9994-53365d15ede3" providerId="ADAL" clId="{05C94207-FE41-4C92-949A-611D37DD235E}" dt="2024-01-16T11:22:18.540" v="339"/>
+          <ac:picMkLst>
+            <pc:docMk/>
+            <pc:sldMk cId="904715124" sldId="355"/>
+            <ac:picMk id="6" creationId="{9602BF87-819F-0631-EE28-5058FBE39645}"/>
+          </ac:picMkLst>
+        </pc:picChg>
+        <pc:picChg chg="add mod">
+          <ac:chgData name="Jonas Vanhulst" userId="34ac1234-5592-4d7f-9994-53365d15ede3" providerId="ADAL" clId="{05C94207-FE41-4C92-949A-611D37DD235E}" dt="2024-01-16T11:22:18.540" v="339"/>
+          <ac:picMkLst>
+            <pc:docMk/>
+            <pc:sldMk cId="904715124" sldId="355"/>
+            <ac:picMk id="9" creationId="{D84BC7D3-816A-B825-C23E-3028E7A0275B}"/>
+          </ac:picMkLst>
+        </pc:picChg>
+        <pc:picChg chg="add mod">
+          <ac:chgData name="Jonas Vanhulst" userId="34ac1234-5592-4d7f-9994-53365d15ede3" providerId="ADAL" clId="{05C94207-FE41-4C92-949A-611D37DD235E}" dt="2024-01-16T11:22:18.540" v="339"/>
+          <ac:picMkLst>
+            <pc:docMk/>
+            <pc:sldMk cId="904715124" sldId="355"/>
+            <ac:picMk id="12" creationId="{E0270856-9A2F-ABC2-52D5-6D38B7D7F9B9}"/>
+          </ac:picMkLst>
+        </pc:picChg>
+        <pc:picChg chg="add mod">
+          <ac:chgData name="Jonas Vanhulst" userId="34ac1234-5592-4d7f-9994-53365d15ede3" providerId="ADAL" clId="{05C94207-FE41-4C92-949A-611D37DD235E}" dt="2024-01-16T11:22:18.540" v="339"/>
+          <ac:picMkLst>
+            <pc:docMk/>
+            <pc:sldMk cId="904715124" sldId="355"/>
+            <ac:picMk id="15" creationId="{466F65C0-7826-0D55-0313-A7C9ADC9370C}"/>
+          </ac:picMkLst>
+        </pc:picChg>
+        <pc:picChg chg="add mod">
+          <ac:chgData name="Jonas Vanhulst" userId="34ac1234-5592-4d7f-9994-53365d15ede3" providerId="ADAL" clId="{05C94207-FE41-4C92-949A-611D37DD235E}" dt="2024-01-16T11:22:18.540" v="339"/>
+          <ac:picMkLst>
+            <pc:docMk/>
+            <pc:sldMk cId="904715124" sldId="355"/>
+            <ac:picMk id="18" creationId="{31B407B0-2FCA-4662-F1ED-A188B8CD0DB0}"/>
+          </ac:picMkLst>
+        </pc:picChg>
+        <pc:picChg chg="add mod">
+          <ac:chgData name="Jonas Vanhulst" userId="34ac1234-5592-4d7f-9994-53365d15ede3" providerId="ADAL" clId="{05C94207-FE41-4C92-949A-611D37DD235E}" dt="2024-01-16T11:22:18.540" v="339"/>
+          <ac:picMkLst>
+            <pc:docMk/>
+            <pc:sldMk cId="904715124" sldId="355"/>
+            <ac:picMk id="21" creationId="{4AA3CD20-4601-8E9C-E035-588B8941B441}"/>
+          </ac:picMkLst>
+        </pc:picChg>
+      </pc:sldChg>
+      <pc:sldChg chg="addSp delSp modSp new mod modNotesTx">
+        <pc:chgData name="Jonas Vanhulst" userId="34ac1234-5592-4d7f-9994-53365d15ede3" providerId="ADAL" clId="{05C94207-FE41-4C92-949A-611D37DD235E}" dt="2024-01-17T17:56:51.102" v="1380" actId="20577"/>
+        <pc:sldMkLst>
+          <pc:docMk/>
+          <pc:sldMk cId="684873731" sldId="356"/>
+        </pc:sldMkLst>
+        <pc:spChg chg="add mod">
+          <ac:chgData name="Jonas Vanhulst" userId="34ac1234-5592-4d7f-9994-53365d15ede3" providerId="ADAL" clId="{05C94207-FE41-4C92-949A-611D37DD235E}" dt="2024-01-17T17:28:23.414" v="1140" actId="20577"/>
+          <ac:spMkLst>
+            <pc:docMk/>
+            <pc:sldMk cId="684873731" sldId="356"/>
+            <ac:spMk id="2" creationId="{8AF1676B-3110-2228-D630-41CD202FB34F}"/>
+          </ac:spMkLst>
+        </pc:spChg>
+        <pc:spChg chg="del">
+          <ac:chgData name="Jonas Vanhulst" userId="34ac1234-5592-4d7f-9994-53365d15ede3" providerId="ADAL" clId="{05C94207-FE41-4C92-949A-611D37DD235E}" dt="2024-01-16T11:39:36.835" v="386" actId="478"/>
+          <ac:spMkLst>
+            <pc:docMk/>
+            <pc:sldMk cId="684873731" sldId="356"/>
+            <ac:spMk id="2" creationId="{926B50CE-D149-FA1D-B18E-1F3FC7FFE361}"/>
+          </ac:spMkLst>
+        </pc:spChg>
+        <pc:spChg chg="mod">
+          <ac:chgData name="Jonas Vanhulst" userId="34ac1234-5592-4d7f-9994-53365d15ede3" providerId="ADAL" clId="{05C94207-FE41-4C92-949A-611D37DD235E}" dt="2024-01-16T11:39:26.320" v="384" actId="122"/>
+          <ac:spMkLst>
+            <pc:docMk/>
+            <pc:sldMk cId="684873731" sldId="356"/>
+            <ac:spMk id="3" creationId="{C1E8D879-326A-0B01-FFBE-71B3B84FF77F}"/>
+          </ac:spMkLst>
+        </pc:spChg>
+        <pc:graphicFrameChg chg="add mod">
+          <ac:chgData name="Jonas Vanhulst" userId="34ac1234-5592-4d7f-9994-53365d15ede3" providerId="ADAL" clId="{05C94207-FE41-4C92-949A-611D37DD235E}" dt="2024-01-16T11:39:32.772" v="385"/>
+          <ac:graphicFrameMkLst>
+            <pc:docMk/>
+            <pc:sldMk cId="684873731" sldId="356"/>
+            <ac:graphicFrameMk id="4" creationId="{5DDFF984-BB37-EA95-058F-175A395E44CF}"/>
+          </ac:graphicFrameMkLst>
+        </pc:graphicFrameChg>
+        <pc:picChg chg="add mod">
+          <ac:chgData name="Jonas Vanhulst" userId="34ac1234-5592-4d7f-9994-53365d15ede3" providerId="ADAL" clId="{05C94207-FE41-4C92-949A-611D37DD235E}" dt="2024-01-16T11:39:45.012" v="388"/>
+          <ac:picMkLst>
+            <pc:docMk/>
+            <pc:sldMk cId="684873731" sldId="356"/>
+            <ac:picMk id="5" creationId="{F3733FBC-2C8E-A1FE-D8EC-36390E6F5BBF}"/>
+          </ac:picMkLst>
+        </pc:picChg>
+      </pc:sldChg>
+      <pc:sldChg chg="new del">
+        <pc:chgData name="Jonas Vanhulst" userId="34ac1234-5592-4d7f-9994-53365d15ede3" providerId="ADAL" clId="{05C94207-FE41-4C92-949A-611D37DD235E}" dt="2024-01-16T11:37:04.044" v="343" actId="47"/>
+        <pc:sldMkLst>
+          <pc:docMk/>
+          <pc:sldMk cId="1626911921" sldId="356"/>
+        </pc:sldMkLst>
+      </pc:sldChg>
+      <pc:sldChg chg="addSp delSp modSp new mod modNotesTx">
+        <pc:chgData name="Jonas Vanhulst" userId="34ac1234-5592-4d7f-9994-53365d15ede3" providerId="ADAL" clId="{05C94207-FE41-4C92-949A-611D37DD235E}" dt="2024-01-17T17:57:03.865" v="1394" actId="20577"/>
+        <pc:sldMkLst>
+          <pc:docMk/>
+          <pc:sldMk cId="2496479974" sldId="357"/>
+        </pc:sldMkLst>
+        <pc:spChg chg="mod">
+          <ac:chgData name="Jonas Vanhulst" userId="34ac1234-5592-4d7f-9994-53365d15ede3" providerId="ADAL" clId="{05C94207-FE41-4C92-949A-611D37DD235E}" dt="2024-01-16T11:53:26.470" v="424" actId="20577"/>
+          <ac:spMkLst>
+            <pc:docMk/>
+            <pc:sldMk cId="2496479974" sldId="357"/>
+            <ac:spMk id="2" creationId="{798CB147-1C14-DA46-792B-D39A3CC03E3F}"/>
+          </ac:spMkLst>
+        </pc:spChg>
+        <pc:spChg chg="add mod">
+          <ac:chgData name="Jonas Vanhulst" userId="34ac1234-5592-4d7f-9994-53365d15ede3" providerId="ADAL" clId="{05C94207-FE41-4C92-949A-611D37DD235E}" dt="2024-01-17T17:28:35.517" v="1146" actId="20577"/>
+          <ac:spMkLst>
+            <pc:docMk/>
+            <pc:sldMk cId="2496479974" sldId="357"/>
+            <ac:spMk id="3" creationId="{16B05C52-C1C3-D404-8AF6-8E6ED3E87605}"/>
+          </ac:spMkLst>
+        </pc:spChg>
+        <pc:spChg chg="del">
+          <ac:chgData name="Jonas Vanhulst" userId="34ac1234-5592-4d7f-9994-53365d15ede3" providerId="ADAL" clId="{05C94207-FE41-4C92-949A-611D37DD235E}" dt="2024-01-16T11:53:29.210" v="425" actId="478"/>
+          <ac:spMkLst>
+            <pc:docMk/>
+            <pc:sldMk cId="2496479974" sldId="357"/>
+            <ac:spMk id="3" creationId="{3585F113-2D53-FA62-DC5C-7E8A5DA70312}"/>
+          </ac:spMkLst>
+        </pc:spChg>
+        <pc:spChg chg="add del">
+          <ac:chgData name="Jonas Vanhulst" userId="34ac1234-5592-4d7f-9994-53365d15ede3" providerId="ADAL" clId="{05C94207-FE41-4C92-949A-611D37DD235E}" dt="2024-01-16T11:53:46.831" v="428" actId="478"/>
+          <ac:spMkLst>
+            <pc:docMk/>
+            <pc:sldMk cId="2496479974" sldId="357"/>
+            <ac:spMk id="5" creationId="{061F6EC0-610E-8062-A71B-77D12B62FEA4}"/>
+          </ac:spMkLst>
+        </pc:spChg>
+        <pc:spChg chg="add mod ord">
+          <ac:chgData name="Jonas Vanhulst" userId="34ac1234-5592-4d7f-9994-53365d15ede3" providerId="ADAL" clId="{05C94207-FE41-4C92-949A-611D37DD235E}" dt="2024-01-16T11:54:47.650" v="469" actId="166"/>
+          <ac:spMkLst>
+            <pc:docMk/>
+            <pc:sldMk cId="2496479974" sldId="357"/>
+            <ac:spMk id="6" creationId="{FB933FBF-B6C2-1E92-17DE-9D1AC6250D77}"/>
+          </ac:spMkLst>
+        </pc:spChg>
+        <pc:spChg chg="add mod">
+          <ac:chgData name="Jonas Vanhulst" userId="34ac1234-5592-4d7f-9994-53365d15ede3" providerId="ADAL" clId="{05C94207-FE41-4C92-949A-611D37DD235E}" dt="2024-01-16T11:54:36.449" v="466" actId="208"/>
+          <ac:spMkLst>
+            <pc:docMk/>
+            <pc:sldMk cId="2496479974" sldId="357"/>
+            <ac:spMk id="7" creationId="{6F833DA5-43B4-BC91-9AE3-74B55F78E512}"/>
+          </ac:spMkLst>
+        </pc:spChg>
+        <pc:picChg chg="add mod">
+          <ac:chgData name="Jonas Vanhulst" userId="34ac1234-5592-4d7f-9994-53365d15ede3" providerId="ADAL" clId="{05C94207-FE41-4C92-949A-611D37DD235E}" dt="2024-01-16T11:53:30.092" v="426"/>
+          <ac:picMkLst>
+            <pc:docMk/>
+            <pc:sldMk cId="2496479974" sldId="357"/>
+            <ac:picMk id="4" creationId="{8235ACC8-2A97-AEF6-41F4-F2F076B0D362}"/>
+          </ac:picMkLst>
+        </pc:picChg>
+      </pc:sldChg>
+      <pc:sldMasterChg chg="delSldLayout">
+        <pc:chgData name="Jonas Vanhulst" userId="34ac1234-5592-4d7f-9994-53365d15ede3" providerId="ADAL" clId="{05C94207-FE41-4C92-949A-611D37DD235E}" dt="2024-01-16T11:39:40.594" v="387" actId="47"/>
+        <pc:sldMasterMkLst>
+          <pc:docMk/>
+          <pc:sldMasterMk cId="3439866588" sldId="2147483648"/>
+        </pc:sldMasterMkLst>
+        <pc:sldLayoutChg chg="del">
+          <pc:chgData name="Jonas Vanhulst" userId="34ac1234-5592-4d7f-9994-53365d15ede3" providerId="ADAL" clId="{05C94207-FE41-4C92-949A-611D37DD235E}" dt="2024-01-16T11:22:21.009" v="340" actId="47"/>
+          <pc:sldLayoutMkLst>
+            <pc:docMk/>
+            <pc:sldMasterMk cId="3439866588" sldId="2147483648"/>
+            <pc:sldLayoutMk cId="3516395060" sldId="2147483675"/>
+          </pc:sldLayoutMkLst>
+        </pc:sldLayoutChg>
+        <pc:sldLayoutChg chg="del">
+          <pc:chgData name="Jonas Vanhulst" userId="34ac1234-5592-4d7f-9994-53365d15ede3" providerId="ADAL" clId="{05C94207-FE41-4C92-949A-611D37DD235E}" dt="2024-01-16T11:39:40.594" v="387" actId="47"/>
+          <pc:sldLayoutMkLst>
+            <pc:docMk/>
+            <pc:sldMasterMk cId="3439866588" sldId="2147483648"/>
+            <pc:sldLayoutMk cId="1348538950" sldId="2147483676"/>
+          </pc:sldLayoutMkLst>
+        </pc:sldLayoutChg>
+      </pc:sldMasterChg>
+    </pc:docChg>
+  </pc:docChgLst>
+  <pc:docChgLst>
+    <pc:chgData name="Jasper Maes" userId="9a0302ae-031c-4350-9607-bc09bebdd69f" providerId="ADAL" clId="{A4C99A40-4834-4D31-A5E5-808AF16CD054}"/>
+    <pc:docChg chg="custSel modSld">
+      <pc:chgData name="Jasper Maes" userId="9a0302ae-031c-4350-9607-bc09bebdd69f" providerId="ADAL" clId="{A4C99A40-4834-4D31-A5E5-808AF16CD054}" dt="2024-05-28T14:12:45.686" v="42" actId="20577"/>
+      <pc:docMkLst>
+        <pc:docMk/>
+      </pc:docMkLst>
+      <pc:sldChg chg="modNotesTx">
+        <pc:chgData name="Jasper Maes" userId="9a0302ae-031c-4350-9607-bc09bebdd69f" providerId="ADAL" clId="{A4C99A40-4834-4D31-A5E5-808AF16CD054}" dt="2024-05-28T14:12:00.266" v="7" actId="20577"/>
+        <pc:sldMkLst>
+          <pc:docMk/>
+          <pc:sldMk cId="2136152480" sldId="256"/>
+        </pc:sldMkLst>
+      </pc:sldChg>
+      <pc:sldChg chg="modNotesTx">
+        <pc:chgData name="Jasper Maes" userId="9a0302ae-031c-4350-9607-bc09bebdd69f" providerId="ADAL" clId="{A4C99A40-4834-4D31-A5E5-808AF16CD054}" dt="2024-05-28T14:12:04.720" v="9" actId="20577"/>
+        <pc:sldMkLst>
+          <pc:docMk/>
+          <pc:sldMk cId="966543752" sldId="257"/>
+        </pc:sldMkLst>
+      </pc:sldChg>
+      <pc:sldChg chg="modNotesTx">
+        <pc:chgData name="Jasper Maes" userId="9a0302ae-031c-4350-9607-bc09bebdd69f" providerId="ADAL" clId="{A4C99A40-4834-4D31-A5E5-808AF16CD054}" dt="2024-05-28T14:12:15.885" v="21" actId="20577"/>
+        <pc:sldMkLst>
+          <pc:docMk/>
+          <pc:sldMk cId="4059836870" sldId="259"/>
+        </pc:sldMkLst>
+      </pc:sldChg>
+      <pc:sldChg chg="modNotesTx">
+        <pc:chgData name="Jasper Maes" userId="9a0302ae-031c-4350-9607-bc09bebdd69f" providerId="ADAL" clId="{A4C99A40-4834-4D31-A5E5-808AF16CD054}" dt="2024-05-28T14:12:29.270" v="27" actId="20577"/>
+        <pc:sldMkLst>
+          <pc:docMk/>
+          <pc:sldMk cId="1010822317" sldId="263"/>
+        </pc:sldMkLst>
+      </pc:sldChg>
+      <pc:sldChg chg="modNotesTx">
+        <pc:chgData name="Jasper Maes" userId="9a0302ae-031c-4350-9607-bc09bebdd69f" providerId="ADAL" clId="{A4C99A40-4834-4D31-A5E5-808AF16CD054}" dt="2024-05-28T14:12:19.558" v="23" actId="20577"/>
+        <pc:sldMkLst>
+          <pc:docMk/>
+          <pc:sldMk cId="2113820685" sldId="265"/>
+        </pc:sldMkLst>
+      </pc:sldChg>
+      <pc:sldChg chg="modNotesTx">
+        <pc:chgData name="Jasper Maes" userId="9a0302ae-031c-4350-9607-bc09bebdd69f" providerId="ADAL" clId="{A4C99A40-4834-4D31-A5E5-808AF16CD054}" dt="2024-05-28T14:12:45.686" v="42" actId="20577"/>
+        <pc:sldMkLst>
+          <pc:docMk/>
+          <pc:sldMk cId="247319184" sldId="266"/>
+        </pc:sldMkLst>
+      </pc:sldChg>
+      <pc:sldChg chg="modNotesTx">
+        <pc:chgData name="Jasper Maes" userId="9a0302ae-031c-4350-9607-bc09bebdd69f" providerId="ADAL" clId="{A4C99A40-4834-4D31-A5E5-808AF16CD054}" dt="2024-05-28T14:12:33.161" v="29" actId="20577"/>
+        <pc:sldMkLst>
+          <pc:docMk/>
+          <pc:sldMk cId="2640774921" sldId="267"/>
+        </pc:sldMkLst>
+      </pc:sldChg>
+      <pc:sldChg chg="modNotesTx">
+        <pc:chgData name="Jasper Maes" userId="9a0302ae-031c-4350-9607-bc09bebdd69f" providerId="ADAL" clId="{A4C99A40-4834-4D31-A5E5-808AF16CD054}" dt="2024-05-28T14:12:37.018" v="31" actId="20577"/>
+        <pc:sldMkLst>
+          <pc:docMk/>
+          <pc:sldMk cId="1502954539" sldId="268"/>
+        </pc:sldMkLst>
+      </pc:sldChg>
+      <pc:sldChg chg="modNotesTx">
+        <pc:chgData name="Jasper Maes" userId="9a0302ae-031c-4350-9607-bc09bebdd69f" providerId="ADAL" clId="{A4C99A40-4834-4D31-A5E5-808AF16CD054}" dt="2024-05-28T14:12:23.331" v="25" actId="20577"/>
+        <pc:sldMkLst>
+          <pc:docMk/>
+          <pc:sldMk cId="1212678777" sldId="269"/>
+        </pc:sldMkLst>
+      </pc:sldChg>
+    </pc:docChg>
+  </pc:docChgLst>
+  <pc:docChgLst>
     <pc:chgData name="Jonas Vanhulst" userId="34ac1234-5592-4d7f-9994-53365d15ede3" providerId="ADAL" clId="{12E3314B-7CBC-43D3-B662-D16DF46C8673}"/>
     <pc:docChg chg="undo custSel addSld delSld modSld">
       <pc:chgData name="Jonas Vanhulst" userId="34ac1234-5592-4d7f-9994-53365d15ede3" providerId="ADAL" clId="{12E3314B-7CBC-43D3-B662-D16DF46C8673}" dt="2024-03-26T17:53:11.693" v="234" actId="47"/>
@@ -4283,7 +4604,7 @@
             <a:defRPr cap="all"/>
           </a:pPr>
           <a:r>
-            <a:rPr lang="en-US" dirty="0"/>
+            <a:rPr lang="en-US"/>
             <a:t>Project </a:t>
           </a:r>
         </a:p>
@@ -4367,7 +4688,7 @@
             <a:defRPr cap="all"/>
           </a:pPr>
           <a:r>
-            <a:rPr lang="en-US" dirty="0"/>
+            <a:rPr lang="en-US"/>
             <a:t>Components</a:t>
           </a:r>
         </a:p>
@@ -4410,7 +4731,7 @@
           </a:pPr>
           <a:r>
             <a:rPr lang="en-US"/>
-            <a:t>Demos</a:t>
+            <a:t>Demo</a:t>
           </a:r>
         </a:p>
       </dgm:t>
@@ -4732,14 +5053,14 @@
         <a:lstStyle/>
         <a:p>
           <a:r>
-            <a:rPr lang="nl-BE" dirty="0" err="1"/>
+            <a:rPr lang="nl-BE" err="1"/>
             <a:t>Analog</a:t>
           </a:r>
-          <a:endParaRPr lang="nl-BE" dirty="0"/>
+          <a:endParaRPr lang="nl-BE"/>
         </a:p>
         <a:p>
           <a:r>
-            <a:rPr lang="nl-BE" dirty="0"/>
+            <a:rPr lang="nl-BE"/>
             <a:t>10-80cm</a:t>
           </a:r>
         </a:p>
@@ -4775,16 +5096,16 @@
         <a:lstStyle/>
         <a:p>
           <a:r>
-            <a:rPr lang="nl-BE" dirty="0" err="1"/>
+            <a:rPr lang="nl-BE" err="1"/>
             <a:t>Individual</a:t>
           </a:r>
           <a:r>
-            <a:rPr lang="nl-BE" dirty="0"/>
+            <a:rPr lang="nl-BE"/>
             <a:t> pixels</a:t>
           </a:r>
         </a:p>
         <a:p>
-          <a:endParaRPr lang="en-BE" dirty="0"/>
+          <a:endParaRPr lang="en-BE"/>
         </a:p>
       </dgm:t>
     </dgm:pt>
@@ -4818,17 +5139,17 @@
         <a:lstStyle/>
         <a:p>
           <a:r>
-            <a:rPr lang="nl-BE" dirty="0" err="1"/>
+            <a:rPr lang="nl-BE" err="1"/>
             <a:t>Analog</a:t>
           </a:r>
           <a:br>
-            <a:rPr lang="nl-BE" dirty="0"/>
+            <a:rPr lang="nl-BE"/>
           </a:br>
           <a:r>
-            <a:rPr lang="nl-BE" dirty="0"/>
+            <a:rPr lang="nl-BE"/>
             <a:t>15cm – 6.45m</a:t>
           </a:r>
-          <a:endParaRPr lang="en-BE" dirty="0"/>
+          <a:endParaRPr lang="en-BE"/>
         </a:p>
       </dgm:t>
     </dgm:pt>
@@ -4862,21 +5183,21 @@
         <a:lstStyle/>
         <a:p>
           <a:r>
-            <a:rPr lang="nl-BE" dirty="0" err="1"/>
+            <a:rPr lang="nl-BE" err="1"/>
             <a:t>Analog</a:t>
           </a:r>
           <a:r>
-            <a:rPr lang="nl-BE" dirty="0"/>
+            <a:rPr lang="nl-BE"/>
             <a:t> </a:t>
           </a:r>
           <a:br>
-            <a:rPr lang="nl-BE" dirty="0"/>
+            <a:rPr lang="nl-BE"/>
           </a:br>
           <a:r>
-            <a:rPr lang="nl-BE" dirty="0"/>
+            <a:rPr lang="nl-BE"/>
             <a:t>35cm – 6m</a:t>
           </a:r>
-          <a:endParaRPr lang="en-BE" dirty="0"/>
+          <a:endParaRPr lang="en-BE"/>
         </a:p>
       </dgm:t>
     </dgm:pt>
@@ -5134,7 +5455,7 @@
   <dgm:whole/>
   <dgm:extLst>
     <a:ext uri="http://schemas.microsoft.com/office/drawing/2008/diagram">
-      <dsp:dataModelExt xmlns:dsp="http://schemas.microsoft.com/office/drawing/2008/diagram" relId="rId6" minVer="http://schemas.openxmlformats.org/drawingml/2006/diagram"/>
+      <dsp:dataModelExt xmlns:dsp="http://schemas.microsoft.com/office/drawing/2008/diagram" relId="rId7" minVer="http://schemas.openxmlformats.org/drawingml/2006/diagram"/>
     </a:ext>
   </dgm:extLst>
 </dgm:dataModel>
@@ -5461,7 +5782,7 @@
             <a:defRPr cap="all"/>
           </a:pPr>
           <a:r>
-            <a:rPr lang="en-US" sz="3100" kern="1200" dirty="0"/>
+            <a:rPr lang="en-US" sz="3100" kern="1200"/>
             <a:t>Project </a:t>
           </a:r>
         </a:p>
@@ -5623,7 +5944,7 @@
             <a:defRPr cap="all"/>
           </a:pPr>
           <a:r>
-            <a:rPr lang="en-US" sz="3100" kern="1200" dirty="0"/>
+            <a:rPr lang="en-US" sz="3100" kern="1200"/>
             <a:t>Components</a:t>
           </a:r>
         </a:p>
@@ -5785,7 +6106,7 @@
           </a:pPr>
           <a:r>
             <a:rPr lang="en-US" sz="3100" kern="1200"/>
-            <a:t>Demos</a:t>
+            <a:t>Demo</a:t>
           </a:r>
         </a:p>
       </dsp:txBody>
@@ -5996,10 +6317,10 @@
             <a:buNone/>
           </a:pPr>
           <a:r>
-            <a:rPr lang="nl-BE" sz="3100" kern="1200" dirty="0" err="1"/>
+            <a:rPr lang="nl-BE" sz="3100" kern="1200" err="1"/>
             <a:t>Analog</a:t>
           </a:r>
-          <a:endParaRPr lang="nl-BE" sz="3100" kern="1200" dirty="0"/>
+          <a:endParaRPr lang="nl-BE" sz="3100" kern="1200"/>
         </a:p>
         <a:p>
           <a:pPr marL="0" lvl="0" indent="0" algn="ctr" defTabSz="1377950">
@@ -6015,7 +6336,7 @@
             <a:buNone/>
           </a:pPr>
           <a:r>
-            <a:rPr lang="nl-BE" sz="3100" kern="1200" dirty="0"/>
+            <a:rPr lang="nl-BE" sz="3100" kern="1200"/>
             <a:t>10-80cm</a:t>
           </a:r>
         </a:p>
@@ -6162,11 +6483,11 @@
             <a:buNone/>
           </a:pPr>
           <a:r>
-            <a:rPr lang="nl-BE" sz="3100" kern="1200" dirty="0" err="1"/>
+            <a:rPr lang="nl-BE" sz="3100" kern="1200" err="1"/>
             <a:t>Individual</a:t>
           </a:r>
           <a:r>
-            <a:rPr lang="nl-BE" sz="3100" kern="1200" dirty="0"/>
+            <a:rPr lang="nl-BE" sz="3100" kern="1200"/>
             <a:t> pixels</a:t>
           </a:r>
         </a:p>
@@ -6183,7 +6504,7 @@
             </a:spcAft>
             <a:buNone/>
           </a:pPr>
-          <a:endParaRPr lang="en-BE" sz="3100" kern="1200" dirty="0"/>
+          <a:endParaRPr lang="en-BE" sz="3100" kern="1200"/>
         </a:p>
       </dsp:txBody>
       <dsp:txXfrm rot="10800000">
@@ -6328,17 +6649,17 @@
             <a:buNone/>
           </a:pPr>
           <a:r>
-            <a:rPr lang="nl-BE" sz="3100" kern="1200" dirty="0" err="1"/>
+            <a:rPr lang="nl-BE" sz="3100" kern="1200" err="1"/>
             <a:t>Analog</a:t>
           </a:r>
           <a:br>
-            <a:rPr lang="nl-BE" sz="3100" kern="1200" dirty="0"/>
+            <a:rPr lang="nl-BE" sz="3100" kern="1200"/>
           </a:br>
           <a:r>
-            <a:rPr lang="nl-BE" sz="3100" kern="1200" dirty="0"/>
+            <a:rPr lang="nl-BE" sz="3100" kern="1200"/>
             <a:t>15cm – 6.45m</a:t>
           </a:r>
-          <a:endParaRPr lang="en-BE" sz="3100" kern="1200" dirty="0"/>
+          <a:endParaRPr lang="en-BE" sz="3100" kern="1200"/>
         </a:p>
       </dsp:txBody>
       <dsp:txXfrm rot="10800000">
@@ -6474,21 +6795,21 @@
             <a:buNone/>
           </a:pPr>
           <a:r>
-            <a:rPr lang="nl-BE" sz="3100" kern="1200" dirty="0" err="1"/>
+            <a:rPr lang="nl-BE" sz="3100" kern="1200" err="1"/>
             <a:t>Analog</a:t>
           </a:r>
           <a:r>
-            <a:rPr lang="nl-BE" sz="3100" kern="1200" dirty="0"/>
+            <a:rPr lang="nl-BE" sz="3100" kern="1200"/>
             <a:t> </a:t>
           </a:r>
           <a:br>
-            <a:rPr lang="nl-BE" sz="3100" kern="1200" dirty="0"/>
+            <a:rPr lang="nl-BE" sz="3100" kern="1200"/>
           </a:br>
           <a:r>
-            <a:rPr lang="nl-BE" sz="3100" kern="1200" dirty="0"/>
+            <a:rPr lang="nl-BE" sz="3100" kern="1200"/>
             <a:t>35cm – 6m</a:t>
           </a:r>
-          <a:endParaRPr lang="en-BE" sz="3100" kern="1200" dirty="0"/>
+          <a:endParaRPr lang="en-BE" sz="3100" kern="1200"/>
         </a:p>
       </dsp:txBody>
       <dsp:txXfrm rot="10800000">
@@ -9035,7 +9356,7 @@
             </a:lvl1pPr>
           </a:lstStyle>
           <a:p>
-            <a:endParaRPr lang="nl-NL" dirty="0"/>
+            <a:endParaRPr lang="nl-NL"/>
           </a:p>
         </p:txBody>
       </p:sp>
@@ -9071,9 +9392,9 @@
             <a:fld id="{70DE778B-9043-6640-BE32-D65768C6815F}" type="datetimeFigureOut">
               <a:rPr lang="nl-NL" smtClean="0"/>
               <a:pPr/>
-              <a:t>24-5-2024</a:t>
+              <a:t>28-5-2024</a:t>
             </a:fld>
-            <a:endParaRPr lang="nl-NL" dirty="0"/>
+            <a:endParaRPr lang="nl-NL"/>
           </a:p>
         </p:txBody>
       </p:sp>
@@ -9106,7 +9427,7 @@
           <a:bodyPr vert="horz" lIns="91440" tIns="45720" rIns="91440" bIns="45720" rtlCol="0" anchor="ctr"/>
           <a:lstStyle/>
           <a:p>
-            <a:endParaRPr lang="nl-NL" dirty="0"/>
+            <a:endParaRPr lang="nl-NL"/>
           </a:p>
         </p:txBody>
       </p:sp>
@@ -9135,35 +9456,35 @@
           <a:p>
             <a:pPr lvl="0"/>
             <a:r>
-              <a:rPr lang="nl-NL" dirty="0"/>
+              <a:rPr lang="nl-NL"/>
               <a:t>Klikken om de tekststijl van het model te bewerken</a:t>
             </a:r>
           </a:p>
           <a:p>
             <a:pPr lvl="1"/>
             <a:r>
-              <a:rPr lang="nl-NL" dirty="0"/>
+              <a:rPr lang="nl-NL"/>
               <a:t>Tweede niveau</a:t>
             </a:r>
           </a:p>
           <a:p>
             <a:pPr lvl="2"/>
             <a:r>
-              <a:rPr lang="nl-NL" dirty="0"/>
+              <a:rPr lang="nl-NL"/>
               <a:t>Derde niveau</a:t>
             </a:r>
           </a:p>
           <a:p>
             <a:pPr lvl="3"/>
             <a:r>
-              <a:rPr lang="nl-NL" dirty="0"/>
+              <a:rPr lang="nl-NL"/>
               <a:t>Vierde niveau</a:t>
             </a:r>
           </a:p>
           <a:p>
             <a:pPr lvl="4"/>
             <a:r>
-              <a:rPr lang="nl-NL" dirty="0"/>
+              <a:rPr lang="nl-NL"/>
               <a:t>Vijfde niveau</a:t>
             </a:r>
           </a:p>
@@ -9198,7 +9519,7 @@
             </a:lvl1pPr>
           </a:lstStyle>
           <a:p>
-            <a:endParaRPr lang="nl-NL" dirty="0"/>
+            <a:endParaRPr lang="nl-NL"/>
           </a:p>
         </p:txBody>
       </p:sp>
@@ -9234,9 +9555,9 @@
             <a:fld id="{06CED714-CD51-CB44-B8E3-B61CCFEF6695}" type="slidenum">
               <a:rPr lang="nl-NL" smtClean="0"/>
               <a:pPr/>
-              <a:t>‹nr.›</a:t>
+              <a:t>‹#›</a:t>
             </a:fld>
-            <a:endParaRPr lang="nl-NL" dirty="0"/>
+            <a:endParaRPr lang="nl-NL"/>
           </a:p>
         </p:txBody>
       </p:sp>
@@ -9388,10 +9709,10 @@
           <a:lstStyle/>
           <a:p>
             <a:r>
-              <a:rPr lang="nl-BE" dirty="0"/>
-              <a:t>Dries</a:t>
+              <a:rPr lang="nl-BE"/>
+              <a:t>jas</a:t>
             </a:r>
-            <a:endParaRPr lang="en-BE" dirty="0"/>
+            <a:endParaRPr lang="en-BE"/>
           </a:p>
         </p:txBody>
       </p:sp>
@@ -9415,7 +9736,7 @@
               <a:pPr/>
               <a:t>1</a:t>
             </a:fld>
-            <a:endParaRPr lang="nl-NL" dirty="0"/>
+            <a:endParaRPr lang="nl-NL"/>
           </a:p>
         </p:txBody>
       </p:sp>
@@ -9477,10 +9798,10 @@
           <a:lstStyle/>
           <a:p>
             <a:r>
-              <a:rPr lang="nl-BE" dirty="0"/>
-              <a:t>Dries</a:t>
+              <a:rPr lang="nl-BE"/>
+              <a:t>jo</a:t>
             </a:r>
-            <a:endParaRPr lang="en-BE" dirty="0"/>
+            <a:endParaRPr lang="en-BE"/>
           </a:p>
         </p:txBody>
       </p:sp>
@@ -9504,7 +9825,7 @@
               <a:pPr/>
               <a:t>2</a:t>
             </a:fld>
-            <a:endParaRPr lang="nl-NL" dirty="0"/>
+            <a:endParaRPr lang="nl-NL"/>
           </a:p>
         </p:txBody>
       </p:sp>
@@ -9565,7 +9886,11 @@
           <a:bodyPr/>
           <a:lstStyle/>
           <a:p>
-            <a:endParaRPr lang="en-BE" dirty="0"/>
+            <a:r>
+              <a:rPr lang="en-US"/>
+              <a:t>beide</a:t>
+            </a:r>
+            <a:endParaRPr lang="en-BE"/>
           </a:p>
         </p:txBody>
       </p:sp>
@@ -9589,7 +9914,7 @@
               <a:pPr/>
               <a:t>3</a:t>
             </a:fld>
-            <a:endParaRPr lang="nl-NL" dirty="0"/>
+            <a:endParaRPr lang="nl-NL"/>
           </a:p>
         </p:txBody>
       </p:sp>
@@ -9607,6 +9932,184 @@
 </file>
 
 <file path=ppt/notesSlides/notesSlide4.xml><?xml version="1.0" encoding="utf-8"?>
+<p:notes xmlns:a="http://schemas.openxmlformats.org/drawingml/2006/main" xmlns:r="http://schemas.openxmlformats.org/officeDocument/2006/relationships" xmlns:p="http://schemas.openxmlformats.org/presentationml/2006/main">
+  <p:cSld>
+    <p:spTree>
+      <p:nvGrpSpPr>
+        <p:cNvPr id="1" name=""/>
+        <p:cNvGrpSpPr/>
+        <p:nvPr/>
+      </p:nvGrpSpPr>
+      <p:grpSpPr>
+        <a:xfrm>
+          <a:off x="0" y="0"/>
+          <a:ext cx="0" cy="0"/>
+          <a:chOff x="0" y="0"/>
+          <a:chExt cx="0" cy="0"/>
+        </a:xfrm>
+      </p:grpSpPr>
+      <p:sp>
+        <p:nvSpPr>
+          <p:cNvPr id="2" name="Slide Image Placeholder 1"/>
+          <p:cNvSpPr>
+            <a:spLocks noGrp="1" noRot="1" noChangeAspect="1"/>
+          </p:cNvSpPr>
+          <p:nvPr>
+            <p:ph type="sldImg"/>
+          </p:nvPr>
+        </p:nvSpPr>
+        <p:spPr/>
+      </p:sp>
+      <p:sp>
+        <p:nvSpPr>
+          <p:cNvPr id="3" name="Notes Placeholder 2"/>
+          <p:cNvSpPr>
+            <a:spLocks noGrp="1"/>
+          </p:cNvSpPr>
+          <p:nvPr>
+            <p:ph type="body" idx="1"/>
+          </p:nvPr>
+        </p:nvSpPr>
+        <p:spPr/>
+        <p:txBody>
+          <a:bodyPr/>
+          <a:lstStyle/>
+          <a:p>
+            <a:r>
+              <a:rPr lang="en-US"/>
+              <a:t>jo</a:t>
+            </a:r>
+            <a:endParaRPr lang="en-BE"/>
+          </a:p>
+        </p:txBody>
+      </p:sp>
+      <p:sp>
+        <p:nvSpPr>
+          <p:cNvPr id="4" name="Slide Number Placeholder 3"/>
+          <p:cNvSpPr>
+            <a:spLocks noGrp="1"/>
+          </p:cNvSpPr>
+          <p:nvPr>
+            <p:ph type="sldNum" sz="quarter" idx="5"/>
+          </p:nvPr>
+        </p:nvSpPr>
+        <p:spPr/>
+        <p:txBody>
+          <a:bodyPr/>
+          <a:lstStyle/>
+          <a:p>
+            <a:fld id="{06CED714-CD51-CB44-B8E3-B61CCFEF6695}" type="slidenum">
+              <a:rPr lang="nl-NL" smtClean="0"/>
+              <a:pPr/>
+              <a:t>4</a:t>
+            </a:fld>
+            <a:endParaRPr lang="nl-NL"/>
+          </a:p>
+        </p:txBody>
+      </p:sp>
+    </p:spTree>
+    <p:extLst>
+      <p:ext uri="{BB962C8B-B14F-4D97-AF65-F5344CB8AC3E}">
+        <p14:creationId xmlns:p14="http://schemas.microsoft.com/office/powerpoint/2010/main" val="2057247977"/>
+      </p:ext>
+    </p:extLst>
+  </p:cSld>
+  <p:clrMapOvr>
+    <a:masterClrMapping/>
+  </p:clrMapOvr>
+</p:notes>
+</file>
+
+<file path=ppt/notesSlides/notesSlide5.xml><?xml version="1.0" encoding="utf-8"?>
+<p:notes xmlns:a="http://schemas.openxmlformats.org/drawingml/2006/main" xmlns:r="http://schemas.openxmlformats.org/officeDocument/2006/relationships" xmlns:p="http://schemas.openxmlformats.org/presentationml/2006/main">
+  <p:cSld>
+    <p:spTree>
+      <p:nvGrpSpPr>
+        <p:cNvPr id="1" name=""/>
+        <p:cNvGrpSpPr/>
+        <p:nvPr/>
+      </p:nvGrpSpPr>
+      <p:grpSpPr>
+        <a:xfrm>
+          <a:off x="0" y="0"/>
+          <a:ext cx="0" cy="0"/>
+          <a:chOff x="0" y="0"/>
+          <a:chExt cx="0" cy="0"/>
+        </a:xfrm>
+      </p:grpSpPr>
+      <p:sp>
+        <p:nvSpPr>
+          <p:cNvPr id="2" name="Slide Image Placeholder 1"/>
+          <p:cNvSpPr>
+            <a:spLocks noGrp="1" noRot="1" noChangeAspect="1"/>
+          </p:cNvSpPr>
+          <p:nvPr>
+            <p:ph type="sldImg"/>
+          </p:nvPr>
+        </p:nvSpPr>
+        <p:spPr/>
+      </p:sp>
+      <p:sp>
+        <p:nvSpPr>
+          <p:cNvPr id="3" name="Notes Placeholder 2"/>
+          <p:cNvSpPr>
+            <a:spLocks noGrp="1"/>
+          </p:cNvSpPr>
+          <p:nvPr>
+            <p:ph type="body" idx="1"/>
+          </p:nvPr>
+        </p:nvSpPr>
+        <p:spPr/>
+        <p:txBody>
+          <a:bodyPr/>
+          <a:lstStyle/>
+          <a:p>
+            <a:r>
+              <a:rPr lang="en-US"/>
+              <a:t>ja</a:t>
+            </a:r>
+            <a:endParaRPr lang="en-BE"/>
+          </a:p>
+        </p:txBody>
+      </p:sp>
+      <p:sp>
+        <p:nvSpPr>
+          <p:cNvPr id="4" name="Slide Number Placeholder 3"/>
+          <p:cNvSpPr>
+            <a:spLocks noGrp="1"/>
+          </p:cNvSpPr>
+          <p:nvPr>
+            <p:ph type="sldNum" sz="quarter" idx="5"/>
+          </p:nvPr>
+        </p:nvSpPr>
+        <p:spPr/>
+        <p:txBody>
+          <a:bodyPr/>
+          <a:lstStyle/>
+          <a:p>
+            <a:fld id="{06CED714-CD51-CB44-B8E3-B61CCFEF6695}" type="slidenum">
+              <a:rPr lang="nl-NL" smtClean="0"/>
+              <a:pPr/>
+              <a:t>5</a:t>
+            </a:fld>
+            <a:endParaRPr lang="nl-NL"/>
+          </a:p>
+        </p:txBody>
+      </p:sp>
+    </p:spTree>
+    <p:extLst>
+      <p:ext uri="{BB962C8B-B14F-4D97-AF65-F5344CB8AC3E}">
+        <p14:creationId xmlns:p14="http://schemas.microsoft.com/office/powerpoint/2010/main" val="3737268262"/>
+      </p:ext>
+    </p:extLst>
+  </p:cSld>
+  <p:clrMapOvr>
+    <a:masterClrMapping/>
+  </p:clrMapOvr>
+</p:notes>
+</file>
+
+<file path=ppt/notesSlides/notesSlide6.xml><?xml version="1.0" encoding="utf-8"?>
 <p:notes xmlns:a="http://schemas.openxmlformats.org/drawingml/2006/main" xmlns:r="http://schemas.openxmlformats.org/officeDocument/2006/relationships" xmlns:p="http://schemas.openxmlformats.org/presentationml/2006/main">
   <p:cSld>
     <p:spTree>
@@ -9650,7 +10153,11 @@
           <a:bodyPr/>
           <a:lstStyle/>
           <a:p>
-            <a:endParaRPr lang="en-BE" dirty="0"/>
+            <a:r>
+              <a:rPr lang="en-US"/>
+              <a:t>ja</a:t>
+            </a:r>
+            <a:endParaRPr lang="en-BE"/>
           </a:p>
         </p:txBody>
       </p:sp>
@@ -9674,7 +10181,7 @@
               <a:pPr/>
               <a:t>6</a:t>
             </a:fld>
-            <a:endParaRPr lang="nl-NL" dirty="0"/>
+            <a:endParaRPr lang="nl-NL"/>
           </a:p>
         </p:txBody>
       </p:sp>
@@ -9682,6 +10189,273 @@
     <p:extLst>
       <p:ext uri="{BB962C8B-B14F-4D97-AF65-F5344CB8AC3E}">
         <p14:creationId xmlns:p14="http://schemas.microsoft.com/office/powerpoint/2010/main" val="399710347"/>
+      </p:ext>
+    </p:extLst>
+  </p:cSld>
+  <p:clrMapOvr>
+    <a:masterClrMapping/>
+  </p:clrMapOvr>
+</p:notes>
+</file>
+
+<file path=ppt/notesSlides/notesSlide7.xml><?xml version="1.0" encoding="utf-8"?>
+<p:notes xmlns:a="http://schemas.openxmlformats.org/drawingml/2006/main" xmlns:r="http://schemas.openxmlformats.org/officeDocument/2006/relationships" xmlns:p="http://schemas.openxmlformats.org/presentationml/2006/main">
+  <p:cSld>
+    <p:spTree>
+      <p:nvGrpSpPr>
+        <p:cNvPr id="1" name=""/>
+        <p:cNvGrpSpPr/>
+        <p:nvPr/>
+      </p:nvGrpSpPr>
+      <p:grpSpPr>
+        <a:xfrm>
+          <a:off x="0" y="0"/>
+          <a:ext cx="0" cy="0"/>
+          <a:chOff x="0" y="0"/>
+          <a:chExt cx="0" cy="0"/>
+        </a:xfrm>
+      </p:grpSpPr>
+      <p:sp>
+        <p:nvSpPr>
+          <p:cNvPr id="2" name="Slide Image Placeholder 1"/>
+          <p:cNvSpPr>
+            <a:spLocks noGrp="1" noRot="1" noChangeAspect="1"/>
+          </p:cNvSpPr>
+          <p:nvPr>
+            <p:ph type="sldImg"/>
+          </p:nvPr>
+        </p:nvSpPr>
+        <p:spPr/>
+      </p:sp>
+      <p:sp>
+        <p:nvSpPr>
+          <p:cNvPr id="3" name="Notes Placeholder 2"/>
+          <p:cNvSpPr>
+            <a:spLocks noGrp="1"/>
+          </p:cNvSpPr>
+          <p:nvPr>
+            <p:ph type="body" idx="1"/>
+          </p:nvPr>
+        </p:nvSpPr>
+        <p:spPr/>
+        <p:txBody>
+          <a:bodyPr/>
+          <a:lstStyle/>
+          <a:p>
+            <a:r>
+              <a:rPr lang="en-US"/>
+              <a:t>jo</a:t>
+            </a:r>
+            <a:endParaRPr lang="en-BE"/>
+          </a:p>
+        </p:txBody>
+      </p:sp>
+      <p:sp>
+        <p:nvSpPr>
+          <p:cNvPr id="4" name="Slide Number Placeholder 3"/>
+          <p:cNvSpPr>
+            <a:spLocks noGrp="1"/>
+          </p:cNvSpPr>
+          <p:nvPr>
+            <p:ph type="sldNum" sz="quarter" idx="5"/>
+          </p:nvPr>
+        </p:nvSpPr>
+        <p:spPr/>
+        <p:txBody>
+          <a:bodyPr/>
+          <a:lstStyle/>
+          <a:p>
+            <a:fld id="{06CED714-CD51-CB44-B8E3-B61CCFEF6695}" type="slidenum">
+              <a:rPr lang="nl-NL" smtClean="0"/>
+              <a:pPr/>
+              <a:t>7</a:t>
+            </a:fld>
+            <a:endParaRPr lang="nl-NL"/>
+          </a:p>
+        </p:txBody>
+      </p:sp>
+    </p:spTree>
+    <p:extLst>
+      <p:ext uri="{BB962C8B-B14F-4D97-AF65-F5344CB8AC3E}">
+        <p14:creationId xmlns:p14="http://schemas.microsoft.com/office/powerpoint/2010/main" val="1670210803"/>
+      </p:ext>
+    </p:extLst>
+  </p:cSld>
+  <p:clrMapOvr>
+    <a:masterClrMapping/>
+  </p:clrMapOvr>
+</p:notes>
+</file>
+
+<file path=ppt/notesSlides/notesSlide8.xml><?xml version="1.0" encoding="utf-8"?>
+<p:notes xmlns:a="http://schemas.openxmlformats.org/drawingml/2006/main" xmlns:r="http://schemas.openxmlformats.org/officeDocument/2006/relationships" xmlns:p="http://schemas.openxmlformats.org/presentationml/2006/main">
+  <p:cSld>
+    <p:spTree>
+      <p:nvGrpSpPr>
+        <p:cNvPr id="1" name=""/>
+        <p:cNvGrpSpPr/>
+        <p:nvPr/>
+      </p:nvGrpSpPr>
+      <p:grpSpPr>
+        <a:xfrm>
+          <a:off x="0" y="0"/>
+          <a:ext cx="0" cy="0"/>
+          <a:chOff x="0" y="0"/>
+          <a:chExt cx="0" cy="0"/>
+        </a:xfrm>
+      </p:grpSpPr>
+      <p:sp>
+        <p:nvSpPr>
+          <p:cNvPr id="2" name="Slide Image Placeholder 1"/>
+          <p:cNvSpPr>
+            <a:spLocks noGrp="1" noRot="1" noChangeAspect="1"/>
+          </p:cNvSpPr>
+          <p:nvPr>
+            <p:ph type="sldImg"/>
+          </p:nvPr>
+        </p:nvSpPr>
+        <p:spPr/>
+      </p:sp>
+      <p:sp>
+        <p:nvSpPr>
+          <p:cNvPr id="3" name="Notes Placeholder 2"/>
+          <p:cNvSpPr>
+            <a:spLocks noGrp="1"/>
+          </p:cNvSpPr>
+          <p:nvPr>
+            <p:ph type="body" idx="1"/>
+          </p:nvPr>
+        </p:nvSpPr>
+        <p:spPr/>
+        <p:txBody>
+          <a:bodyPr/>
+          <a:lstStyle/>
+          <a:p>
+            <a:r>
+              <a:rPr lang="en-US"/>
+              <a:t>jo</a:t>
+            </a:r>
+            <a:endParaRPr lang="en-BE"/>
+          </a:p>
+        </p:txBody>
+      </p:sp>
+      <p:sp>
+        <p:nvSpPr>
+          <p:cNvPr id="4" name="Slide Number Placeholder 3"/>
+          <p:cNvSpPr>
+            <a:spLocks noGrp="1"/>
+          </p:cNvSpPr>
+          <p:nvPr>
+            <p:ph type="sldNum" sz="quarter" idx="5"/>
+          </p:nvPr>
+        </p:nvSpPr>
+        <p:spPr/>
+        <p:txBody>
+          <a:bodyPr/>
+          <a:lstStyle/>
+          <a:p>
+            <a:fld id="{06CED714-CD51-CB44-B8E3-B61CCFEF6695}" type="slidenum">
+              <a:rPr lang="nl-NL" smtClean="0"/>
+              <a:pPr/>
+              <a:t>8</a:t>
+            </a:fld>
+            <a:endParaRPr lang="nl-NL"/>
+          </a:p>
+        </p:txBody>
+      </p:sp>
+    </p:spTree>
+    <p:extLst>
+      <p:ext uri="{BB962C8B-B14F-4D97-AF65-F5344CB8AC3E}">
+        <p14:creationId xmlns:p14="http://schemas.microsoft.com/office/powerpoint/2010/main" val="3033767642"/>
+      </p:ext>
+    </p:extLst>
+  </p:cSld>
+  <p:clrMapOvr>
+    <a:masterClrMapping/>
+  </p:clrMapOvr>
+</p:notes>
+</file>
+
+<file path=ppt/notesSlides/notesSlide9.xml><?xml version="1.0" encoding="utf-8"?>
+<p:notes xmlns:a="http://schemas.openxmlformats.org/drawingml/2006/main" xmlns:r="http://schemas.openxmlformats.org/officeDocument/2006/relationships" xmlns:p="http://schemas.openxmlformats.org/presentationml/2006/main">
+  <p:cSld>
+    <p:spTree>
+      <p:nvGrpSpPr>
+        <p:cNvPr id="1" name=""/>
+        <p:cNvGrpSpPr/>
+        <p:nvPr/>
+      </p:nvGrpSpPr>
+      <p:grpSpPr>
+        <a:xfrm>
+          <a:off x="0" y="0"/>
+          <a:ext cx="0" cy="0"/>
+          <a:chOff x="0" y="0"/>
+          <a:chExt cx="0" cy="0"/>
+        </a:xfrm>
+      </p:grpSpPr>
+      <p:sp>
+        <p:nvSpPr>
+          <p:cNvPr id="2" name="Slide Image Placeholder 1"/>
+          <p:cNvSpPr>
+            <a:spLocks noGrp="1" noRot="1" noChangeAspect="1"/>
+          </p:cNvSpPr>
+          <p:nvPr>
+            <p:ph type="sldImg"/>
+          </p:nvPr>
+        </p:nvSpPr>
+        <p:spPr/>
+      </p:sp>
+      <p:sp>
+        <p:nvSpPr>
+          <p:cNvPr id="3" name="Notes Placeholder 2"/>
+          <p:cNvSpPr>
+            <a:spLocks noGrp="1"/>
+          </p:cNvSpPr>
+          <p:nvPr>
+            <p:ph type="body" idx="1"/>
+          </p:nvPr>
+        </p:nvSpPr>
+        <p:spPr/>
+        <p:txBody>
+          <a:bodyPr/>
+          <a:lstStyle/>
+          <a:p>
+            <a:r>
+              <a:rPr lang="en-US"/>
+              <a:t>Ja &amp; beide</a:t>
+            </a:r>
+            <a:endParaRPr lang="en-BE"/>
+          </a:p>
+        </p:txBody>
+      </p:sp>
+      <p:sp>
+        <p:nvSpPr>
+          <p:cNvPr id="4" name="Slide Number Placeholder 3"/>
+          <p:cNvSpPr>
+            <a:spLocks noGrp="1"/>
+          </p:cNvSpPr>
+          <p:nvPr>
+            <p:ph type="sldNum" sz="quarter" idx="5"/>
+          </p:nvPr>
+        </p:nvSpPr>
+        <p:spPr/>
+        <p:txBody>
+          <a:bodyPr/>
+          <a:lstStyle/>
+          <a:p>
+            <a:fld id="{06CED714-CD51-CB44-B8E3-B61CCFEF6695}" type="slidenum">
+              <a:rPr lang="nl-NL" smtClean="0"/>
+              <a:pPr/>
+              <a:t>9</a:t>
+            </a:fld>
+            <a:endParaRPr lang="nl-NL"/>
+          </a:p>
+        </p:txBody>
+      </p:sp>
+    </p:spTree>
+    <p:extLst>
+      <p:ext uri="{BB962C8B-B14F-4D97-AF65-F5344CB8AC3E}">
+        <p14:creationId xmlns:p14="http://schemas.microsoft.com/office/powerpoint/2010/main" val="1492799574"/>
       </p:ext>
     </p:extLst>
   </p:cSld>
@@ -9779,17 +10553,17 @@
           </a:lstStyle>
           <a:p>
             <a:r>
-              <a:rPr lang="nl-NL" dirty="0"/>
+              <a:rPr lang="nl-NL"/>
               <a:t>Klik om </a:t>
             </a:r>
             <a:br>
-              <a:rPr lang="nl-NL" dirty="0"/>
+              <a:rPr lang="nl-NL"/>
             </a:br>
             <a:r>
-              <a:rPr lang="nl-NL" dirty="0"/>
+              <a:rPr lang="nl-NL"/>
               <a:t>de stijl te bewerken</a:t>
             </a:r>
-            <a:endParaRPr lang="nl-BE" dirty="0"/>
+            <a:endParaRPr lang="nl-BE"/>
           </a:p>
         </p:txBody>
       </p:sp>
@@ -9879,18 +10653,18 @@
           </a:lstStyle>
           <a:p>
             <a:r>
-              <a:rPr lang="nl-NL" dirty="0"/>
+              <a:rPr lang="nl-NL"/>
               <a:t>Klik om de ondertitelstijl van het model te bewerken</a:t>
             </a:r>
           </a:p>
           <a:p>
-            <a:endParaRPr lang="nl-NL" dirty="0"/>
+            <a:endParaRPr lang="nl-NL"/>
           </a:p>
           <a:p>
-            <a:endParaRPr lang="nl-NL" dirty="0"/>
+            <a:endParaRPr lang="nl-NL"/>
           </a:p>
           <a:p>
-            <a:endParaRPr lang="nl-BE" dirty="0"/>
+            <a:endParaRPr lang="nl-BE"/>
           </a:p>
         </p:txBody>
       </p:sp>
@@ -10130,14 +10904,14 @@
               </a:spcBef>
             </a:pPr>
             <a:r>
-              <a:rPr lang="nl-NL" sz="1500" dirty="0"/>
+              <a:rPr lang="nl-NL" sz="1500"/>
               <a:t>Elfde-Liniestraat 24, 3500 Hasselt, </a:t>
             </a:r>
             <a:r>
-              <a:rPr lang="nl-NL" sz="1500" dirty="0" err="1"/>
+              <a:rPr lang="nl-NL" sz="1500" err="1"/>
               <a:t>www.pxl.be</a:t>
             </a:r>
-            <a:endParaRPr lang="nl-NL" sz="1500" dirty="0"/>
+            <a:endParaRPr lang="nl-NL" sz="1500"/>
           </a:p>
           <a:p>
             <a:pPr>
@@ -10148,7 +10922,7 @@
                 <a:spcPts val="0"/>
               </a:spcBef>
             </a:pPr>
-            <a:endParaRPr lang="nl-NL" sz="2000" dirty="0"/>
+            <a:endParaRPr lang="nl-NL" sz="2000"/>
           </a:p>
         </p:txBody>
       </p:sp>
@@ -10288,26 +11062,26 @@
           </a:lstStyle>
           <a:p>
             <a:r>
-              <a:rPr lang="nl-NL" dirty="0"/>
+              <a:rPr lang="nl-NL"/>
               <a:t>Eerste niveau</a:t>
             </a:r>
           </a:p>
           <a:p>
             <a:pPr lvl="1"/>
             <a:r>
-              <a:rPr lang="nl-NL" dirty="0"/>
+              <a:rPr lang="nl-NL"/>
               <a:t>Tweede niveau</a:t>
             </a:r>
           </a:p>
           <a:p>
             <a:pPr lvl="2"/>
             <a:r>
-              <a:rPr lang="nl-NL" dirty="0"/>
+              <a:rPr lang="nl-NL"/>
               <a:t>Derde niveau</a:t>
             </a:r>
           </a:p>
           <a:p>
-            <a:endParaRPr lang="nl-BE" dirty="0"/>
+            <a:endParaRPr lang="nl-BE"/>
           </a:p>
         </p:txBody>
       </p:sp>
@@ -10341,10 +11115,10 @@
           </a:lstStyle>
           <a:p>
             <a:r>
-              <a:rPr lang="nl-NL" dirty="0"/>
+              <a:rPr lang="nl-NL"/>
               <a:t>Klik om de stijl te bewerken</a:t>
             </a:r>
-            <a:endParaRPr lang="nl-BE" dirty="0"/>
+            <a:endParaRPr lang="nl-BE"/>
           </a:p>
         </p:txBody>
       </p:sp>
@@ -10533,10 +11307,10 @@
           </a:lstStyle>
           <a:p>
             <a:r>
-              <a:rPr lang="nl-NL" dirty="0"/>
+              <a:rPr lang="nl-NL"/>
               <a:t>Klik om de stijl te bewerken</a:t>
             </a:r>
-            <a:endParaRPr lang="nl-BE" dirty="0"/>
+            <a:endParaRPr lang="nl-BE"/>
           </a:p>
         </p:txBody>
       </p:sp>
@@ -10603,10 +11377,10 @@
           </a:lstStyle>
           <a:p>
             <a:r>
-              <a:rPr lang="nl-NL" dirty="0"/>
+              <a:rPr lang="nl-NL"/>
               <a:t>Klik om de ondertitelstijl van het model te bewerken</a:t>
             </a:r>
-            <a:endParaRPr lang="nl-BE" dirty="0"/>
+            <a:endParaRPr lang="nl-BE"/>
           </a:p>
         </p:txBody>
       </p:sp>
@@ -10805,10 +11579,10 @@
           </a:lstStyle>
           <a:p>
             <a:r>
-              <a:rPr lang="nl-NL" dirty="0"/>
+              <a:rPr lang="nl-NL"/>
               <a:t>Klik om de stijl te bewerken</a:t>
             </a:r>
-            <a:endParaRPr lang="nl-BE" dirty="0"/>
+            <a:endParaRPr lang="nl-BE"/>
           </a:p>
         </p:txBody>
       </p:sp>
@@ -10992,17 +11766,17 @@
           </a:lstStyle>
           <a:p>
             <a:r>
-              <a:rPr lang="nl-NL" dirty="0"/>
+              <a:rPr lang="nl-NL"/>
               <a:t>Klik om </a:t>
             </a:r>
             <a:br>
-              <a:rPr lang="nl-NL" dirty="0"/>
+              <a:rPr lang="nl-NL"/>
             </a:br>
             <a:r>
-              <a:rPr lang="nl-NL" dirty="0"/>
+              <a:rPr lang="nl-NL"/>
               <a:t>de stijl te bewerken</a:t>
             </a:r>
-            <a:endParaRPr lang="nl-BE" dirty="0"/>
+            <a:endParaRPr lang="nl-BE"/>
           </a:p>
         </p:txBody>
       </p:sp>
@@ -11069,10 +11843,10 @@
           </a:lstStyle>
           <a:p>
             <a:r>
-              <a:rPr lang="nl-NL" dirty="0"/>
+              <a:rPr lang="nl-NL"/>
               <a:t>Klik om de ondertitelstijl van het model te bewerken</a:t>
             </a:r>
-            <a:endParaRPr lang="nl-BE" dirty="0"/>
+            <a:endParaRPr lang="nl-BE"/>
           </a:p>
         </p:txBody>
       </p:sp>
@@ -11328,60 +12102,60 @@
           </a:lstStyle>
           <a:p>
             <a:r>
-              <a:rPr lang="nl-NL" dirty="0"/>
+              <a:rPr lang="nl-NL"/>
               <a:t>Klik om de ondertitelstijl van het model te bewerken</a:t>
             </a:r>
           </a:p>
           <a:p>
             <a:r>
-              <a:rPr lang="nl-NL" dirty="0"/>
+              <a:rPr lang="nl-NL"/>
               <a:t>Klik om de ondertitelstijl van het model te bewerken</a:t>
             </a:r>
-            <a:endParaRPr lang="nl-BE" dirty="0"/>
+            <a:endParaRPr lang="nl-BE"/>
           </a:p>
           <a:p>
             <a:r>
-              <a:rPr lang="nl-NL" dirty="0"/>
+              <a:rPr lang="nl-NL"/>
               <a:t>Klik om de ondertitelstijl van het model te bewerken</a:t>
             </a:r>
           </a:p>
           <a:p>
-            <a:endParaRPr lang="nl-NL" dirty="0"/>
+            <a:endParaRPr lang="nl-NL"/>
           </a:p>
           <a:p>
-            <a:endParaRPr lang="nl-NL" dirty="0"/>
+            <a:endParaRPr lang="nl-NL"/>
           </a:p>
           <a:p>
-            <a:endParaRPr lang="nl-NL" dirty="0"/>
+            <a:endParaRPr lang="nl-NL"/>
           </a:p>
           <a:p>
             <a:r>
-              <a:rPr lang="nl-NL" dirty="0"/>
+              <a:rPr lang="nl-NL"/>
               <a:t>Klik om de ondertitelstijl van het model te bewerken</a:t>
             </a:r>
-            <a:endParaRPr lang="nl-BE" dirty="0"/>
+            <a:endParaRPr lang="nl-BE"/>
           </a:p>
           <a:p>
             <a:r>
-              <a:rPr lang="nl-NL" dirty="0"/>
+              <a:rPr lang="nl-NL"/>
               <a:t>Klik om de ondertitelstijl van het model te bewerken</a:t>
             </a:r>
-            <a:endParaRPr lang="nl-BE" dirty="0"/>
+            <a:endParaRPr lang="nl-BE"/>
           </a:p>
           <a:p>
-            <a:endParaRPr lang="nl-NL" dirty="0"/>
+            <a:endParaRPr lang="nl-NL"/>
           </a:p>
           <a:p>
-            <a:endParaRPr lang="nl-NL" dirty="0"/>
+            <a:endParaRPr lang="nl-NL"/>
           </a:p>
           <a:p>
-            <a:endParaRPr lang="nl-NL" dirty="0"/>
+            <a:endParaRPr lang="nl-NL"/>
           </a:p>
           <a:p>
-            <a:endParaRPr lang="nl-BE" dirty="0"/>
+            <a:endParaRPr lang="nl-BE"/>
           </a:p>
           <a:p>
-            <a:endParaRPr lang="nl-BE" dirty="0"/>
+            <a:endParaRPr lang="nl-BE"/>
           </a:p>
         </p:txBody>
       </p:sp>
@@ -11415,10 +12189,10 @@
           </a:lstStyle>
           <a:p>
             <a:r>
-              <a:rPr lang="nl-NL" dirty="0"/>
+              <a:rPr lang="nl-NL"/>
               <a:t>Klik om de stijl te bewerken</a:t>
             </a:r>
-            <a:endParaRPr lang="nl-BE" dirty="0"/>
+            <a:endParaRPr lang="nl-BE"/>
           </a:p>
         </p:txBody>
       </p:sp>
@@ -11648,26 +12422,26 @@
           </a:lstStyle>
           <a:p>
             <a:r>
-              <a:rPr lang="nl-NL" dirty="0"/>
+              <a:rPr lang="nl-NL"/>
               <a:t>Klik om de ondertitelstijl van het model te bewerken</a:t>
             </a:r>
           </a:p>
           <a:p>
             <a:r>
-              <a:rPr lang="nl-NL" dirty="0"/>
+              <a:rPr lang="nl-NL"/>
               <a:t>Klik om de ondertitelstijl van het model te bewerken</a:t>
             </a:r>
-            <a:endParaRPr lang="nl-BE" dirty="0"/>
+            <a:endParaRPr lang="nl-BE"/>
           </a:p>
           <a:p>
             <a:r>
-              <a:rPr lang="nl-NL" dirty="0"/>
+              <a:rPr lang="nl-NL"/>
               <a:t>Klik om de ondertitelstijl van het model te bewerken</a:t>
             </a:r>
-            <a:endParaRPr lang="nl-BE" dirty="0"/>
+            <a:endParaRPr lang="nl-BE"/>
           </a:p>
           <a:p>
-            <a:endParaRPr lang="nl-BE" dirty="0"/>
+            <a:endParaRPr lang="nl-BE"/>
           </a:p>
         </p:txBody>
       </p:sp>
@@ -11701,17 +12475,17 @@
           </a:lstStyle>
           <a:p>
             <a:r>
-              <a:rPr lang="nl-NL" dirty="0"/>
+              <a:rPr lang="nl-NL"/>
               <a:t>Klik om </a:t>
             </a:r>
             <a:br>
-              <a:rPr lang="nl-NL" dirty="0"/>
+              <a:rPr lang="nl-NL"/>
             </a:br>
             <a:r>
-              <a:rPr lang="nl-NL" dirty="0"/>
+              <a:rPr lang="nl-NL"/>
               <a:t>de stijl te bewerken</a:t>
             </a:r>
-            <a:endParaRPr lang="nl-BE" dirty="0"/>
+            <a:endParaRPr lang="nl-BE"/>
           </a:p>
         </p:txBody>
       </p:sp>
@@ -12260,7 +13034,7 @@
           <a:lstStyle/>
           <a:p>
             <a:r>
-              <a:rPr lang="nl-BE" sz="4800" dirty="0"/>
+              <a:rPr lang="nl-BE" sz="4800"/>
               <a:t>Depthmonitor</a:t>
             </a:r>
           </a:p>
@@ -12293,7 +13067,7 @@
           <a:lstStyle/>
           <a:p>
             <a:r>
-              <a:rPr lang="en-US" sz="1600" dirty="0">
+              <a:rPr lang="en-US" sz="1600">
                 <a:solidFill>
                   <a:schemeClr val="tx1"/>
                 </a:solidFill>
@@ -12301,11 +13075,11 @@
               <a:t>Students: Jasper Maes</a:t>
             </a:r>
             <a:r>
-              <a:rPr lang="en-US" sz="1600" dirty="0"/>
+              <a:rPr lang="en-US" sz="1600"/>
               <a:t> </a:t>
             </a:r>
             <a:r>
-              <a:rPr lang="en-US" sz="1600" dirty="0">
+              <a:rPr lang="en-US" sz="1600">
                 <a:solidFill>
                   <a:schemeClr val="tx1"/>
                 </a:solidFill>
@@ -12370,7 +13144,6 @@
               <a:rPr lang="nl-BE"/>
               <a:t>Agenda</a:t>
             </a:r>
-            <a:endParaRPr lang="nl-BE" dirty="0"/>
           </a:p>
         </p:txBody>
       </p:sp>
@@ -12389,7 +13162,7 @@
           <p:nvPr>
             <p:extLst>
               <p:ext uri="{D42A27DB-BD31-4B8C-83A1-F6EECF244321}">
-                <p14:modId xmlns:p14="http://schemas.microsoft.com/office/powerpoint/2010/main" val="1921913828"/>
+                <p14:modId xmlns:p14="http://schemas.microsoft.com/office/powerpoint/2010/main" val="3724978686"/>
               </p:ext>
             </p:extLst>
           </p:nvPr>
@@ -12433,10 +13206,10 @@
           <a:lstStyle/>
           <a:p>
             <a:r>
-              <a:rPr lang="nl-BE" dirty="0"/>
+              <a:rPr lang="nl-BE"/>
               <a:t>1</a:t>
             </a:r>
-            <a:endParaRPr lang="en-BE" dirty="0"/>
+            <a:endParaRPr lang="en-BE"/>
           </a:p>
         </p:txBody>
       </p:sp>
@@ -12498,7 +13271,7 @@
           <a:p>
             <a:pPr algn="ctr"/>
             <a:r>
-              <a:rPr lang="nl-BE" dirty="0"/>
+              <a:rPr lang="nl-BE"/>
               <a:t>Timeline</a:t>
             </a:r>
           </a:p>
@@ -12555,7 +13328,7 @@
           <a:lstStyle/>
           <a:p>
             <a:pPr algn="ctr"/>
-            <a:endParaRPr lang="en-US" dirty="0">
+            <a:endParaRPr lang="en-US">
               <a:latin typeface="+mj-lt"/>
             </a:endParaRPr>
           </a:p>
@@ -12612,7 +13385,7 @@
           <a:lstStyle/>
           <a:p>
             <a:pPr algn="ctr"/>
-            <a:endParaRPr lang="en-US" dirty="0">
+            <a:endParaRPr lang="en-US">
               <a:latin typeface="+mj-lt"/>
             </a:endParaRPr>
           </a:p>
@@ -12669,7 +13442,7 @@
           <a:lstStyle/>
           <a:p>
             <a:pPr algn="ctr"/>
-            <a:endParaRPr lang="en-US" dirty="0">
+            <a:endParaRPr lang="en-US">
               <a:latin typeface="+mj-lt"/>
             </a:endParaRPr>
           </a:p>
@@ -12726,7 +13499,7 @@
           <a:lstStyle/>
           <a:p>
             <a:pPr algn="ctr"/>
-            <a:endParaRPr lang="en-US" dirty="0">
+            <a:endParaRPr lang="en-US">
               <a:latin typeface="+mj-lt"/>
             </a:endParaRPr>
           </a:p>
@@ -12787,7 +13560,7 @@
           <a:lstStyle/>
           <a:p>
             <a:pPr algn="ctr"/>
-            <a:endParaRPr lang="en-US" dirty="0"/>
+            <a:endParaRPr lang="en-US"/>
           </a:p>
         </p:txBody>
       </p:sp>
@@ -12846,7 +13619,7 @@
           <a:lstStyle/>
           <a:p>
             <a:pPr algn="ctr"/>
-            <a:endParaRPr lang="en-US" dirty="0"/>
+            <a:endParaRPr lang="en-US"/>
           </a:p>
         </p:txBody>
       </p:sp>
@@ -12905,7 +13678,7 @@
           <a:lstStyle/>
           <a:p>
             <a:pPr algn="ctr"/>
-            <a:endParaRPr lang="en-US" dirty="0"/>
+            <a:endParaRPr lang="en-US"/>
           </a:p>
         </p:txBody>
       </p:sp>
@@ -12964,7 +13737,7 @@
           <a:lstStyle/>
           <a:p>
             <a:pPr algn="ctr"/>
-            <a:endParaRPr lang="en-US" dirty="0"/>
+            <a:endParaRPr lang="en-US"/>
           </a:p>
         </p:txBody>
       </p:sp>
@@ -12998,7 +13771,7 @@
           <a:p>
             <a:pPr algn="ctr"/>
             <a:r>
-              <a:rPr lang="en-US" sz="1600" dirty="0">
+              <a:rPr lang="en-US" sz="1600">
                 <a:solidFill>
                   <a:schemeClr val="bg1"/>
                 </a:solidFill>
@@ -13040,7 +13813,7 @@
           <a:p>
             <a:pPr algn="ctr"/>
             <a:r>
-              <a:rPr lang="en-US" sz="1600" dirty="0">
+              <a:rPr lang="en-US" sz="1600">
                 <a:solidFill>
                   <a:schemeClr val="bg1"/>
                 </a:solidFill>
@@ -13082,7 +13855,7 @@
           <a:p>
             <a:pPr algn="ctr"/>
             <a:r>
-              <a:rPr lang="en-US" sz="1600" dirty="0">
+              <a:rPr lang="en-US" sz="1600">
                 <a:solidFill>
                   <a:schemeClr val="bg1"/>
                 </a:solidFill>
@@ -13124,7 +13897,7 @@
           <a:p>
             <a:pPr algn="ctr"/>
             <a:r>
-              <a:rPr lang="en-US" sz="1600" dirty="0">
+              <a:rPr lang="en-US" sz="1600">
                 <a:solidFill>
                   <a:schemeClr val="bg1"/>
                 </a:solidFill>
@@ -13166,7 +13939,7 @@
           <a:p>
             <a:pPr algn="ctr"/>
             <a:r>
-              <a:rPr lang="en-US" b="1" dirty="0">
+              <a:rPr lang="en-US" b="1">
                 <a:latin typeface="+mj-lt"/>
                 <a:cs typeface="Biome Light" panose="020B0303030204020804" pitchFamily="34" charset="0"/>
               </a:rPr>
@@ -13175,7 +13948,7 @@
           </a:p>
           <a:p>
             <a:pPr algn="ctr"/>
-            <a:endParaRPr lang="en-US" sz="1400" dirty="0">
+            <a:endParaRPr lang="en-US" sz="1400">
               <a:cs typeface="Biome Light" panose="020B0303030204020804" pitchFamily="34" charset="0"/>
             </a:endParaRPr>
           </a:p>
@@ -13211,19 +13984,19 @@
           <a:p>
             <a:pPr algn="ctr"/>
             <a:r>
-              <a:rPr lang="en-US" b="1" dirty="0">
+              <a:rPr lang="en-US" b="1">
                 <a:latin typeface="+mj-lt"/>
                 <a:cs typeface="Biome Light" panose="020B0303030204020804" pitchFamily="34" charset="0"/>
               </a:rPr>
               <a:t>Product Development</a:t>
             </a:r>
             <a:br>
-              <a:rPr lang="en-US" b="1" dirty="0">
+              <a:rPr lang="en-US" b="1">
                 <a:latin typeface="+mj-lt"/>
                 <a:cs typeface="Biome Light" panose="020B0303030204020804" pitchFamily="34" charset="0"/>
               </a:rPr>
             </a:br>
-            <a:endParaRPr lang="en-US" b="1" dirty="0">
+            <a:endParaRPr lang="en-US" b="1">
               <a:latin typeface="+mj-lt"/>
               <a:cs typeface="Biome Light" panose="020B0303030204020804" pitchFamily="34" charset="0"/>
             </a:endParaRPr>
@@ -13231,45 +14004,54 @@
           <a:p>
             <a:pPr algn="ctr"/>
             <a:r>
-              <a:rPr lang="en-US" sz="1400" b="0" i="0" u="none" strike="noStrike" dirty="0">
+              <a:rPr lang="en-US" sz="1400" b="0" i="0" u="none" strike="noStrike">
                 <a:effectLst/>
                 <a:cs typeface="Biome Light" panose="020B0303030204020804" pitchFamily="34" charset="0"/>
               </a:rPr>
-              <a:t> PLC programming</a:t>
+              <a:t> Se</a:t>
+            </a:r>
+            <a:r>
+              <a:rPr lang="en-US" sz="1400">
+                <a:cs typeface="Biome Light" panose="020B0303030204020804" pitchFamily="34" charset="0"/>
+              </a:rPr>
+              <a:t>nsor</a:t>
+            </a:r>
+            <a:r>
+              <a:rPr lang="en-US" sz="1400" b="0" i="0" u="none" strike="noStrike">
+                <a:effectLst/>
+                <a:cs typeface="Biome Light" panose="020B0303030204020804" pitchFamily="34" charset="0"/>
+              </a:rPr>
+              <a:t> programming</a:t>
             </a:r>
           </a:p>
           <a:p>
             <a:pPr algn="ctr"/>
             <a:r>
-              <a:rPr lang="en-US" sz="1400" b="0" i="0" u="none" strike="noStrike" dirty="0">
+              <a:rPr lang="en-US" sz="1400" b="0" i="0" u="none" strike="noStrike">
                 <a:effectLst/>
                 <a:cs typeface="Biome Light" panose="020B0303030204020804" pitchFamily="34" charset="0"/>
               </a:rPr>
-              <a:t> Python ads</a:t>
+              <a:t> </a:t>
             </a:r>
+            <a:r>
+              <a:rPr lang="en-US" sz="1400">
+                <a:cs typeface="Biome Light" panose="020B0303030204020804" pitchFamily="34" charset="0"/>
+              </a:rPr>
+              <a:t>Arduino programming</a:t>
+            </a:r>
+            <a:endParaRPr lang="en-US" sz="1400" b="0" i="0" u="none" strike="noStrike">
+              <a:effectLst/>
+              <a:cs typeface="Biome Light" panose="020B0303030204020804" pitchFamily="34" charset="0"/>
+            </a:endParaRPr>
           </a:p>
           <a:p>
             <a:pPr algn="ctr"/>
             <a:r>
-              <a:rPr lang="en-US" sz="1400" b="0" i="0" u="none" strike="noStrike" dirty="0">
-                <a:effectLst/>
+              <a:rPr lang="en-US" sz="1400">
                 <a:cs typeface="Biome Light" panose="020B0303030204020804" pitchFamily="34" charset="0"/>
               </a:rPr>
-              <a:t>Python dashboard</a:t>
+              <a:t>Wiring</a:t>
             </a:r>
-          </a:p>
-          <a:p>
-            <a:pPr algn="ctr"/>
-            <a:r>
-              <a:rPr lang="en-US" sz="1400" b="0" i="0" u="none" strike="noStrike" dirty="0">
-                <a:effectLst/>
-                <a:cs typeface="Biome Light" panose="020B0303030204020804" pitchFamily="34" charset="0"/>
-              </a:rPr>
-              <a:t>Data research</a:t>
-            </a:r>
-            <a:endParaRPr lang="en-US" sz="1400" dirty="0">
-              <a:cs typeface="Biome Light" panose="020B0303030204020804" pitchFamily="34" charset="0"/>
-            </a:endParaRPr>
           </a:p>
         </p:txBody>
       </p:sp>
@@ -13303,19 +14085,19 @@
           <a:p>
             <a:pPr algn="ctr"/>
             <a:r>
-              <a:rPr lang="en-US" b="1" dirty="0">
+              <a:rPr lang="en-US" b="1">
                 <a:latin typeface="+mj-lt"/>
                 <a:cs typeface="Biome Light" panose="020B0303030204020804" pitchFamily="34" charset="0"/>
               </a:rPr>
               <a:t>Product Development</a:t>
             </a:r>
             <a:br>
-              <a:rPr lang="en-US" b="1" dirty="0">
+              <a:rPr lang="en-US" b="1">
                 <a:latin typeface="+mj-lt"/>
                 <a:cs typeface="Biome Light" panose="020B0303030204020804" pitchFamily="34" charset="0"/>
               </a:rPr>
             </a:br>
-            <a:endParaRPr lang="en-US" b="1" dirty="0">
+            <a:endParaRPr lang="en-US" b="1">
               <a:latin typeface="+mj-lt"/>
               <a:cs typeface="Biome Light" panose="020B0303030204020804" pitchFamily="34" charset="0"/>
             </a:endParaRPr>
@@ -13323,7 +14105,7 @@
           <a:p>
             <a:pPr algn="ctr"/>
             <a:r>
-              <a:rPr lang="en-US" sz="1400" dirty="0">
+              <a:rPr lang="en-US" sz="1400">
                 <a:cs typeface="Biome Light" panose="020B0303030204020804" pitchFamily="34" charset="0"/>
               </a:rPr>
               <a:t>Arduino programming</a:t>
@@ -13332,7 +14114,7 @@
           <a:p>
             <a:pPr algn="ctr"/>
             <a:r>
-              <a:rPr lang="en-US" sz="1400" dirty="0">
+              <a:rPr lang="en-US" sz="1400">
                 <a:cs typeface="Biome Light" panose="020B0303030204020804" pitchFamily="34" charset="0"/>
               </a:rPr>
               <a:t>Documentation</a:t>
@@ -13341,7 +14123,7 @@
           <a:p>
             <a:pPr algn="ctr"/>
             <a:r>
-              <a:rPr lang="en-US" sz="1400" dirty="0">
+              <a:rPr lang="en-US" sz="1400">
                 <a:cs typeface="Biome Light" panose="020B0303030204020804" pitchFamily="34" charset="0"/>
               </a:rPr>
               <a:t>Debugging</a:t>
@@ -13349,7 +14131,7 @@
           </a:p>
           <a:p>
             <a:pPr algn="ctr"/>
-            <a:endParaRPr lang="en-US" sz="1400" dirty="0">
+            <a:endParaRPr lang="en-US" sz="1400">
               <a:cs typeface="Biome Light" panose="020B0303030204020804" pitchFamily="34" charset="0"/>
             </a:endParaRPr>
           </a:p>
@@ -13385,19 +14167,19 @@
           <a:p>
             <a:pPr algn="ctr"/>
             <a:r>
-              <a:rPr lang="en-US" b="1" dirty="0">
+              <a:rPr lang="en-US" b="1">
                 <a:latin typeface="+mj-lt"/>
                 <a:cs typeface="Biome Light" panose="020B0303030204020804" pitchFamily="34" charset="0"/>
               </a:rPr>
               <a:t>Product launch</a:t>
             </a:r>
             <a:br>
-              <a:rPr lang="en-US" b="1" dirty="0">
+              <a:rPr lang="en-US" b="1">
                 <a:latin typeface="+mj-lt"/>
                 <a:cs typeface="Biome Light" panose="020B0303030204020804" pitchFamily="34" charset="0"/>
               </a:rPr>
             </a:br>
-            <a:endParaRPr lang="en-US" b="1" dirty="0">
+            <a:endParaRPr lang="en-US" b="1">
               <a:latin typeface="+mj-lt"/>
               <a:cs typeface="Biome Light" panose="020B0303030204020804" pitchFamily="34" charset="0"/>
             </a:endParaRPr>
@@ -13405,7 +14187,7 @@
           <a:p>
             <a:pPr algn="ctr"/>
             <a:r>
-              <a:rPr lang="en-US" sz="1400" dirty="0">
+              <a:rPr lang="en-US" sz="1400">
                 <a:cs typeface="Biome Light" panose="020B0303030204020804" pitchFamily="34" charset="0"/>
               </a:rPr>
               <a:t>Final Touch</a:t>
@@ -13414,7 +14196,7 @@
           <a:p>
             <a:pPr algn="ctr"/>
             <a:r>
-              <a:rPr lang="en-US" sz="1400" dirty="0">
+              <a:rPr lang="en-US" sz="1400">
                 <a:cs typeface="Biome Light" panose="020B0303030204020804" pitchFamily="34" charset="0"/>
               </a:rPr>
               <a:t>Working Product</a:t>
@@ -13423,13 +14205,13 @@
           <a:p>
             <a:pPr algn="ctr"/>
             <a:r>
-              <a:rPr lang="en-US" sz="1400" dirty="0" err="1">
+              <a:rPr lang="en-US" sz="1400" err="1">
                 <a:cs typeface="Biome Light" panose="020B0303030204020804" pitchFamily="34" charset="0"/>
               </a:rPr>
               <a:t>Github</a:t>
             </a:r>
             <a:r>
-              <a:rPr lang="en-US" sz="1400" dirty="0">
+              <a:rPr lang="en-US" sz="1400">
                 <a:cs typeface="Biome Light" panose="020B0303030204020804" pitchFamily="34" charset="0"/>
               </a:rPr>
               <a:t> repository</a:t>
@@ -13467,7 +14249,7 @@
           <a:p>
             <a:pPr algn="ctr"/>
             <a:r>
-              <a:rPr lang="en-US" sz="1400" dirty="0">
+              <a:rPr lang="en-US" sz="1400">
                 <a:cs typeface="Biome Light" panose="020B0303030204020804" pitchFamily="34" charset="0"/>
               </a:rPr>
               <a:t> Reading documentation</a:t>
@@ -13476,7 +14258,7 @@
           <a:p>
             <a:pPr algn="ctr"/>
             <a:r>
-              <a:rPr lang="en-US" sz="1400" dirty="0">
+              <a:rPr lang="en-US" sz="1400">
                 <a:cs typeface="Biome Light" panose="020B0303030204020804" pitchFamily="34" charset="0"/>
               </a:rPr>
               <a:t>  Installations</a:t>
@@ -13485,7 +14267,7 @@
           <a:p>
             <a:pPr algn="ctr"/>
             <a:r>
-              <a:rPr lang="en-US" sz="1400" dirty="0">
+              <a:rPr lang="en-US" sz="1400">
                 <a:cs typeface="Biome Light" panose="020B0303030204020804" pitchFamily="34" charset="0"/>
               </a:rPr>
               <a:t>Calculations</a:t>
@@ -13494,7 +14276,7 @@
           <a:p>
             <a:pPr algn="ctr"/>
             <a:r>
-              <a:rPr lang="en-US" sz="1400" dirty="0">
+              <a:rPr lang="en-US" sz="1400">
                 <a:cs typeface="Biome Light" panose="020B0303030204020804" pitchFamily="34" charset="0"/>
               </a:rPr>
               <a:t>Project application</a:t>
@@ -13531,10 +14313,10 @@
           <a:lstStyle/>
           <a:p>
             <a:r>
-              <a:rPr lang="nl-BE" dirty="0"/>
+              <a:rPr lang="nl-BE"/>
               <a:t>2</a:t>
             </a:r>
-            <a:endParaRPr lang="en-BE" dirty="0"/>
+            <a:endParaRPr lang="en-BE"/>
           </a:p>
         </p:txBody>
       </p:sp>
@@ -13590,10 +14372,10 @@
           <a:lstStyle/>
           <a:p>
             <a:r>
-              <a:rPr lang="nl-BE" dirty="0"/>
+              <a:rPr lang="nl-BE"/>
               <a:t>Project overview</a:t>
             </a:r>
-            <a:endParaRPr lang="en-BE" dirty="0"/>
+            <a:endParaRPr lang="en-BE"/>
           </a:p>
         </p:txBody>
       </p:sp>
@@ -13626,13 +14408,49 @@
           <a:lstStyle/>
           <a:p>
             <a:r>
-              <a:rPr lang="nl-BE" dirty="0"/>
+              <a:rPr lang="nl-BE"/>
               <a:t>3</a:t>
             </a:r>
-            <a:endParaRPr lang="en-BE" dirty="0"/>
+            <a:endParaRPr lang="en-BE"/>
           </a:p>
         </p:txBody>
       </p:sp>
+      <p:pic>
+        <p:nvPicPr>
+          <p:cNvPr id="5" name="Afbeelding 4" descr="Afbeelding met tekst, schermopname, diagram, cirkel&#10;&#10;Automatisch gegenereerde beschrijving">
+            <a:extLst>
+              <a:ext uri="{FF2B5EF4-FFF2-40B4-BE49-F238E27FC236}">
+                <a16:creationId xmlns:a16="http://schemas.microsoft.com/office/drawing/2014/main" id="{E1D2C7EC-140B-50BC-7E2A-203936CF0354}"/>
+              </a:ext>
+            </a:extLst>
+          </p:cNvPr>
+          <p:cNvPicPr>
+            <a:picLocks noChangeAspect="1"/>
+          </p:cNvPicPr>
+          <p:nvPr/>
+        </p:nvPicPr>
+        <p:blipFill>
+          <a:blip r:embed="rId3">
+            <a:extLst>
+              <a:ext uri="{28A0092B-C50C-407E-A947-70E740481C1C}">
+                <a14:useLocalDpi xmlns:a14="http://schemas.microsoft.com/office/drawing/2010/main" val="0"/>
+              </a:ext>
+            </a:extLst>
+          </a:blip>
+          <a:stretch>
+            <a:fillRect/>
+          </a:stretch>
+        </p:blipFill>
+        <p:spPr>
+          <a:xfrm>
+            <a:off x="7024787" y="1054487"/>
+            <a:ext cx="2888599" cy="4535100"/>
+          </a:xfrm>
+          <a:prstGeom prst="rect">
+            <a:avLst/>
+          </a:prstGeom>
+        </p:spPr>
+      </p:pic>
     </p:spTree>
     <p:extLst>
       <p:ext uri="{BB962C8B-B14F-4D97-AF65-F5344CB8AC3E}">
@@ -13685,14 +14503,14 @@
           <a:lstStyle/>
           <a:p>
             <a:r>
-              <a:rPr lang="nl-BE" dirty="0"/>
+              <a:rPr lang="nl-BE"/>
               <a:t>Used </a:t>
             </a:r>
             <a:r>
-              <a:rPr lang="nl-BE" dirty="0" err="1"/>
+              <a:rPr lang="nl-BE" err="1"/>
               <a:t>Components</a:t>
             </a:r>
-            <a:endParaRPr lang="en-BE" dirty="0"/>
+            <a:endParaRPr lang="en-BE"/>
           </a:p>
         </p:txBody>
       </p:sp>
@@ -13720,10 +14538,46 @@
         </p:xfrm>
         <a:graphic>
           <a:graphicData uri="http://schemas.openxmlformats.org/drawingml/2006/diagram">
-            <dgm:relIds xmlns:dgm="http://schemas.openxmlformats.org/drawingml/2006/diagram" xmlns:r="http://schemas.openxmlformats.org/officeDocument/2006/relationships" r:dm="rId2" r:lo="rId3" r:qs="rId4" r:cs="rId5"/>
+            <dgm:relIds xmlns:dgm="http://schemas.openxmlformats.org/drawingml/2006/diagram" xmlns:r="http://schemas.openxmlformats.org/officeDocument/2006/relationships" r:dm="rId3" r:lo="rId4" r:qs="rId5" r:cs="rId6"/>
           </a:graphicData>
         </a:graphic>
       </p:graphicFrame>
+      <p:sp>
+        <p:nvSpPr>
+          <p:cNvPr id="4" name="Tekstvak 3">
+            <a:extLst>
+              <a:ext uri="{FF2B5EF4-FFF2-40B4-BE49-F238E27FC236}">
+                <a16:creationId xmlns:a16="http://schemas.microsoft.com/office/drawing/2014/main" id="{4832C39D-BA1C-85F9-2154-B22F7FC373F1}"/>
+              </a:ext>
+            </a:extLst>
+          </p:cNvPr>
+          <p:cNvSpPr txBox="1"/>
+          <p:nvPr/>
+        </p:nvSpPr>
+        <p:spPr>
+          <a:xfrm>
+            <a:off x="11496448" y="6327321"/>
+            <a:ext cx="359228" cy="369332"/>
+          </a:xfrm>
+          <a:prstGeom prst="rect">
+            <a:avLst/>
+          </a:prstGeom>
+          <a:noFill/>
+        </p:spPr>
+        <p:txBody>
+          <a:bodyPr wrap="square" rtlCol="0">
+            <a:spAutoFit/>
+          </a:bodyPr>
+          <a:lstStyle/>
+          <a:p>
+            <a:r>
+              <a:rPr lang="nl-BE"/>
+              <a:t>4</a:t>
+            </a:r>
+            <a:endParaRPr lang="en-BE"/>
+          </a:p>
+        </p:txBody>
+      </p:sp>
     </p:spTree>
     <p:extLst>
       <p:ext uri="{BB962C8B-B14F-4D97-AF65-F5344CB8AC3E}">
@@ -13776,22 +14630,22 @@
           <a:lstStyle/>
           <a:p>
             <a:r>
-              <a:rPr lang="nl-BE" dirty="0"/>
+              <a:rPr lang="nl-BE"/>
               <a:t>Other </a:t>
             </a:r>
             <a:r>
-              <a:rPr lang="nl-BE" dirty="0" err="1"/>
+              <a:rPr lang="nl-BE" err="1"/>
               <a:t>researched</a:t>
             </a:r>
             <a:r>
-              <a:rPr lang="nl-BE" dirty="0"/>
+              <a:rPr lang="nl-BE"/>
               <a:t> </a:t>
             </a:r>
             <a:r>
-              <a:rPr lang="nl-BE" dirty="0" err="1"/>
+              <a:rPr lang="nl-BE" err="1"/>
               <a:t>components</a:t>
             </a:r>
-            <a:endParaRPr lang="en-BE" dirty="0"/>
+            <a:endParaRPr lang="en-BE"/>
           </a:p>
         </p:txBody>
       </p:sp>
@@ -13824,10 +14678,10 @@
           <a:lstStyle/>
           <a:p>
             <a:r>
-              <a:rPr lang="nl-BE" dirty="0"/>
-              <a:t>4</a:t>
+              <a:rPr lang="nl-BE"/>
+              <a:t>5</a:t>
             </a:r>
-            <a:endParaRPr lang="en-BE" dirty="0"/>
+            <a:endParaRPr lang="en-BE"/>
           </a:p>
         </p:txBody>
       </p:sp>
@@ -13945,7 +14799,7 @@
         <p:spPr>
           <a:xfrm>
             <a:off x="2138288" y="4455807"/>
-            <a:ext cx="2644727" cy="1477328"/>
+            <a:ext cx="2644727" cy="1200329"/>
           </a:xfrm>
           <a:prstGeom prst="rect">
             <a:avLst/>
@@ -13963,7 +14817,7 @@
               <a:buChar char="•"/>
             </a:pPr>
             <a:r>
-              <a:rPr lang="nl-BE" dirty="0"/>
+              <a:rPr lang="nl-BE"/>
               <a:t>High peak voltage</a:t>
             </a:r>
           </a:p>
@@ -13973,7 +14827,7 @@
               <a:buChar char="•"/>
             </a:pPr>
             <a:r>
-              <a:rPr lang="nl-BE" dirty="0"/>
+              <a:rPr lang="nl-BE"/>
               <a:t>Trigger and echo </a:t>
             </a:r>
           </a:p>
@@ -13983,23 +14837,8 @@
               <a:buChar char="•"/>
             </a:pPr>
             <a:r>
-              <a:rPr lang="nl-BE" dirty="0"/>
-              <a:t>Easy </a:t>
-            </a:r>
-            <a:r>
-              <a:rPr lang="nl-BE" dirty="0" err="1"/>
-              <a:t>programable</a:t>
-            </a:r>
-            <a:endParaRPr lang="nl-BE" dirty="0"/>
-          </a:p>
-          <a:p>
-            <a:pPr marL="285750" indent="-285750">
-              <a:buFont typeface="Arial" panose="020B0604020202020204" pitchFamily="34" charset="0"/>
-              <a:buChar char="•"/>
-            </a:pPr>
-            <a:r>
-              <a:rPr lang="nl-BE" dirty="0"/>
-              <a:t>Inaccurate</a:t>
+              <a:rPr lang="nl-BE"/>
+              <a:t>Easy programable</a:t>
             </a:r>
           </a:p>
           <a:p>
@@ -14008,18 +14847,18 @@
               <a:buChar char="•"/>
             </a:pPr>
             <a:r>
-              <a:rPr lang="nl-BE" dirty="0" err="1"/>
+              <a:rPr lang="nl-BE" err="1"/>
               <a:t>Analog</a:t>
             </a:r>
             <a:r>
-              <a:rPr lang="nl-BE" dirty="0"/>
+              <a:rPr lang="nl-BE"/>
               <a:t> </a:t>
             </a:r>
             <a:r>
-              <a:rPr lang="nl-BE" dirty="0" err="1"/>
+              <a:rPr lang="nl-BE" err="1"/>
               <a:t>values</a:t>
             </a:r>
-            <a:endParaRPr lang="nl-BE" dirty="0"/>
+            <a:endParaRPr lang="nl-BE"/>
           </a:p>
         </p:txBody>
       </p:sp>
@@ -14056,14 +14895,14 @@
               <a:buChar char="•"/>
             </a:pPr>
             <a:r>
-              <a:rPr lang="nl-BE" dirty="0"/>
+              <a:rPr lang="nl-BE"/>
               <a:t>Digital </a:t>
             </a:r>
             <a:r>
-              <a:rPr lang="nl-BE" dirty="0" err="1"/>
+              <a:rPr lang="nl-BE" err="1"/>
               <a:t>values</a:t>
             </a:r>
-            <a:endParaRPr lang="nl-BE" dirty="0"/>
+            <a:endParaRPr lang="nl-BE"/>
           </a:p>
           <a:p>
             <a:pPr marL="285750" indent="-285750">
@@ -14071,11 +14910,11 @@
               <a:buChar char="•"/>
             </a:pPr>
             <a:r>
-              <a:rPr lang="nl-BE" dirty="0" err="1"/>
+              <a:rPr lang="nl-BE" err="1"/>
               <a:t>Only</a:t>
             </a:r>
             <a:r>
-              <a:rPr lang="nl-BE" dirty="0"/>
+              <a:rPr lang="nl-BE"/>
               <a:t> high or low </a:t>
             </a:r>
           </a:p>
@@ -14085,14 +14924,14 @@
               <a:buChar char="•"/>
             </a:pPr>
             <a:r>
-              <a:rPr lang="nl-BE" dirty="0"/>
+              <a:rPr lang="nl-BE"/>
               <a:t>Easy </a:t>
             </a:r>
             <a:r>
-              <a:rPr lang="nl-BE" dirty="0" err="1"/>
+              <a:rPr lang="nl-BE" err="1"/>
               <a:t>programable</a:t>
             </a:r>
-            <a:endParaRPr lang="nl-BE" dirty="0"/>
+            <a:endParaRPr lang="nl-BE"/>
           </a:p>
         </p:txBody>
       </p:sp>
@@ -14148,23 +14987,23 @@
           <a:lstStyle/>
           <a:p>
             <a:r>
-              <a:rPr lang="nl-BE" dirty="0"/>
+              <a:rPr lang="nl-BE"/>
               <a:t>Arduino </a:t>
             </a:r>
             <a:r>
-              <a:rPr lang="nl-BE" dirty="0" err="1"/>
+              <a:rPr lang="nl-BE" err="1"/>
               <a:t>connections</a:t>
             </a:r>
-            <a:endParaRPr lang="en-BE" dirty="0"/>
+            <a:endParaRPr lang="en-BE"/>
           </a:p>
         </p:txBody>
       </p:sp>
       <p:pic>
         <p:nvPicPr>
-          <p:cNvPr id="4" name="Afbeelding 3" descr="Afbeelding met tekst, diagram, Plan, schermopname&#10;&#10;Automatisch gegenereerde beschrijving">
+          <p:cNvPr id="5" name="Afbeelding 4">
             <a:extLst>
               <a:ext uri="{FF2B5EF4-FFF2-40B4-BE49-F238E27FC236}">
-                <a16:creationId xmlns:a16="http://schemas.microsoft.com/office/drawing/2014/main" id="{50279677-BE2D-AAB2-3D03-D5CB080339EB}"/>
+                <a16:creationId xmlns:a16="http://schemas.microsoft.com/office/drawing/2014/main" id="{467B84F3-F026-5935-E0C0-93F7D309219F}"/>
               </a:ext>
             </a:extLst>
           </p:cNvPr>
@@ -14173,27 +15012,58 @@
           </p:cNvPicPr>
           <p:nvPr/>
         </p:nvPicPr>
-        <p:blipFill rotWithShape="1">
-          <a:blip r:embed="rId2">
-            <a:extLst>
-              <a:ext uri="{28A0092B-C50C-407E-A947-70E740481C1C}">
-                <a14:useLocalDpi xmlns:a14="http://schemas.microsoft.com/office/drawing/2010/main" val="0"/>
-              </a:ext>
-            </a:extLst>
-          </a:blip>
-          <a:srcRect l="19228" t="14768" r="21353" b="28205"/>
-          <a:stretch/>
+        <p:blipFill>
+          <a:blip r:embed="rId3"/>
+          <a:stretch>
+            <a:fillRect/>
+          </a:stretch>
         </p:blipFill>
         <p:spPr>
           <a:xfrm>
-            <a:off x="2743199" y="2110154"/>
-            <a:ext cx="5767755" cy="3910818"/>
+            <a:off x="3023758" y="1898650"/>
+            <a:ext cx="6144482" cy="4115374"/>
           </a:xfrm>
           <a:prstGeom prst="rect">
             <a:avLst/>
           </a:prstGeom>
         </p:spPr>
       </p:pic>
+      <p:sp>
+        <p:nvSpPr>
+          <p:cNvPr id="6" name="Tekstvak 5">
+            <a:extLst>
+              <a:ext uri="{FF2B5EF4-FFF2-40B4-BE49-F238E27FC236}">
+                <a16:creationId xmlns:a16="http://schemas.microsoft.com/office/drawing/2014/main" id="{F70A0E0D-2479-B6E9-0E59-686B587FAAE4}"/>
+              </a:ext>
+            </a:extLst>
+          </p:cNvPr>
+          <p:cNvSpPr txBox="1"/>
+          <p:nvPr/>
+        </p:nvSpPr>
+        <p:spPr>
+          <a:xfrm>
+            <a:off x="11496448" y="6327321"/>
+            <a:ext cx="359228" cy="369332"/>
+          </a:xfrm>
+          <a:prstGeom prst="rect">
+            <a:avLst/>
+          </a:prstGeom>
+          <a:noFill/>
+        </p:spPr>
+        <p:txBody>
+          <a:bodyPr wrap="square" rtlCol="0">
+            <a:spAutoFit/>
+          </a:bodyPr>
+          <a:lstStyle/>
+          <a:p>
+            <a:r>
+              <a:rPr lang="nl-BE"/>
+              <a:t>6</a:t>
+            </a:r>
+            <a:endParaRPr lang="en-BE"/>
+          </a:p>
+        </p:txBody>
+      </p:sp>
     </p:spTree>
     <p:extLst>
       <p:ext uri="{BB962C8B-B14F-4D97-AF65-F5344CB8AC3E}">
@@ -14246,10 +15116,10 @@
           <a:lstStyle/>
           <a:p>
             <a:r>
-              <a:rPr lang="nl-BE" dirty="0"/>
+              <a:rPr lang="nl-BE"/>
               <a:t>Arduino software</a:t>
             </a:r>
-            <a:endParaRPr lang="en-BE" dirty="0"/>
+            <a:endParaRPr lang="en-BE"/>
           </a:p>
         </p:txBody>
       </p:sp>
@@ -14268,7 +15138,7 @@
           <p:nvPr/>
         </p:nvPicPr>
         <p:blipFill>
-          <a:blip r:embed="rId2">
+          <a:blip r:embed="rId3">
             <a:extLst>
               <a:ext uri="{28A0092B-C50C-407E-A947-70E740481C1C}">
                 <a14:useLocalDpi xmlns:a14="http://schemas.microsoft.com/office/drawing/2010/main" val="0"/>
@@ -14294,6 +15164,42 @@
           </a:ln>
         </p:spPr>
       </p:pic>
+      <p:sp>
+        <p:nvSpPr>
+          <p:cNvPr id="4" name="Tekstvak 3">
+            <a:extLst>
+              <a:ext uri="{FF2B5EF4-FFF2-40B4-BE49-F238E27FC236}">
+                <a16:creationId xmlns:a16="http://schemas.microsoft.com/office/drawing/2014/main" id="{E36A2AF0-F707-5549-B58A-E7AE310281B6}"/>
+              </a:ext>
+            </a:extLst>
+          </p:cNvPr>
+          <p:cNvSpPr txBox="1"/>
+          <p:nvPr/>
+        </p:nvSpPr>
+        <p:spPr>
+          <a:xfrm>
+            <a:off x="11496448" y="6327321"/>
+            <a:ext cx="359228" cy="369332"/>
+          </a:xfrm>
+          <a:prstGeom prst="rect">
+            <a:avLst/>
+          </a:prstGeom>
+          <a:noFill/>
+        </p:spPr>
+        <p:txBody>
+          <a:bodyPr wrap="square" rtlCol="0">
+            <a:spAutoFit/>
+          </a:bodyPr>
+          <a:lstStyle/>
+          <a:p>
+            <a:r>
+              <a:rPr lang="nl-BE"/>
+              <a:t>7</a:t>
+            </a:r>
+            <a:endParaRPr lang="en-BE"/>
+          </a:p>
+        </p:txBody>
+      </p:sp>
     </p:spTree>
     <p:extLst>
       <p:ext uri="{BB962C8B-B14F-4D97-AF65-F5344CB8AC3E}">
@@ -14340,16 +15246,21 @@
             <p:ph type="ctrTitle"/>
           </p:nvPr>
         </p:nvSpPr>
-        <p:spPr/>
+        <p:spPr>
+          <a:xfrm>
+            <a:off x="5140060" y="3031386"/>
+            <a:ext cx="1911880" cy="795228"/>
+          </a:xfrm>
+        </p:spPr>
         <p:txBody>
           <a:bodyPr/>
           <a:lstStyle/>
           <a:p>
             <a:r>
-              <a:rPr lang="nl-BE" dirty="0"/>
-              <a:t>Demo’s</a:t>
+              <a:rPr lang="nl-BE"/>
+              <a:t>Demo</a:t>
             </a:r>
-            <a:endParaRPr lang="en-BE" dirty="0"/>
+            <a:endParaRPr lang="en-BE"/>
           </a:p>
         </p:txBody>
       </p:sp>
@@ -14382,10 +15293,10 @@
           <a:lstStyle/>
           <a:p>
             <a:r>
-              <a:rPr lang="nl-BE" dirty="0"/>
-              <a:t>6</a:t>
+              <a:rPr lang="nl-BE"/>
+              <a:t>8</a:t>
             </a:r>
-            <a:endParaRPr lang="en-BE" dirty="0"/>
+            <a:endParaRPr lang="en-BE"/>
           </a:p>
         </p:txBody>
       </p:sp>
